--- a/images/posts/2025-11-10-blog-post/新建 Microsoft PowerPoint 演示文稿.pptx
+++ b/images/posts/2025-11-10-blog-post/新建 Microsoft PowerPoint 演示文稿.pptx
@@ -5,10 +5,11 @@
     <p:sldMasterId id="2147483648" r:id="rId1"/>
   </p:sldMasterIdLst>
   <p:notesMasterIdLst>
-    <p:notesMasterId r:id="rId3"/>
+    <p:notesMasterId r:id="rId4"/>
   </p:notesMasterIdLst>
   <p:sldIdLst>
     <p:sldId id="259" r:id="rId2"/>
+    <p:sldId id="260" r:id="rId3"/>
   </p:sldIdLst>
   <p:sldSz cx="12192000" cy="6858000"/>
   <p:notesSz cx="6858000" cy="9144000"/>
@@ -197,7 +198,7 @@
           <a:p>
             <a:fld id="{647ECE79-FF7E-41FB-AF77-2642C537B7FF}" type="datetimeFigureOut">
               <a:rPr lang="zh-CN" altLang="en-US" smtClean="0"/>
-              <a:t>2025/11/12</a:t>
+              <a:t>2025/11/17</a:t>
             </a:fld>
             <a:endParaRPr lang="zh-CN" altLang="en-US"/>
           </a:p>
@@ -611,7 +612,7 @@
           <a:p>
             <a:fld id="{E726BC83-4393-4DB0-BB63-7D0921B05D3E}" type="datetimeFigureOut">
               <a:rPr lang="zh-CN" altLang="en-US" smtClean="0"/>
-              <a:t>2025/11/12</a:t>
+              <a:t>2025/11/17</a:t>
             </a:fld>
             <a:endParaRPr lang="zh-CN" altLang="en-US"/>
           </a:p>
@@ -809,7 +810,7 @@
           <a:p>
             <a:fld id="{E726BC83-4393-4DB0-BB63-7D0921B05D3E}" type="datetimeFigureOut">
               <a:rPr lang="zh-CN" altLang="en-US" smtClean="0"/>
-              <a:t>2025/11/12</a:t>
+              <a:t>2025/11/17</a:t>
             </a:fld>
             <a:endParaRPr lang="zh-CN" altLang="en-US"/>
           </a:p>
@@ -1017,7 +1018,7 @@
           <a:p>
             <a:fld id="{E726BC83-4393-4DB0-BB63-7D0921B05D3E}" type="datetimeFigureOut">
               <a:rPr lang="zh-CN" altLang="en-US" smtClean="0"/>
-              <a:t>2025/11/12</a:t>
+              <a:t>2025/11/17</a:t>
             </a:fld>
             <a:endParaRPr lang="zh-CN" altLang="en-US"/>
           </a:p>
@@ -1215,7 +1216,7 @@
           <a:p>
             <a:fld id="{E726BC83-4393-4DB0-BB63-7D0921B05D3E}" type="datetimeFigureOut">
               <a:rPr lang="zh-CN" altLang="en-US" smtClean="0"/>
-              <a:t>2025/11/12</a:t>
+              <a:t>2025/11/17</a:t>
             </a:fld>
             <a:endParaRPr lang="zh-CN" altLang="en-US"/>
           </a:p>
@@ -1490,7 +1491,7 @@
           <a:p>
             <a:fld id="{E726BC83-4393-4DB0-BB63-7D0921B05D3E}" type="datetimeFigureOut">
               <a:rPr lang="zh-CN" altLang="en-US" smtClean="0"/>
-              <a:t>2025/11/12</a:t>
+              <a:t>2025/11/17</a:t>
             </a:fld>
             <a:endParaRPr lang="zh-CN" altLang="en-US"/>
           </a:p>
@@ -1755,7 +1756,7 @@
           <a:p>
             <a:fld id="{E726BC83-4393-4DB0-BB63-7D0921B05D3E}" type="datetimeFigureOut">
               <a:rPr lang="zh-CN" altLang="en-US" smtClean="0"/>
-              <a:t>2025/11/12</a:t>
+              <a:t>2025/11/17</a:t>
             </a:fld>
             <a:endParaRPr lang="zh-CN" altLang="en-US"/>
           </a:p>
@@ -2167,7 +2168,7 @@
           <a:p>
             <a:fld id="{E726BC83-4393-4DB0-BB63-7D0921B05D3E}" type="datetimeFigureOut">
               <a:rPr lang="zh-CN" altLang="en-US" smtClean="0"/>
-              <a:t>2025/11/12</a:t>
+              <a:t>2025/11/17</a:t>
             </a:fld>
             <a:endParaRPr lang="zh-CN" altLang="en-US"/>
           </a:p>
@@ -2308,7 +2309,7 @@
           <a:p>
             <a:fld id="{E726BC83-4393-4DB0-BB63-7D0921B05D3E}" type="datetimeFigureOut">
               <a:rPr lang="zh-CN" altLang="en-US" smtClean="0"/>
-              <a:t>2025/11/12</a:t>
+              <a:t>2025/11/17</a:t>
             </a:fld>
             <a:endParaRPr lang="zh-CN" altLang="en-US"/>
           </a:p>
@@ -2421,7 +2422,7 @@
           <a:p>
             <a:fld id="{E726BC83-4393-4DB0-BB63-7D0921B05D3E}" type="datetimeFigureOut">
               <a:rPr lang="zh-CN" altLang="en-US" smtClean="0"/>
-              <a:t>2025/11/12</a:t>
+              <a:t>2025/11/17</a:t>
             </a:fld>
             <a:endParaRPr lang="zh-CN" altLang="en-US"/>
           </a:p>
@@ -2732,7 +2733,7 @@
           <a:p>
             <a:fld id="{E726BC83-4393-4DB0-BB63-7D0921B05D3E}" type="datetimeFigureOut">
               <a:rPr lang="zh-CN" altLang="en-US" smtClean="0"/>
-              <a:t>2025/11/12</a:t>
+              <a:t>2025/11/17</a:t>
             </a:fld>
             <a:endParaRPr lang="zh-CN" altLang="en-US"/>
           </a:p>
@@ -3020,7 +3021,7 @@
           <a:p>
             <a:fld id="{E726BC83-4393-4DB0-BB63-7D0921B05D3E}" type="datetimeFigureOut">
               <a:rPr lang="zh-CN" altLang="en-US" smtClean="0"/>
-              <a:t>2025/11/12</a:t>
+              <a:t>2025/11/17</a:t>
             </a:fld>
             <a:endParaRPr lang="zh-CN" altLang="en-US"/>
           </a:p>
@@ -3261,7 +3262,7 @@
           <a:p>
             <a:fld id="{E726BC83-4393-4DB0-BB63-7D0921B05D3E}" type="datetimeFigureOut">
               <a:rPr lang="zh-CN" altLang="en-US" smtClean="0"/>
-              <a:t>2025/11/12</a:t>
+              <a:t>2025/11/17</a:t>
             </a:fld>
             <a:endParaRPr lang="zh-CN" altLang="en-US"/>
           </a:p>
@@ -5268,8 +5269,8 @@
           </a:p>
         </p:txBody>
       </p:sp>
-      <mc:AlternateContent xmlns:mc="http://schemas.openxmlformats.org/markup-compatibility/2006">
-        <mc:Choice xmlns:a14="http://schemas.microsoft.com/office/drawing/2010/main" Requires="a14">
+      <mc:AlternateContent xmlns:mc="http://schemas.openxmlformats.org/markup-compatibility/2006" xmlns:a14="http://schemas.microsoft.com/office/drawing/2010/main">
+        <mc:Choice Requires="a14">
           <p:sp>
             <p:nvSpPr>
               <p:cNvPr id="10" name="文本框 9">
@@ -5298,6 +5299,7 @@
               </a:bodyPr>
               <a:lstStyle/>
               <a:p>
+                <a:pPr/>
                 <a14:m>
                   <m:oMathPara xmlns:m="http://schemas.openxmlformats.org/officeDocument/2006/math">
                     <m:oMathParaPr>
@@ -5340,7 +5342,7 @@
             </p:txBody>
           </p:sp>
         </mc:Choice>
-        <mc:Fallback>
+        <mc:Fallback xmlns="">
           <p:sp>
             <p:nvSpPr>
               <p:cNvPr id="10" name="文本框 9">
@@ -5385,8 +5387,8 @@
           </p:sp>
         </mc:Fallback>
       </mc:AlternateContent>
-      <mc:AlternateContent xmlns:mc="http://schemas.openxmlformats.org/markup-compatibility/2006">
-        <mc:Choice xmlns:a14="http://schemas.microsoft.com/office/drawing/2010/main" Requires="a14">
+      <mc:AlternateContent xmlns:mc="http://schemas.openxmlformats.org/markup-compatibility/2006" xmlns:a14="http://schemas.microsoft.com/office/drawing/2010/main">
+        <mc:Choice Requires="a14">
           <p:sp>
             <p:nvSpPr>
               <p:cNvPr id="11" name="文本框 10">
@@ -5415,6 +5417,7 @@
               </a:bodyPr>
               <a:lstStyle/>
               <a:p>
+                <a:pPr/>
                 <a14:m>
                   <m:oMathPara xmlns:m="http://schemas.openxmlformats.org/officeDocument/2006/math">
                     <m:oMathParaPr>
@@ -5457,7 +5460,7 @@
             </p:txBody>
           </p:sp>
         </mc:Choice>
-        <mc:Fallback>
+        <mc:Fallback xmlns="">
           <p:sp>
             <p:nvSpPr>
               <p:cNvPr id="11" name="文本框 10">
@@ -5502,8 +5505,8 @@
           </p:sp>
         </mc:Fallback>
       </mc:AlternateContent>
-      <mc:AlternateContent xmlns:mc="http://schemas.openxmlformats.org/markup-compatibility/2006">
-        <mc:Choice xmlns:a14="http://schemas.microsoft.com/office/drawing/2010/main" Requires="a14">
+      <mc:AlternateContent xmlns:mc="http://schemas.openxmlformats.org/markup-compatibility/2006" xmlns:a14="http://schemas.microsoft.com/office/drawing/2010/main">
+        <mc:Choice Requires="a14">
           <p:sp>
             <p:nvSpPr>
               <p:cNvPr id="12" name="文本框 11">
@@ -5532,6 +5535,7 @@
               </a:bodyPr>
               <a:lstStyle/>
               <a:p>
+                <a:pPr/>
                 <a14:m>
                   <m:oMathPara xmlns:m="http://schemas.openxmlformats.org/officeDocument/2006/math">
                     <m:oMathParaPr>
@@ -5574,7 +5578,7 @@
             </p:txBody>
           </p:sp>
         </mc:Choice>
-        <mc:Fallback>
+        <mc:Fallback xmlns="">
           <p:sp>
             <p:nvSpPr>
               <p:cNvPr id="12" name="文本框 11">
@@ -5795,8 +5799,8 @@
           </a:fontRef>
         </p:style>
       </p:cxnSp>
-      <mc:AlternateContent xmlns:mc="http://schemas.openxmlformats.org/markup-compatibility/2006">
-        <mc:Choice xmlns:a14="http://schemas.microsoft.com/office/drawing/2010/main" Requires="a14">
+      <mc:AlternateContent xmlns:mc="http://schemas.openxmlformats.org/markup-compatibility/2006" xmlns:a14="http://schemas.microsoft.com/office/drawing/2010/main">
+        <mc:Choice Requires="a14">
           <p:sp>
             <p:nvSpPr>
               <p:cNvPr id="23" name="文本框 22">
@@ -5852,7 +5856,7 @@
             </p:txBody>
           </p:sp>
         </mc:Choice>
-        <mc:Fallback>
+        <mc:Fallback xmlns="">
           <p:sp>
             <p:nvSpPr>
               <p:cNvPr id="23" name="文本框 22">
@@ -5897,8 +5901,8 @@
           </p:sp>
         </mc:Fallback>
       </mc:AlternateContent>
-      <mc:AlternateContent xmlns:mc="http://schemas.openxmlformats.org/markup-compatibility/2006">
-        <mc:Choice xmlns:a14="http://schemas.microsoft.com/office/drawing/2010/main" Requires="a14">
+      <mc:AlternateContent xmlns:mc="http://schemas.openxmlformats.org/markup-compatibility/2006" xmlns:a14="http://schemas.microsoft.com/office/drawing/2010/main">
+        <mc:Choice Requires="a14">
           <p:sp>
             <p:nvSpPr>
               <p:cNvPr id="24" name="文本框 23">
@@ -5954,7 +5958,7 @@
             </p:txBody>
           </p:sp>
         </mc:Choice>
-        <mc:Fallback>
+        <mc:Fallback xmlns="">
           <p:sp>
             <p:nvSpPr>
               <p:cNvPr id="24" name="文本框 23">
@@ -5999,8 +6003,8 @@
           </p:sp>
         </mc:Fallback>
       </mc:AlternateContent>
-      <mc:AlternateContent xmlns:mc="http://schemas.openxmlformats.org/markup-compatibility/2006">
-        <mc:Choice xmlns:a14="http://schemas.microsoft.com/office/drawing/2010/main" Requires="a14">
+      <mc:AlternateContent xmlns:mc="http://schemas.openxmlformats.org/markup-compatibility/2006" xmlns:a14="http://schemas.microsoft.com/office/drawing/2010/main">
+        <mc:Choice Requires="a14">
           <p:sp>
             <p:nvSpPr>
               <p:cNvPr id="25" name="文本框 24">
@@ -6050,7 +6054,7 @@
             </p:txBody>
           </p:sp>
         </mc:Choice>
-        <mc:Fallback>
+        <mc:Fallback xmlns="">
           <p:sp>
             <p:nvSpPr>
               <p:cNvPr id="25" name="文本框 24">
@@ -6139,8 +6143,8 @@
           </a:fontRef>
         </p:style>
       </p:cxnSp>
-      <mc:AlternateContent xmlns:mc="http://schemas.openxmlformats.org/markup-compatibility/2006">
-        <mc:Choice xmlns:a14="http://schemas.microsoft.com/office/drawing/2010/main" Requires="a14">
+      <mc:AlternateContent xmlns:mc="http://schemas.openxmlformats.org/markup-compatibility/2006" xmlns:a14="http://schemas.microsoft.com/office/drawing/2010/main">
+        <mc:Choice Requires="a14">
           <p:sp>
             <p:nvSpPr>
               <p:cNvPr id="31" name="文本框 30">
@@ -6221,7 +6225,7 @@
             </p:txBody>
           </p:sp>
         </mc:Choice>
-        <mc:Fallback>
+        <mc:Fallback xmlns="">
           <p:sp>
             <p:nvSpPr>
               <p:cNvPr id="31" name="文本框 30">
@@ -6266,8 +6270,8 @@
           </p:sp>
         </mc:Fallback>
       </mc:AlternateContent>
-      <mc:AlternateContent xmlns:mc="http://schemas.openxmlformats.org/markup-compatibility/2006">
-        <mc:Choice xmlns:a14="http://schemas.microsoft.com/office/drawing/2010/main" Requires="a14">
+      <mc:AlternateContent xmlns:mc="http://schemas.openxmlformats.org/markup-compatibility/2006" xmlns:a14="http://schemas.microsoft.com/office/drawing/2010/main">
+        <mc:Choice Requires="a14">
           <p:sp>
             <p:nvSpPr>
               <p:cNvPr id="32" name="文本框 31">
@@ -6336,7 +6340,7 @@
             </p:txBody>
           </p:sp>
         </mc:Choice>
-        <mc:Fallback>
+        <mc:Fallback xmlns="">
           <p:sp>
             <p:nvSpPr>
               <p:cNvPr id="32" name="文本框 31">
@@ -6381,8 +6385,8 @@
           </p:sp>
         </mc:Fallback>
       </mc:AlternateContent>
-      <mc:AlternateContent xmlns:mc="http://schemas.openxmlformats.org/markup-compatibility/2006">
-        <mc:Choice xmlns:a14="http://schemas.microsoft.com/office/drawing/2010/main" Requires="a14">
+      <mc:AlternateContent xmlns:mc="http://schemas.openxmlformats.org/markup-compatibility/2006" xmlns:a14="http://schemas.microsoft.com/office/drawing/2010/main">
+        <mc:Choice Requires="a14">
           <p:sp>
             <p:nvSpPr>
               <p:cNvPr id="34" name="文本框 33">
@@ -6451,7 +6455,7 @@
             </p:txBody>
           </p:sp>
         </mc:Choice>
-        <mc:Fallback>
+        <mc:Fallback xmlns="">
           <p:sp>
             <p:nvSpPr>
               <p:cNvPr id="34" name="文本框 33">
@@ -6510,8 +6514,8 @@
         </p:nvSpPr>
         <p:spPr>
           <a:xfrm>
-            <a:off x="4682933" y="2882821"/>
-            <a:ext cx="1162050" cy="369332"/>
+            <a:off x="4705624" y="2882821"/>
+            <a:ext cx="1216253" cy="369332"/>
           </a:xfrm>
           <a:prstGeom prst="rect">
             <a:avLst/>
@@ -6529,7 +6533,7 @@
                 <a:latin typeface="Times New Roman" panose="02020603050405020304" pitchFamily="18" charset="0"/>
                 <a:cs typeface="Times New Roman" panose="02020603050405020304" pitchFamily="18" charset="0"/>
               </a:rPr>
-              <a:t>score term</a:t>
+              <a:t>Prior score</a:t>
             </a:r>
             <a:endParaRPr lang="zh-CN" altLang="en-US" dirty="0">
               <a:latin typeface="Times New Roman" panose="02020603050405020304" pitchFamily="18" charset="0"/>
@@ -6567,11 +6571,11 @@
           <a:lstStyle/>
           <a:p>
             <a:r>
-              <a:rPr lang="en-US" altLang="zh-CN" dirty="0">
+              <a:rPr lang="en-US" altLang="zh-CN">
                 <a:latin typeface="Times New Roman" panose="02020603050405020304" pitchFamily="18" charset="0"/>
                 <a:cs typeface="Times New Roman" panose="02020603050405020304" pitchFamily="18" charset="0"/>
               </a:rPr>
-              <a:t>likelihood term</a:t>
+              <a:t>likelihood score</a:t>
             </a:r>
             <a:endParaRPr lang="zh-CN" altLang="en-US" dirty="0">
               <a:latin typeface="Times New Roman" panose="02020603050405020304" pitchFamily="18" charset="0"/>
@@ -7924,6 +7928,4281 @@
     <p:extLst>
       <p:ext uri="{BB962C8B-B14F-4D97-AF65-F5344CB8AC3E}">
         <p14:creationId xmlns:p14="http://schemas.microsoft.com/office/powerpoint/2010/main" val="1997563981"/>
+      </p:ext>
+    </p:extLst>
+  </p:cSld>
+  <p:clrMapOvr>
+    <a:masterClrMapping/>
+  </p:clrMapOvr>
+</p:sld>
+</file>
+
+<file path=ppt/slides/slide2.xml><?xml version="1.0" encoding="utf-8"?>
+<p:sld xmlns:a="http://schemas.openxmlformats.org/drawingml/2006/main" xmlns:r="http://schemas.openxmlformats.org/officeDocument/2006/relationships" xmlns:p="http://schemas.openxmlformats.org/presentationml/2006/main">
+  <p:cSld>
+    <p:spTree>
+      <p:nvGrpSpPr>
+        <p:cNvPr id="1" name="">
+          <a:extLst>
+            <a:ext uri="{FF2B5EF4-FFF2-40B4-BE49-F238E27FC236}">
+              <a16:creationId xmlns:a16="http://schemas.microsoft.com/office/drawing/2014/main" id="{CFC176F3-1950-E1CD-5469-1A005D608B50}"/>
+            </a:ext>
+          </a:extLst>
+        </p:cNvPr>
+        <p:cNvGrpSpPr/>
+        <p:nvPr/>
+      </p:nvGrpSpPr>
+      <p:grpSpPr>
+        <a:xfrm>
+          <a:off x="0" y="0"/>
+          <a:ext cx="0" cy="0"/>
+          <a:chOff x="0" y="0"/>
+          <a:chExt cx="0" cy="0"/>
+        </a:xfrm>
+      </p:grpSpPr>
+      <p:sp>
+        <p:nvSpPr>
+          <p:cNvPr id="4" name="任意多边形: 形状 3">
+            <a:extLst>
+              <a:ext uri="{FF2B5EF4-FFF2-40B4-BE49-F238E27FC236}">
+                <a16:creationId xmlns:a16="http://schemas.microsoft.com/office/drawing/2014/main" id="{95593739-1C46-C43D-9558-25B4F39AF57B}"/>
+              </a:ext>
+            </a:extLst>
+          </p:cNvPr>
+          <p:cNvSpPr/>
+          <p:nvPr/>
+        </p:nvSpPr>
+        <p:spPr>
+          <a:xfrm>
+            <a:off x="8877684" y="2882821"/>
+            <a:ext cx="2625570" cy="2623138"/>
+          </a:xfrm>
+          <a:custGeom>
+            <a:avLst/>
+            <a:gdLst>
+              <a:gd name="connsiteX0" fmla="*/ 668182 w 2281520"/>
+              <a:gd name="connsiteY0" fmla="*/ 520262 h 2623138"/>
+              <a:gd name="connsiteX1" fmla="*/ 641906 w 2281520"/>
+              <a:gd name="connsiteY1" fmla="*/ 536028 h 2623138"/>
+              <a:gd name="connsiteX2" fmla="*/ 594610 w 2281520"/>
+              <a:gd name="connsiteY2" fmla="*/ 572814 h 2623138"/>
+              <a:gd name="connsiteX3" fmla="*/ 578844 w 2281520"/>
+              <a:gd name="connsiteY3" fmla="*/ 578069 h 2623138"/>
+              <a:gd name="connsiteX4" fmla="*/ 542058 w 2281520"/>
+              <a:gd name="connsiteY4" fmla="*/ 599090 h 2623138"/>
+              <a:gd name="connsiteX5" fmla="*/ 500017 w 2281520"/>
+              <a:gd name="connsiteY5" fmla="*/ 609600 h 2623138"/>
+              <a:gd name="connsiteX6" fmla="*/ 463231 w 2281520"/>
+              <a:gd name="connsiteY6" fmla="*/ 625365 h 2623138"/>
+              <a:gd name="connsiteX7" fmla="*/ 394913 w 2281520"/>
+              <a:gd name="connsiteY7" fmla="*/ 635876 h 2623138"/>
+              <a:gd name="connsiteX8" fmla="*/ 363382 w 2281520"/>
+              <a:gd name="connsiteY8" fmla="*/ 651641 h 2623138"/>
+              <a:gd name="connsiteX9" fmla="*/ 342362 w 2281520"/>
+              <a:gd name="connsiteY9" fmla="*/ 656896 h 2623138"/>
+              <a:gd name="connsiteX10" fmla="*/ 284555 w 2281520"/>
+              <a:gd name="connsiteY10" fmla="*/ 693683 h 2623138"/>
+              <a:gd name="connsiteX11" fmla="*/ 263534 w 2281520"/>
+              <a:gd name="connsiteY11" fmla="*/ 714703 h 2623138"/>
+              <a:gd name="connsiteX12" fmla="*/ 232003 w 2281520"/>
+              <a:gd name="connsiteY12" fmla="*/ 756745 h 2623138"/>
+              <a:gd name="connsiteX13" fmla="*/ 184706 w 2281520"/>
+              <a:gd name="connsiteY13" fmla="*/ 861848 h 2623138"/>
+              <a:gd name="connsiteX14" fmla="*/ 200472 w 2281520"/>
+              <a:gd name="connsiteY14" fmla="*/ 1166648 h 2623138"/>
+              <a:gd name="connsiteX15" fmla="*/ 253024 w 2281520"/>
+              <a:gd name="connsiteY15" fmla="*/ 1245476 h 2623138"/>
+              <a:gd name="connsiteX16" fmla="*/ 289810 w 2281520"/>
+              <a:gd name="connsiteY16" fmla="*/ 1266496 h 2623138"/>
+              <a:gd name="connsiteX17" fmla="*/ 268789 w 2281520"/>
+              <a:gd name="connsiteY17" fmla="*/ 1382110 h 2623138"/>
+              <a:gd name="connsiteX18" fmla="*/ 253024 w 2281520"/>
+              <a:gd name="connsiteY18" fmla="*/ 1445172 h 2623138"/>
+              <a:gd name="connsiteX19" fmla="*/ 147920 w 2281520"/>
+              <a:gd name="connsiteY19" fmla="*/ 1581807 h 2623138"/>
+              <a:gd name="connsiteX20" fmla="*/ 74348 w 2281520"/>
+              <a:gd name="connsiteY20" fmla="*/ 1655379 h 2623138"/>
+              <a:gd name="connsiteX21" fmla="*/ 42817 w 2281520"/>
+              <a:gd name="connsiteY21" fmla="*/ 1702676 h 2623138"/>
+              <a:gd name="connsiteX22" fmla="*/ 6031 w 2281520"/>
+              <a:gd name="connsiteY22" fmla="*/ 1813034 h 2623138"/>
+              <a:gd name="connsiteX23" fmla="*/ 775 w 2281520"/>
+              <a:gd name="connsiteY23" fmla="*/ 1886607 h 2623138"/>
+              <a:gd name="connsiteX24" fmla="*/ 11286 w 2281520"/>
+              <a:gd name="connsiteY24" fmla="*/ 2159876 h 2623138"/>
+              <a:gd name="connsiteX25" fmla="*/ 32306 w 2281520"/>
+              <a:gd name="connsiteY25" fmla="*/ 2259724 h 2623138"/>
+              <a:gd name="connsiteX26" fmla="*/ 48072 w 2281520"/>
+              <a:gd name="connsiteY26" fmla="*/ 2296510 h 2623138"/>
+              <a:gd name="connsiteX27" fmla="*/ 189962 w 2281520"/>
+              <a:gd name="connsiteY27" fmla="*/ 2427890 h 2623138"/>
+              <a:gd name="connsiteX28" fmla="*/ 253024 w 2281520"/>
+              <a:gd name="connsiteY28" fmla="*/ 2459421 h 2623138"/>
+              <a:gd name="connsiteX29" fmla="*/ 300320 w 2281520"/>
+              <a:gd name="connsiteY29" fmla="*/ 2485696 h 2623138"/>
+              <a:gd name="connsiteX30" fmla="*/ 363382 w 2281520"/>
+              <a:gd name="connsiteY30" fmla="*/ 2527738 h 2623138"/>
+              <a:gd name="connsiteX31" fmla="*/ 489506 w 2281520"/>
+              <a:gd name="connsiteY31" fmla="*/ 2564524 h 2623138"/>
+              <a:gd name="connsiteX32" fmla="*/ 620886 w 2281520"/>
+              <a:gd name="connsiteY32" fmla="*/ 2596055 h 2623138"/>
+              <a:gd name="connsiteX33" fmla="*/ 888900 w 2281520"/>
+              <a:gd name="connsiteY33" fmla="*/ 2606565 h 2623138"/>
+              <a:gd name="connsiteX34" fmla="*/ 1067575 w 2281520"/>
+              <a:gd name="connsiteY34" fmla="*/ 2622331 h 2623138"/>
+              <a:gd name="connsiteX35" fmla="*/ 1482734 w 2281520"/>
+              <a:gd name="connsiteY35" fmla="*/ 2580290 h 2623138"/>
+              <a:gd name="connsiteX36" fmla="*/ 1619369 w 2281520"/>
+              <a:gd name="connsiteY36" fmla="*/ 2433145 h 2623138"/>
+              <a:gd name="connsiteX37" fmla="*/ 1635134 w 2281520"/>
+              <a:gd name="connsiteY37" fmla="*/ 2349062 h 2623138"/>
+              <a:gd name="connsiteX38" fmla="*/ 1677175 w 2281520"/>
+              <a:gd name="connsiteY38" fmla="*/ 2254469 h 2623138"/>
+              <a:gd name="connsiteX39" fmla="*/ 1677175 w 2281520"/>
+              <a:gd name="connsiteY39" fmla="*/ 1897117 h 2623138"/>
+              <a:gd name="connsiteX40" fmla="*/ 1640389 w 2281520"/>
+              <a:gd name="connsiteY40" fmla="*/ 1844565 h 2623138"/>
+              <a:gd name="connsiteX41" fmla="*/ 1572072 w 2281520"/>
+              <a:gd name="connsiteY41" fmla="*/ 1781503 h 2623138"/>
+              <a:gd name="connsiteX42" fmla="*/ 1367120 w 2281520"/>
+              <a:gd name="connsiteY42" fmla="*/ 1718441 h 2623138"/>
+              <a:gd name="connsiteX43" fmla="*/ 1335589 w 2281520"/>
+              <a:gd name="connsiteY43" fmla="*/ 1692165 h 2623138"/>
+              <a:gd name="connsiteX44" fmla="*/ 1314569 w 2281520"/>
+              <a:gd name="connsiteY44" fmla="*/ 1660634 h 2623138"/>
+              <a:gd name="connsiteX45" fmla="*/ 1283037 w 2281520"/>
+              <a:gd name="connsiteY45" fmla="*/ 1618593 h 2623138"/>
+              <a:gd name="connsiteX46" fmla="*/ 1256762 w 2281520"/>
+              <a:gd name="connsiteY46" fmla="*/ 1476703 h 2623138"/>
+              <a:gd name="connsiteX47" fmla="*/ 1262017 w 2281520"/>
+              <a:gd name="connsiteY47" fmla="*/ 1298028 h 2623138"/>
+              <a:gd name="connsiteX48" fmla="*/ 1493244 w 2281520"/>
+              <a:gd name="connsiteY48" fmla="*/ 1103586 h 2623138"/>
+              <a:gd name="connsiteX49" fmla="*/ 1719217 w 2281520"/>
+              <a:gd name="connsiteY49" fmla="*/ 1014248 h 2623138"/>
+              <a:gd name="connsiteX50" fmla="*/ 1829575 w 2281520"/>
+              <a:gd name="connsiteY50" fmla="*/ 982717 h 2623138"/>
+              <a:gd name="connsiteX51" fmla="*/ 2008251 w 2281520"/>
+              <a:gd name="connsiteY51" fmla="*/ 961696 h 2623138"/>
+              <a:gd name="connsiteX52" fmla="*/ 2165906 w 2281520"/>
+              <a:gd name="connsiteY52" fmla="*/ 930165 h 2623138"/>
+              <a:gd name="connsiteX53" fmla="*/ 2260500 w 2281520"/>
+              <a:gd name="connsiteY53" fmla="*/ 793531 h 2623138"/>
+              <a:gd name="connsiteX54" fmla="*/ 2281520 w 2281520"/>
+              <a:gd name="connsiteY54" fmla="*/ 625365 h 2623138"/>
+              <a:gd name="connsiteX55" fmla="*/ 2249989 w 2281520"/>
+              <a:gd name="connsiteY55" fmla="*/ 409903 h 2623138"/>
+              <a:gd name="connsiteX56" fmla="*/ 2165906 w 2281520"/>
+              <a:gd name="connsiteY56" fmla="*/ 289034 h 2623138"/>
+              <a:gd name="connsiteX57" fmla="*/ 1918913 w 2281520"/>
+              <a:gd name="connsiteY57" fmla="*/ 84083 h 2623138"/>
+              <a:gd name="connsiteX58" fmla="*/ 1514265 w 2281520"/>
+              <a:gd name="connsiteY58" fmla="*/ 0 h 2623138"/>
+              <a:gd name="connsiteX59" fmla="*/ 1109617 w 2281520"/>
+              <a:gd name="connsiteY59" fmla="*/ 10510 h 2623138"/>
+              <a:gd name="connsiteX60" fmla="*/ 1078086 w 2281520"/>
+              <a:gd name="connsiteY60" fmla="*/ 15765 h 2623138"/>
+              <a:gd name="connsiteX61" fmla="*/ 1036044 w 2281520"/>
+              <a:gd name="connsiteY61" fmla="*/ 21021 h 2623138"/>
+              <a:gd name="connsiteX62" fmla="*/ 925686 w 2281520"/>
+              <a:gd name="connsiteY62" fmla="*/ 63062 h 2623138"/>
+              <a:gd name="connsiteX63" fmla="*/ 862624 w 2281520"/>
+              <a:gd name="connsiteY63" fmla="*/ 89338 h 2623138"/>
+              <a:gd name="connsiteX64" fmla="*/ 836348 w 2281520"/>
+              <a:gd name="connsiteY64" fmla="*/ 110359 h 2623138"/>
+              <a:gd name="connsiteX65" fmla="*/ 825837 w 2281520"/>
+              <a:gd name="connsiteY65" fmla="*/ 120869 h 2623138"/>
+              <a:gd name="connsiteX66" fmla="*/ 799562 w 2281520"/>
+              <a:gd name="connsiteY66" fmla="*/ 126124 h 2623138"/>
+              <a:gd name="connsiteX67" fmla="*/ 768031 w 2281520"/>
+              <a:gd name="connsiteY67" fmla="*/ 162910 h 2623138"/>
+              <a:gd name="connsiteX68" fmla="*/ 752265 w 2281520"/>
+              <a:gd name="connsiteY68" fmla="*/ 189186 h 2623138"/>
+              <a:gd name="connsiteX69" fmla="*/ 736500 w 2281520"/>
+              <a:gd name="connsiteY69" fmla="*/ 204952 h 2623138"/>
+              <a:gd name="connsiteX70" fmla="*/ 720734 w 2281520"/>
+              <a:gd name="connsiteY70" fmla="*/ 231228 h 2623138"/>
+              <a:gd name="connsiteX71" fmla="*/ 699713 w 2281520"/>
+              <a:gd name="connsiteY71" fmla="*/ 257503 h 2623138"/>
+              <a:gd name="connsiteX72" fmla="*/ 673437 w 2281520"/>
+              <a:gd name="connsiteY72" fmla="*/ 294290 h 2623138"/>
+              <a:gd name="connsiteX73" fmla="*/ 662927 w 2281520"/>
+              <a:gd name="connsiteY73" fmla="*/ 325821 h 2623138"/>
+              <a:gd name="connsiteX74" fmla="*/ 641906 w 2281520"/>
+              <a:gd name="connsiteY74" fmla="*/ 404648 h 2623138"/>
+              <a:gd name="connsiteX75" fmla="*/ 668182 w 2281520"/>
+              <a:gd name="connsiteY75" fmla="*/ 520262 h 2623138"/>
+            </a:gdLst>
+            <a:ahLst/>
+            <a:cxnLst>
+              <a:cxn ang="0">
+                <a:pos x="connsiteX0" y="connsiteY0"/>
+              </a:cxn>
+              <a:cxn ang="0">
+                <a:pos x="connsiteX1" y="connsiteY1"/>
+              </a:cxn>
+              <a:cxn ang="0">
+                <a:pos x="connsiteX2" y="connsiteY2"/>
+              </a:cxn>
+              <a:cxn ang="0">
+                <a:pos x="connsiteX3" y="connsiteY3"/>
+              </a:cxn>
+              <a:cxn ang="0">
+                <a:pos x="connsiteX4" y="connsiteY4"/>
+              </a:cxn>
+              <a:cxn ang="0">
+                <a:pos x="connsiteX5" y="connsiteY5"/>
+              </a:cxn>
+              <a:cxn ang="0">
+                <a:pos x="connsiteX6" y="connsiteY6"/>
+              </a:cxn>
+              <a:cxn ang="0">
+                <a:pos x="connsiteX7" y="connsiteY7"/>
+              </a:cxn>
+              <a:cxn ang="0">
+                <a:pos x="connsiteX8" y="connsiteY8"/>
+              </a:cxn>
+              <a:cxn ang="0">
+                <a:pos x="connsiteX9" y="connsiteY9"/>
+              </a:cxn>
+              <a:cxn ang="0">
+                <a:pos x="connsiteX10" y="connsiteY10"/>
+              </a:cxn>
+              <a:cxn ang="0">
+                <a:pos x="connsiteX11" y="connsiteY11"/>
+              </a:cxn>
+              <a:cxn ang="0">
+                <a:pos x="connsiteX12" y="connsiteY12"/>
+              </a:cxn>
+              <a:cxn ang="0">
+                <a:pos x="connsiteX13" y="connsiteY13"/>
+              </a:cxn>
+              <a:cxn ang="0">
+                <a:pos x="connsiteX14" y="connsiteY14"/>
+              </a:cxn>
+              <a:cxn ang="0">
+                <a:pos x="connsiteX15" y="connsiteY15"/>
+              </a:cxn>
+              <a:cxn ang="0">
+                <a:pos x="connsiteX16" y="connsiteY16"/>
+              </a:cxn>
+              <a:cxn ang="0">
+                <a:pos x="connsiteX17" y="connsiteY17"/>
+              </a:cxn>
+              <a:cxn ang="0">
+                <a:pos x="connsiteX18" y="connsiteY18"/>
+              </a:cxn>
+              <a:cxn ang="0">
+                <a:pos x="connsiteX19" y="connsiteY19"/>
+              </a:cxn>
+              <a:cxn ang="0">
+                <a:pos x="connsiteX20" y="connsiteY20"/>
+              </a:cxn>
+              <a:cxn ang="0">
+                <a:pos x="connsiteX21" y="connsiteY21"/>
+              </a:cxn>
+              <a:cxn ang="0">
+                <a:pos x="connsiteX22" y="connsiteY22"/>
+              </a:cxn>
+              <a:cxn ang="0">
+                <a:pos x="connsiteX23" y="connsiteY23"/>
+              </a:cxn>
+              <a:cxn ang="0">
+                <a:pos x="connsiteX24" y="connsiteY24"/>
+              </a:cxn>
+              <a:cxn ang="0">
+                <a:pos x="connsiteX25" y="connsiteY25"/>
+              </a:cxn>
+              <a:cxn ang="0">
+                <a:pos x="connsiteX26" y="connsiteY26"/>
+              </a:cxn>
+              <a:cxn ang="0">
+                <a:pos x="connsiteX27" y="connsiteY27"/>
+              </a:cxn>
+              <a:cxn ang="0">
+                <a:pos x="connsiteX28" y="connsiteY28"/>
+              </a:cxn>
+              <a:cxn ang="0">
+                <a:pos x="connsiteX29" y="connsiteY29"/>
+              </a:cxn>
+              <a:cxn ang="0">
+                <a:pos x="connsiteX30" y="connsiteY30"/>
+              </a:cxn>
+              <a:cxn ang="0">
+                <a:pos x="connsiteX31" y="connsiteY31"/>
+              </a:cxn>
+              <a:cxn ang="0">
+                <a:pos x="connsiteX32" y="connsiteY32"/>
+              </a:cxn>
+              <a:cxn ang="0">
+                <a:pos x="connsiteX33" y="connsiteY33"/>
+              </a:cxn>
+              <a:cxn ang="0">
+                <a:pos x="connsiteX34" y="connsiteY34"/>
+              </a:cxn>
+              <a:cxn ang="0">
+                <a:pos x="connsiteX35" y="connsiteY35"/>
+              </a:cxn>
+              <a:cxn ang="0">
+                <a:pos x="connsiteX36" y="connsiteY36"/>
+              </a:cxn>
+              <a:cxn ang="0">
+                <a:pos x="connsiteX37" y="connsiteY37"/>
+              </a:cxn>
+              <a:cxn ang="0">
+                <a:pos x="connsiteX38" y="connsiteY38"/>
+              </a:cxn>
+              <a:cxn ang="0">
+                <a:pos x="connsiteX39" y="connsiteY39"/>
+              </a:cxn>
+              <a:cxn ang="0">
+                <a:pos x="connsiteX40" y="connsiteY40"/>
+              </a:cxn>
+              <a:cxn ang="0">
+                <a:pos x="connsiteX41" y="connsiteY41"/>
+              </a:cxn>
+              <a:cxn ang="0">
+                <a:pos x="connsiteX42" y="connsiteY42"/>
+              </a:cxn>
+              <a:cxn ang="0">
+                <a:pos x="connsiteX43" y="connsiteY43"/>
+              </a:cxn>
+              <a:cxn ang="0">
+                <a:pos x="connsiteX44" y="connsiteY44"/>
+              </a:cxn>
+              <a:cxn ang="0">
+                <a:pos x="connsiteX45" y="connsiteY45"/>
+              </a:cxn>
+              <a:cxn ang="0">
+                <a:pos x="connsiteX46" y="connsiteY46"/>
+              </a:cxn>
+              <a:cxn ang="0">
+                <a:pos x="connsiteX47" y="connsiteY47"/>
+              </a:cxn>
+              <a:cxn ang="0">
+                <a:pos x="connsiteX48" y="connsiteY48"/>
+              </a:cxn>
+              <a:cxn ang="0">
+                <a:pos x="connsiteX49" y="connsiteY49"/>
+              </a:cxn>
+              <a:cxn ang="0">
+                <a:pos x="connsiteX50" y="connsiteY50"/>
+              </a:cxn>
+              <a:cxn ang="0">
+                <a:pos x="connsiteX51" y="connsiteY51"/>
+              </a:cxn>
+              <a:cxn ang="0">
+                <a:pos x="connsiteX52" y="connsiteY52"/>
+              </a:cxn>
+              <a:cxn ang="0">
+                <a:pos x="connsiteX53" y="connsiteY53"/>
+              </a:cxn>
+              <a:cxn ang="0">
+                <a:pos x="connsiteX54" y="connsiteY54"/>
+              </a:cxn>
+              <a:cxn ang="0">
+                <a:pos x="connsiteX55" y="connsiteY55"/>
+              </a:cxn>
+              <a:cxn ang="0">
+                <a:pos x="connsiteX56" y="connsiteY56"/>
+              </a:cxn>
+              <a:cxn ang="0">
+                <a:pos x="connsiteX57" y="connsiteY57"/>
+              </a:cxn>
+              <a:cxn ang="0">
+                <a:pos x="connsiteX58" y="connsiteY58"/>
+              </a:cxn>
+              <a:cxn ang="0">
+                <a:pos x="connsiteX59" y="connsiteY59"/>
+              </a:cxn>
+              <a:cxn ang="0">
+                <a:pos x="connsiteX60" y="connsiteY60"/>
+              </a:cxn>
+              <a:cxn ang="0">
+                <a:pos x="connsiteX61" y="connsiteY61"/>
+              </a:cxn>
+              <a:cxn ang="0">
+                <a:pos x="connsiteX62" y="connsiteY62"/>
+              </a:cxn>
+              <a:cxn ang="0">
+                <a:pos x="connsiteX63" y="connsiteY63"/>
+              </a:cxn>
+              <a:cxn ang="0">
+                <a:pos x="connsiteX64" y="connsiteY64"/>
+              </a:cxn>
+              <a:cxn ang="0">
+                <a:pos x="connsiteX65" y="connsiteY65"/>
+              </a:cxn>
+              <a:cxn ang="0">
+                <a:pos x="connsiteX66" y="connsiteY66"/>
+              </a:cxn>
+              <a:cxn ang="0">
+                <a:pos x="connsiteX67" y="connsiteY67"/>
+              </a:cxn>
+              <a:cxn ang="0">
+                <a:pos x="connsiteX68" y="connsiteY68"/>
+              </a:cxn>
+              <a:cxn ang="0">
+                <a:pos x="connsiteX69" y="connsiteY69"/>
+              </a:cxn>
+              <a:cxn ang="0">
+                <a:pos x="connsiteX70" y="connsiteY70"/>
+              </a:cxn>
+              <a:cxn ang="0">
+                <a:pos x="connsiteX71" y="connsiteY71"/>
+              </a:cxn>
+              <a:cxn ang="0">
+                <a:pos x="connsiteX72" y="connsiteY72"/>
+              </a:cxn>
+              <a:cxn ang="0">
+                <a:pos x="connsiteX73" y="connsiteY73"/>
+              </a:cxn>
+              <a:cxn ang="0">
+                <a:pos x="connsiteX74" y="connsiteY74"/>
+              </a:cxn>
+              <a:cxn ang="0">
+                <a:pos x="connsiteX75" y="connsiteY75"/>
+              </a:cxn>
+            </a:cxnLst>
+            <a:rect l="l" t="t" r="r" b="b"/>
+            <a:pathLst>
+              <a:path w="2281520" h="2623138">
+                <a:moveTo>
+                  <a:pt x="668182" y="520262"/>
+                </a:moveTo>
+                <a:cubicBezTo>
+                  <a:pt x="668182" y="542159"/>
+                  <a:pt x="650167" y="530020"/>
+                  <a:pt x="641906" y="536028"/>
+                </a:cubicBezTo>
+                <a:cubicBezTo>
+                  <a:pt x="631687" y="543460"/>
+                  <a:pt x="609679" y="565279"/>
+                  <a:pt x="594610" y="572814"/>
+                </a:cubicBezTo>
+                <a:cubicBezTo>
+                  <a:pt x="589655" y="575291"/>
+                  <a:pt x="583799" y="575592"/>
+                  <a:pt x="578844" y="578069"/>
+                </a:cubicBezTo>
+                <a:cubicBezTo>
+                  <a:pt x="566212" y="584385"/>
+                  <a:pt x="555171" y="593845"/>
+                  <a:pt x="542058" y="599090"/>
+                </a:cubicBezTo>
+                <a:cubicBezTo>
+                  <a:pt x="528646" y="604455"/>
+                  <a:pt x="513721" y="605032"/>
+                  <a:pt x="500017" y="609600"/>
+                </a:cubicBezTo>
+                <a:cubicBezTo>
+                  <a:pt x="487361" y="613819"/>
+                  <a:pt x="475982" y="621442"/>
+                  <a:pt x="463231" y="625365"/>
+                </a:cubicBezTo>
+                <a:cubicBezTo>
+                  <a:pt x="456903" y="627312"/>
+                  <a:pt x="398746" y="635328"/>
+                  <a:pt x="394913" y="635876"/>
+                </a:cubicBezTo>
+                <a:cubicBezTo>
+                  <a:pt x="384403" y="641131"/>
+                  <a:pt x="374292" y="647277"/>
+                  <a:pt x="363382" y="651641"/>
+                </a:cubicBezTo>
+                <a:cubicBezTo>
+                  <a:pt x="356676" y="654323"/>
+                  <a:pt x="348735" y="653497"/>
+                  <a:pt x="342362" y="656896"/>
+                </a:cubicBezTo>
+                <a:cubicBezTo>
+                  <a:pt x="322209" y="667644"/>
+                  <a:pt x="302973" y="680176"/>
+                  <a:pt x="284555" y="693683"/>
+                </a:cubicBezTo>
+                <a:cubicBezTo>
+                  <a:pt x="276564" y="699543"/>
+                  <a:pt x="269878" y="707091"/>
+                  <a:pt x="263534" y="714703"/>
+                </a:cubicBezTo>
+                <a:cubicBezTo>
+                  <a:pt x="252320" y="728160"/>
+                  <a:pt x="241137" y="741798"/>
+                  <a:pt x="232003" y="756745"/>
+                </a:cubicBezTo>
+                <a:cubicBezTo>
+                  <a:pt x="211905" y="789633"/>
+                  <a:pt x="198921" y="826311"/>
+                  <a:pt x="184706" y="861848"/>
+                </a:cubicBezTo>
+                <a:cubicBezTo>
+                  <a:pt x="178237" y="952415"/>
+                  <a:pt x="163690" y="1100439"/>
+                  <a:pt x="200472" y="1166648"/>
+                </a:cubicBezTo>
+                <a:cubicBezTo>
+                  <a:pt x="214481" y="1191864"/>
+                  <a:pt x="229548" y="1225913"/>
+                  <a:pt x="253024" y="1245476"/>
+                </a:cubicBezTo>
+                <a:cubicBezTo>
+                  <a:pt x="263873" y="1254517"/>
+                  <a:pt x="277548" y="1259489"/>
+                  <a:pt x="289810" y="1266496"/>
+                </a:cubicBezTo>
+                <a:cubicBezTo>
+                  <a:pt x="301369" y="1324291"/>
+                  <a:pt x="296834" y="1280446"/>
+                  <a:pt x="268789" y="1382110"/>
+                </a:cubicBezTo>
+                <a:cubicBezTo>
+                  <a:pt x="263027" y="1402997"/>
+                  <a:pt x="262714" y="1425792"/>
+                  <a:pt x="253024" y="1445172"/>
+                </a:cubicBezTo>
+                <a:cubicBezTo>
+                  <a:pt x="231912" y="1487396"/>
+                  <a:pt x="183293" y="1546434"/>
+                  <a:pt x="147920" y="1581807"/>
+                </a:cubicBezTo>
+                <a:cubicBezTo>
+                  <a:pt x="98568" y="1631159"/>
+                  <a:pt x="113797" y="1602780"/>
+                  <a:pt x="74348" y="1655379"/>
+                </a:cubicBezTo>
+                <a:cubicBezTo>
+                  <a:pt x="62979" y="1670537"/>
+                  <a:pt x="50351" y="1685290"/>
+                  <a:pt x="42817" y="1702676"/>
+                </a:cubicBezTo>
+                <a:cubicBezTo>
+                  <a:pt x="27399" y="1738255"/>
+                  <a:pt x="6031" y="1813034"/>
+                  <a:pt x="6031" y="1813034"/>
+                </a:cubicBezTo>
+                <a:cubicBezTo>
+                  <a:pt x="4279" y="1837558"/>
+                  <a:pt x="775" y="1862020"/>
+                  <a:pt x="775" y="1886607"/>
+                </a:cubicBezTo>
+                <a:cubicBezTo>
+                  <a:pt x="775" y="2146203"/>
+                  <a:pt x="-4250" y="2043350"/>
+                  <a:pt x="11286" y="2159876"/>
+                </a:cubicBezTo>
+                <a:cubicBezTo>
+                  <a:pt x="17836" y="2209005"/>
+                  <a:pt x="14497" y="2206296"/>
+                  <a:pt x="32306" y="2259724"/>
+                </a:cubicBezTo>
+                <a:cubicBezTo>
+                  <a:pt x="36525" y="2272380"/>
+                  <a:pt x="40068" y="2285837"/>
+                  <a:pt x="48072" y="2296510"/>
+                </a:cubicBezTo>
+                <a:cubicBezTo>
+                  <a:pt x="82775" y="2342781"/>
+                  <a:pt x="142507" y="2396253"/>
+                  <a:pt x="189962" y="2427890"/>
+                </a:cubicBezTo>
+                <a:cubicBezTo>
+                  <a:pt x="209517" y="2440926"/>
+                  <a:pt x="232205" y="2448516"/>
+                  <a:pt x="253024" y="2459421"/>
+                </a:cubicBezTo>
+                <a:cubicBezTo>
+                  <a:pt x="269000" y="2467789"/>
+                  <a:pt x="284986" y="2476203"/>
+                  <a:pt x="300320" y="2485696"/>
+                </a:cubicBezTo>
+                <a:cubicBezTo>
+                  <a:pt x="321801" y="2498994"/>
+                  <a:pt x="340984" y="2516052"/>
+                  <a:pt x="363382" y="2527738"/>
+                </a:cubicBezTo>
+                <a:cubicBezTo>
+                  <a:pt x="418383" y="2556435"/>
+                  <a:pt x="429444" y="2544504"/>
+                  <a:pt x="489506" y="2564524"/>
+                </a:cubicBezTo>
+                <a:cubicBezTo>
+                  <a:pt x="596370" y="2600145"/>
+                  <a:pt x="495216" y="2590255"/>
+                  <a:pt x="620886" y="2596055"/>
+                </a:cubicBezTo>
+                <a:lnTo>
+                  <a:pt x="888900" y="2606565"/>
+                </a:lnTo>
+                <a:cubicBezTo>
+                  <a:pt x="945372" y="2614633"/>
+                  <a:pt x="1011114" y="2626323"/>
+                  <a:pt x="1067575" y="2622331"/>
+                </a:cubicBezTo>
+                <a:cubicBezTo>
+                  <a:pt x="1206323" y="2612521"/>
+                  <a:pt x="1344348" y="2594304"/>
+                  <a:pt x="1482734" y="2580290"/>
+                </a:cubicBezTo>
+                <a:cubicBezTo>
+                  <a:pt x="1527240" y="2540729"/>
+                  <a:pt x="1595228" y="2494595"/>
+                  <a:pt x="1619369" y="2433145"/>
+                </a:cubicBezTo>
+                <a:cubicBezTo>
+                  <a:pt x="1629796" y="2406604"/>
+                  <a:pt x="1626356" y="2376193"/>
+                  <a:pt x="1635134" y="2349062"/>
+                </a:cubicBezTo>
+                <a:cubicBezTo>
+                  <a:pt x="1645755" y="2316232"/>
+                  <a:pt x="1663161" y="2286000"/>
+                  <a:pt x="1677175" y="2254469"/>
+                </a:cubicBezTo>
+                <a:cubicBezTo>
+                  <a:pt x="1689967" y="2126572"/>
+                  <a:pt x="1697609" y="2070801"/>
+                  <a:pt x="1677175" y="1897117"/>
+                </a:cubicBezTo>
+                <a:cubicBezTo>
+                  <a:pt x="1674677" y="1875881"/>
+                  <a:pt x="1654772" y="1860387"/>
+                  <a:pt x="1640389" y="1844565"/>
+                </a:cubicBezTo>
+                <a:cubicBezTo>
+                  <a:pt x="1619542" y="1821633"/>
+                  <a:pt x="1599125" y="1796621"/>
+                  <a:pt x="1572072" y="1781503"/>
+                </a:cubicBezTo>
+                <a:cubicBezTo>
+                  <a:pt x="1544122" y="1765884"/>
+                  <a:pt x="1403325" y="1728498"/>
+                  <a:pt x="1367120" y="1718441"/>
+                </a:cubicBezTo>
+                <a:cubicBezTo>
+                  <a:pt x="1356610" y="1709682"/>
+                  <a:pt x="1344792" y="1702289"/>
+                  <a:pt x="1335589" y="1692165"/>
+                </a:cubicBezTo>
+                <a:cubicBezTo>
+                  <a:pt x="1327092" y="1682818"/>
+                  <a:pt x="1321911" y="1670913"/>
+                  <a:pt x="1314569" y="1660634"/>
+                </a:cubicBezTo>
+                <a:cubicBezTo>
+                  <a:pt x="1304387" y="1646380"/>
+                  <a:pt x="1293548" y="1632607"/>
+                  <a:pt x="1283037" y="1618593"/>
+                </a:cubicBezTo>
+                <a:cubicBezTo>
+                  <a:pt x="1268165" y="1564059"/>
+                  <a:pt x="1257977" y="1537437"/>
+                  <a:pt x="1256762" y="1476703"/>
+                </a:cubicBezTo>
+                <a:cubicBezTo>
+                  <a:pt x="1255571" y="1417131"/>
+                  <a:pt x="1243175" y="1354554"/>
+                  <a:pt x="1262017" y="1298028"/>
+                </a:cubicBezTo>
+                <a:cubicBezTo>
+                  <a:pt x="1280743" y="1241851"/>
+                  <a:pt x="1470044" y="1118888"/>
+                  <a:pt x="1493244" y="1103586"/>
+                </a:cubicBezTo>
+                <a:cubicBezTo>
+                  <a:pt x="1608562" y="1027525"/>
+                  <a:pt x="1580612" y="1051209"/>
+                  <a:pt x="1719217" y="1014248"/>
+                </a:cubicBezTo>
+                <a:cubicBezTo>
+                  <a:pt x="1756183" y="1004390"/>
+                  <a:pt x="1792181" y="990802"/>
+                  <a:pt x="1829575" y="982717"/>
+                </a:cubicBezTo>
+                <a:cubicBezTo>
+                  <a:pt x="1846191" y="979124"/>
+                  <a:pt x="1996721" y="963137"/>
+                  <a:pt x="2008251" y="961696"/>
+                </a:cubicBezTo>
+                <a:cubicBezTo>
+                  <a:pt x="2095834" y="950748"/>
+                  <a:pt x="2074804" y="952941"/>
+                  <a:pt x="2165906" y="930165"/>
+                </a:cubicBezTo>
+                <a:cubicBezTo>
+                  <a:pt x="2208430" y="882918"/>
+                  <a:pt x="2237517" y="858302"/>
+                  <a:pt x="2260500" y="793531"/>
+                </a:cubicBezTo>
+                <a:cubicBezTo>
+                  <a:pt x="2263047" y="786353"/>
+                  <a:pt x="2281402" y="626365"/>
+                  <a:pt x="2281520" y="625365"/>
+                </a:cubicBezTo>
+                <a:cubicBezTo>
+                  <a:pt x="2271010" y="553544"/>
+                  <a:pt x="2267594" y="480321"/>
+                  <a:pt x="2249989" y="409903"/>
+                </a:cubicBezTo>
+                <a:cubicBezTo>
+                  <a:pt x="2246186" y="394692"/>
+                  <a:pt x="2172732" y="295860"/>
+                  <a:pt x="2165906" y="289034"/>
+                </a:cubicBezTo>
+                <a:cubicBezTo>
+                  <a:pt x="2157032" y="280160"/>
+                  <a:pt x="1970487" y="104713"/>
+                  <a:pt x="1918913" y="84083"/>
+                </a:cubicBezTo>
+                <a:cubicBezTo>
+                  <a:pt x="1788992" y="32115"/>
+                  <a:pt x="1650760" y="19499"/>
+                  <a:pt x="1514265" y="0"/>
+                </a:cubicBezTo>
+                <a:lnTo>
+                  <a:pt x="1109617" y="10510"/>
+                </a:lnTo>
+                <a:cubicBezTo>
+                  <a:pt x="1098969" y="10895"/>
+                  <a:pt x="1088634" y="14258"/>
+                  <a:pt x="1078086" y="15765"/>
+                </a:cubicBezTo>
+                <a:cubicBezTo>
+                  <a:pt x="1064105" y="17762"/>
+                  <a:pt x="1050058" y="19269"/>
+                  <a:pt x="1036044" y="21021"/>
+                </a:cubicBezTo>
+                <a:cubicBezTo>
+                  <a:pt x="1011842" y="29821"/>
+                  <a:pt x="950036" y="51603"/>
+                  <a:pt x="925686" y="63062"/>
+                </a:cubicBezTo>
+                <a:cubicBezTo>
+                  <a:pt x="864547" y="91834"/>
+                  <a:pt x="913246" y="79214"/>
+                  <a:pt x="862624" y="89338"/>
+                </a:cubicBezTo>
+                <a:cubicBezTo>
+                  <a:pt x="853865" y="96345"/>
+                  <a:pt x="844864" y="103059"/>
+                  <a:pt x="836348" y="110359"/>
+                </a:cubicBezTo>
+                <a:cubicBezTo>
+                  <a:pt x="832586" y="113583"/>
+                  <a:pt x="830391" y="118917"/>
+                  <a:pt x="825837" y="120869"/>
+                </a:cubicBezTo>
+                <a:cubicBezTo>
+                  <a:pt x="817627" y="124387"/>
+                  <a:pt x="808320" y="124372"/>
+                  <a:pt x="799562" y="126124"/>
+                </a:cubicBezTo>
+                <a:cubicBezTo>
+                  <a:pt x="761890" y="182630"/>
+                  <a:pt x="827504" y="86445"/>
+                  <a:pt x="768031" y="162910"/>
+                </a:cubicBezTo>
+                <a:cubicBezTo>
+                  <a:pt x="761760" y="170973"/>
+                  <a:pt x="758394" y="181014"/>
+                  <a:pt x="752265" y="189186"/>
+                </a:cubicBezTo>
+                <a:cubicBezTo>
+                  <a:pt x="747806" y="195132"/>
+                  <a:pt x="740959" y="199006"/>
+                  <a:pt x="736500" y="204952"/>
+                </a:cubicBezTo>
+                <a:cubicBezTo>
+                  <a:pt x="730371" y="213124"/>
+                  <a:pt x="726592" y="222860"/>
+                  <a:pt x="720734" y="231228"/>
+                </a:cubicBezTo>
+                <a:cubicBezTo>
+                  <a:pt x="714302" y="240417"/>
+                  <a:pt x="706443" y="248530"/>
+                  <a:pt x="699713" y="257503"/>
+                </a:cubicBezTo>
+                <a:cubicBezTo>
+                  <a:pt x="690671" y="269558"/>
+                  <a:pt x="682196" y="282028"/>
+                  <a:pt x="673437" y="294290"/>
+                </a:cubicBezTo>
+                <a:cubicBezTo>
+                  <a:pt x="669934" y="304800"/>
+                  <a:pt x="666713" y="315409"/>
+                  <a:pt x="662927" y="325821"/>
+                </a:cubicBezTo>
+                <a:cubicBezTo>
+                  <a:pt x="650459" y="360110"/>
+                  <a:pt x="645411" y="359081"/>
+                  <a:pt x="641906" y="404648"/>
+                </a:cubicBezTo>
+                <a:cubicBezTo>
+                  <a:pt x="639756" y="432593"/>
+                  <a:pt x="668182" y="498365"/>
+                  <a:pt x="668182" y="520262"/>
+                </a:cubicBezTo>
+                <a:close/>
+              </a:path>
+            </a:pathLst>
+          </a:custGeom>
+          <a:solidFill>
+            <a:srgbClr val="00B0F0">
+              <a:alpha val="17000"/>
+            </a:srgbClr>
+          </a:solidFill>
+          <a:ln w="12700"/>
+        </p:spPr>
+        <p:style>
+          <a:lnRef idx="2">
+            <a:schemeClr val="accent1">
+              <a:shade val="15000"/>
+            </a:schemeClr>
+          </a:lnRef>
+          <a:fillRef idx="1">
+            <a:schemeClr val="accent1"/>
+          </a:fillRef>
+          <a:effectRef idx="0">
+            <a:schemeClr val="accent1"/>
+          </a:effectRef>
+          <a:fontRef idx="minor">
+            <a:schemeClr val="lt1"/>
+          </a:fontRef>
+        </p:style>
+        <p:txBody>
+          <a:bodyPr rtlCol="0" anchor="ctr"/>
+          <a:lstStyle/>
+          <a:p>
+            <a:pPr algn="ctr"/>
+            <a:endParaRPr lang="zh-CN" altLang="en-US"/>
+          </a:p>
+        </p:txBody>
+      </p:sp>
+      <p:sp>
+        <p:nvSpPr>
+          <p:cNvPr id="8" name="任意多边形: 形状 7">
+            <a:extLst>
+              <a:ext uri="{FF2B5EF4-FFF2-40B4-BE49-F238E27FC236}">
+                <a16:creationId xmlns:a16="http://schemas.microsoft.com/office/drawing/2014/main" id="{CAC0F196-2486-56C8-A898-3EE8300B417D}"/>
+              </a:ext>
+            </a:extLst>
+          </p:cNvPr>
+          <p:cNvSpPr/>
+          <p:nvPr/>
+        </p:nvSpPr>
+        <p:spPr>
+          <a:xfrm>
+            <a:off x="8724900" y="1707993"/>
+            <a:ext cx="2778353" cy="2349657"/>
+          </a:xfrm>
+          <a:custGeom>
+            <a:avLst/>
+            <a:gdLst>
+              <a:gd name="connsiteX0" fmla="*/ 653898 w 3664643"/>
+              <a:gd name="connsiteY0" fmla="*/ 412907 h 2349657"/>
+              <a:gd name="connsiteX1" fmla="*/ 615798 w 3664643"/>
+              <a:gd name="connsiteY1" fmla="*/ 406557 h 2349657"/>
+              <a:gd name="connsiteX2" fmla="*/ 368148 w 3664643"/>
+              <a:gd name="connsiteY2" fmla="*/ 451007 h 2349657"/>
+              <a:gd name="connsiteX3" fmla="*/ 164948 w 3664643"/>
+              <a:gd name="connsiteY3" fmla="*/ 565307 h 2349657"/>
+              <a:gd name="connsiteX4" fmla="*/ 18898 w 3664643"/>
+              <a:gd name="connsiteY4" fmla="*/ 762157 h 2349657"/>
+              <a:gd name="connsiteX5" fmla="*/ 25248 w 3664643"/>
+              <a:gd name="connsiteY5" fmla="*/ 1066957 h 2349657"/>
+              <a:gd name="connsiteX6" fmla="*/ 76048 w 3664643"/>
+              <a:gd name="connsiteY6" fmla="*/ 1155857 h 2349657"/>
+              <a:gd name="connsiteX7" fmla="*/ 120498 w 3664643"/>
+              <a:gd name="connsiteY7" fmla="*/ 1257457 h 2349657"/>
+              <a:gd name="connsiteX8" fmla="*/ 171298 w 3664643"/>
+              <a:gd name="connsiteY8" fmla="*/ 1333657 h 2349657"/>
+              <a:gd name="connsiteX9" fmla="*/ 291948 w 3664643"/>
+              <a:gd name="connsiteY9" fmla="*/ 1517807 h 2349657"/>
+              <a:gd name="connsiteX10" fmla="*/ 361798 w 3664643"/>
+              <a:gd name="connsiteY10" fmla="*/ 1581307 h 2349657"/>
+              <a:gd name="connsiteX11" fmla="*/ 520548 w 3664643"/>
+              <a:gd name="connsiteY11" fmla="*/ 1695607 h 2349657"/>
+              <a:gd name="connsiteX12" fmla="*/ 603098 w 3664643"/>
+              <a:gd name="connsiteY12" fmla="*/ 1752757 h 2349657"/>
+              <a:gd name="connsiteX13" fmla="*/ 666598 w 3664643"/>
+              <a:gd name="connsiteY13" fmla="*/ 1803557 h 2349657"/>
+              <a:gd name="connsiteX14" fmla="*/ 711048 w 3664643"/>
+              <a:gd name="connsiteY14" fmla="*/ 1905157 h 2349657"/>
+              <a:gd name="connsiteX15" fmla="*/ 768198 w 3664643"/>
+              <a:gd name="connsiteY15" fmla="*/ 2044857 h 2349657"/>
+              <a:gd name="connsiteX16" fmla="*/ 907898 w 3664643"/>
+              <a:gd name="connsiteY16" fmla="*/ 2152807 h 2349657"/>
+              <a:gd name="connsiteX17" fmla="*/ 1174598 w 3664643"/>
+              <a:gd name="connsiteY17" fmla="*/ 2216307 h 2349657"/>
+              <a:gd name="connsiteX18" fmla="*/ 1568298 w 3664643"/>
+              <a:gd name="connsiteY18" fmla="*/ 2121057 h 2349657"/>
+              <a:gd name="connsiteX19" fmla="*/ 1663548 w 3664643"/>
+              <a:gd name="connsiteY19" fmla="*/ 2019457 h 2349657"/>
+              <a:gd name="connsiteX20" fmla="*/ 1752448 w 3664643"/>
+              <a:gd name="connsiteY20" fmla="*/ 1911507 h 2349657"/>
+              <a:gd name="connsiteX21" fmla="*/ 1790548 w 3664643"/>
+              <a:gd name="connsiteY21" fmla="*/ 1892457 h 2349657"/>
+              <a:gd name="connsiteX22" fmla="*/ 2171548 w 3664643"/>
+              <a:gd name="connsiteY22" fmla="*/ 2013107 h 2349657"/>
+              <a:gd name="connsiteX23" fmla="*/ 2304898 w 3664643"/>
+              <a:gd name="connsiteY23" fmla="*/ 2127407 h 2349657"/>
+              <a:gd name="connsiteX24" fmla="*/ 2362048 w 3664643"/>
+              <a:gd name="connsiteY24" fmla="*/ 2159157 h 2349657"/>
+              <a:gd name="connsiteX25" fmla="*/ 2469998 w 3664643"/>
+              <a:gd name="connsiteY25" fmla="*/ 2254407 h 2349657"/>
+              <a:gd name="connsiteX26" fmla="*/ 2533498 w 3664643"/>
+              <a:gd name="connsiteY26" fmla="*/ 2292507 h 2349657"/>
+              <a:gd name="connsiteX27" fmla="*/ 2704948 w 3664643"/>
+              <a:gd name="connsiteY27" fmla="*/ 2349657 h 2349657"/>
+              <a:gd name="connsiteX28" fmla="*/ 3104998 w 3664643"/>
+              <a:gd name="connsiteY28" fmla="*/ 2292507 h 2349657"/>
+              <a:gd name="connsiteX29" fmla="*/ 3365348 w 3664643"/>
+              <a:gd name="connsiteY29" fmla="*/ 2070257 h 2349657"/>
+              <a:gd name="connsiteX30" fmla="*/ 3479648 w 3664643"/>
+              <a:gd name="connsiteY30" fmla="*/ 1936907 h 2349657"/>
+              <a:gd name="connsiteX31" fmla="*/ 3619348 w 3664643"/>
+              <a:gd name="connsiteY31" fmla="*/ 1632107 h 2349657"/>
+              <a:gd name="connsiteX32" fmla="*/ 3644748 w 3664643"/>
+              <a:gd name="connsiteY32" fmla="*/ 1517807 h 2349657"/>
+              <a:gd name="connsiteX33" fmla="*/ 3651098 w 3664643"/>
+              <a:gd name="connsiteY33" fmla="*/ 1416207 h 2349657"/>
+              <a:gd name="connsiteX34" fmla="*/ 3657448 w 3664643"/>
+              <a:gd name="connsiteY34" fmla="*/ 1232057 h 2349657"/>
+              <a:gd name="connsiteX35" fmla="*/ 3606648 w 3664643"/>
+              <a:gd name="connsiteY35" fmla="*/ 1162207 h 2349657"/>
+              <a:gd name="connsiteX36" fmla="*/ 3409798 w 3664643"/>
+              <a:gd name="connsiteY36" fmla="*/ 1016157 h 2349657"/>
+              <a:gd name="connsiteX37" fmla="*/ 3155798 w 3664643"/>
+              <a:gd name="connsiteY37" fmla="*/ 908207 h 2349657"/>
+              <a:gd name="connsiteX38" fmla="*/ 2844648 w 3664643"/>
+              <a:gd name="connsiteY38" fmla="*/ 844707 h 2349657"/>
+              <a:gd name="connsiteX39" fmla="*/ 2590648 w 3664643"/>
+              <a:gd name="connsiteY39" fmla="*/ 762157 h 2349657"/>
+              <a:gd name="connsiteX40" fmla="*/ 2425548 w 3664643"/>
+              <a:gd name="connsiteY40" fmla="*/ 724057 h 2349657"/>
+              <a:gd name="connsiteX41" fmla="*/ 2146148 w 3664643"/>
+              <a:gd name="connsiteY41" fmla="*/ 609757 h 2349657"/>
+              <a:gd name="connsiteX42" fmla="*/ 2006448 w 3664643"/>
+              <a:gd name="connsiteY42" fmla="*/ 489107 h 2349657"/>
+              <a:gd name="connsiteX43" fmla="*/ 1955648 w 3664643"/>
+              <a:gd name="connsiteY43" fmla="*/ 419257 h 2349657"/>
+              <a:gd name="connsiteX44" fmla="*/ 1898498 w 3664643"/>
+              <a:gd name="connsiteY44" fmla="*/ 228757 h 2349657"/>
+              <a:gd name="connsiteX45" fmla="*/ 1866748 w 3664643"/>
+              <a:gd name="connsiteY45" fmla="*/ 114457 h 2349657"/>
+              <a:gd name="connsiteX46" fmla="*/ 1841348 w 3664643"/>
+              <a:gd name="connsiteY46" fmla="*/ 63657 h 2349657"/>
+              <a:gd name="connsiteX47" fmla="*/ 1784198 w 3664643"/>
+              <a:gd name="connsiteY47" fmla="*/ 50957 h 2349657"/>
+              <a:gd name="connsiteX48" fmla="*/ 1657198 w 3664643"/>
+              <a:gd name="connsiteY48" fmla="*/ 19207 h 2349657"/>
+              <a:gd name="connsiteX49" fmla="*/ 1625448 w 3664643"/>
+              <a:gd name="connsiteY49" fmla="*/ 157 h 2349657"/>
+              <a:gd name="connsiteX50" fmla="*/ 1434948 w 3664643"/>
+              <a:gd name="connsiteY50" fmla="*/ 12857 h 2349657"/>
+              <a:gd name="connsiteX51" fmla="*/ 1212698 w 3664643"/>
+              <a:gd name="connsiteY51" fmla="*/ 95407 h 2349657"/>
+              <a:gd name="connsiteX52" fmla="*/ 1130148 w 3664643"/>
+              <a:gd name="connsiteY52" fmla="*/ 120807 h 2349657"/>
+              <a:gd name="connsiteX53" fmla="*/ 1003148 w 3664643"/>
+              <a:gd name="connsiteY53" fmla="*/ 177957 h 2349657"/>
+              <a:gd name="connsiteX54" fmla="*/ 920598 w 3664643"/>
+              <a:gd name="connsiteY54" fmla="*/ 203357 h 2349657"/>
+              <a:gd name="connsiteX55" fmla="*/ 838048 w 3664643"/>
+              <a:gd name="connsiteY55" fmla="*/ 247807 h 2349657"/>
+              <a:gd name="connsiteX56" fmla="*/ 812648 w 3664643"/>
+              <a:gd name="connsiteY56" fmla="*/ 273207 h 2349657"/>
+              <a:gd name="connsiteX57" fmla="*/ 780898 w 3664643"/>
+              <a:gd name="connsiteY57" fmla="*/ 292257 h 2349657"/>
+              <a:gd name="connsiteX58" fmla="*/ 761848 w 3664643"/>
+              <a:gd name="connsiteY58" fmla="*/ 304957 h 2349657"/>
+              <a:gd name="connsiteX59" fmla="*/ 742798 w 3664643"/>
+              <a:gd name="connsiteY59" fmla="*/ 330357 h 2349657"/>
+              <a:gd name="connsiteX60" fmla="*/ 711048 w 3664643"/>
+              <a:gd name="connsiteY60" fmla="*/ 355757 h 2349657"/>
+              <a:gd name="connsiteX61" fmla="*/ 685648 w 3664643"/>
+              <a:gd name="connsiteY61" fmla="*/ 381157 h 2349657"/>
+              <a:gd name="connsiteX62" fmla="*/ 653898 w 3664643"/>
+              <a:gd name="connsiteY62" fmla="*/ 412907 h 2349657"/>
+            </a:gdLst>
+            <a:ahLst/>
+            <a:cxnLst>
+              <a:cxn ang="0">
+                <a:pos x="connsiteX0" y="connsiteY0"/>
+              </a:cxn>
+              <a:cxn ang="0">
+                <a:pos x="connsiteX1" y="connsiteY1"/>
+              </a:cxn>
+              <a:cxn ang="0">
+                <a:pos x="connsiteX2" y="connsiteY2"/>
+              </a:cxn>
+              <a:cxn ang="0">
+                <a:pos x="connsiteX3" y="connsiteY3"/>
+              </a:cxn>
+              <a:cxn ang="0">
+                <a:pos x="connsiteX4" y="connsiteY4"/>
+              </a:cxn>
+              <a:cxn ang="0">
+                <a:pos x="connsiteX5" y="connsiteY5"/>
+              </a:cxn>
+              <a:cxn ang="0">
+                <a:pos x="connsiteX6" y="connsiteY6"/>
+              </a:cxn>
+              <a:cxn ang="0">
+                <a:pos x="connsiteX7" y="connsiteY7"/>
+              </a:cxn>
+              <a:cxn ang="0">
+                <a:pos x="connsiteX8" y="connsiteY8"/>
+              </a:cxn>
+              <a:cxn ang="0">
+                <a:pos x="connsiteX9" y="connsiteY9"/>
+              </a:cxn>
+              <a:cxn ang="0">
+                <a:pos x="connsiteX10" y="connsiteY10"/>
+              </a:cxn>
+              <a:cxn ang="0">
+                <a:pos x="connsiteX11" y="connsiteY11"/>
+              </a:cxn>
+              <a:cxn ang="0">
+                <a:pos x="connsiteX12" y="connsiteY12"/>
+              </a:cxn>
+              <a:cxn ang="0">
+                <a:pos x="connsiteX13" y="connsiteY13"/>
+              </a:cxn>
+              <a:cxn ang="0">
+                <a:pos x="connsiteX14" y="connsiteY14"/>
+              </a:cxn>
+              <a:cxn ang="0">
+                <a:pos x="connsiteX15" y="connsiteY15"/>
+              </a:cxn>
+              <a:cxn ang="0">
+                <a:pos x="connsiteX16" y="connsiteY16"/>
+              </a:cxn>
+              <a:cxn ang="0">
+                <a:pos x="connsiteX17" y="connsiteY17"/>
+              </a:cxn>
+              <a:cxn ang="0">
+                <a:pos x="connsiteX18" y="connsiteY18"/>
+              </a:cxn>
+              <a:cxn ang="0">
+                <a:pos x="connsiteX19" y="connsiteY19"/>
+              </a:cxn>
+              <a:cxn ang="0">
+                <a:pos x="connsiteX20" y="connsiteY20"/>
+              </a:cxn>
+              <a:cxn ang="0">
+                <a:pos x="connsiteX21" y="connsiteY21"/>
+              </a:cxn>
+              <a:cxn ang="0">
+                <a:pos x="connsiteX22" y="connsiteY22"/>
+              </a:cxn>
+              <a:cxn ang="0">
+                <a:pos x="connsiteX23" y="connsiteY23"/>
+              </a:cxn>
+              <a:cxn ang="0">
+                <a:pos x="connsiteX24" y="connsiteY24"/>
+              </a:cxn>
+              <a:cxn ang="0">
+                <a:pos x="connsiteX25" y="connsiteY25"/>
+              </a:cxn>
+              <a:cxn ang="0">
+                <a:pos x="connsiteX26" y="connsiteY26"/>
+              </a:cxn>
+              <a:cxn ang="0">
+                <a:pos x="connsiteX27" y="connsiteY27"/>
+              </a:cxn>
+              <a:cxn ang="0">
+                <a:pos x="connsiteX28" y="connsiteY28"/>
+              </a:cxn>
+              <a:cxn ang="0">
+                <a:pos x="connsiteX29" y="connsiteY29"/>
+              </a:cxn>
+              <a:cxn ang="0">
+                <a:pos x="connsiteX30" y="connsiteY30"/>
+              </a:cxn>
+              <a:cxn ang="0">
+                <a:pos x="connsiteX31" y="connsiteY31"/>
+              </a:cxn>
+              <a:cxn ang="0">
+                <a:pos x="connsiteX32" y="connsiteY32"/>
+              </a:cxn>
+              <a:cxn ang="0">
+                <a:pos x="connsiteX33" y="connsiteY33"/>
+              </a:cxn>
+              <a:cxn ang="0">
+                <a:pos x="connsiteX34" y="connsiteY34"/>
+              </a:cxn>
+              <a:cxn ang="0">
+                <a:pos x="connsiteX35" y="connsiteY35"/>
+              </a:cxn>
+              <a:cxn ang="0">
+                <a:pos x="connsiteX36" y="connsiteY36"/>
+              </a:cxn>
+              <a:cxn ang="0">
+                <a:pos x="connsiteX37" y="connsiteY37"/>
+              </a:cxn>
+              <a:cxn ang="0">
+                <a:pos x="connsiteX38" y="connsiteY38"/>
+              </a:cxn>
+              <a:cxn ang="0">
+                <a:pos x="connsiteX39" y="connsiteY39"/>
+              </a:cxn>
+              <a:cxn ang="0">
+                <a:pos x="connsiteX40" y="connsiteY40"/>
+              </a:cxn>
+              <a:cxn ang="0">
+                <a:pos x="connsiteX41" y="connsiteY41"/>
+              </a:cxn>
+              <a:cxn ang="0">
+                <a:pos x="connsiteX42" y="connsiteY42"/>
+              </a:cxn>
+              <a:cxn ang="0">
+                <a:pos x="connsiteX43" y="connsiteY43"/>
+              </a:cxn>
+              <a:cxn ang="0">
+                <a:pos x="connsiteX44" y="connsiteY44"/>
+              </a:cxn>
+              <a:cxn ang="0">
+                <a:pos x="connsiteX45" y="connsiteY45"/>
+              </a:cxn>
+              <a:cxn ang="0">
+                <a:pos x="connsiteX46" y="connsiteY46"/>
+              </a:cxn>
+              <a:cxn ang="0">
+                <a:pos x="connsiteX47" y="connsiteY47"/>
+              </a:cxn>
+              <a:cxn ang="0">
+                <a:pos x="connsiteX48" y="connsiteY48"/>
+              </a:cxn>
+              <a:cxn ang="0">
+                <a:pos x="connsiteX49" y="connsiteY49"/>
+              </a:cxn>
+              <a:cxn ang="0">
+                <a:pos x="connsiteX50" y="connsiteY50"/>
+              </a:cxn>
+              <a:cxn ang="0">
+                <a:pos x="connsiteX51" y="connsiteY51"/>
+              </a:cxn>
+              <a:cxn ang="0">
+                <a:pos x="connsiteX52" y="connsiteY52"/>
+              </a:cxn>
+              <a:cxn ang="0">
+                <a:pos x="connsiteX53" y="connsiteY53"/>
+              </a:cxn>
+              <a:cxn ang="0">
+                <a:pos x="connsiteX54" y="connsiteY54"/>
+              </a:cxn>
+              <a:cxn ang="0">
+                <a:pos x="connsiteX55" y="connsiteY55"/>
+              </a:cxn>
+              <a:cxn ang="0">
+                <a:pos x="connsiteX56" y="connsiteY56"/>
+              </a:cxn>
+              <a:cxn ang="0">
+                <a:pos x="connsiteX57" y="connsiteY57"/>
+              </a:cxn>
+              <a:cxn ang="0">
+                <a:pos x="connsiteX58" y="connsiteY58"/>
+              </a:cxn>
+              <a:cxn ang="0">
+                <a:pos x="connsiteX59" y="connsiteY59"/>
+              </a:cxn>
+              <a:cxn ang="0">
+                <a:pos x="connsiteX60" y="connsiteY60"/>
+              </a:cxn>
+              <a:cxn ang="0">
+                <a:pos x="connsiteX61" y="connsiteY61"/>
+              </a:cxn>
+              <a:cxn ang="0">
+                <a:pos x="connsiteX62" y="connsiteY62"/>
+              </a:cxn>
+            </a:cxnLst>
+            <a:rect l="l" t="t" r="r" b="b"/>
+            <a:pathLst>
+              <a:path w="3664643" h="2349657">
+                <a:moveTo>
+                  <a:pt x="653898" y="412907"/>
+                </a:moveTo>
+                <a:cubicBezTo>
+                  <a:pt x="642256" y="417140"/>
+                  <a:pt x="628648" y="405754"/>
+                  <a:pt x="615798" y="406557"/>
+                </a:cubicBezTo>
+                <a:cubicBezTo>
+                  <a:pt x="527177" y="412096"/>
+                  <a:pt x="449038" y="418052"/>
+                  <a:pt x="368148" y="451007"/>
+                </a:cubicBezTo>
+                <a:cubicBezTo>
+                  <a:pt x="297873" y="479637"/>
+                  <a:pt x="228593" y="526413"/>
+                  <a:pt x="164948" y="565307"/>
+                </a:cubicBezTo>
+                <a:cubicBezTo>
+                  <a:pt x="50782" y="709917"/>
+                  <a:pt x="98120" y="643324"/>
+                  <a:pt x="18898" y="762157"/>
+                </a:cubicBezTo>
+                <a:cubicBezTo>
+                  <a:pt x="-3064" y="882945"/>
+                  <a:pt x="-11632" y="895967"/>
+                  <a:pt x="25248" y="1066957"/>
+                </a:cubicBezTo>
+                <a:cubicBezTo>
+                  <a:pt x="32444" y="1100320"/>
+                  <a:pt x="60784" y="1125330"/>
+                  <a:pt x="76048" y="1155857"/>
+                </a:cubicBezTo>
+                <a:cubicBezTo>
+                  <a:pt x="92580" y="1188920"/>
+                  <a:pt x="103042" y="1224872"/>
+                  <a:pt x="120498" y="1257457"/>
+                </a:cubicBezTo>
+                <a:cubicBezTo>
+                  <a:pt x="134914" y="1284366"/>
+                  <a:pt x="156277" y="1307081"/>
+                  <a:pt x="171298" y="1333657"/>
+                </a:cubicBezTo>
+                <a:cubicBezTo>
+                  <a:pt x="224656" y="1428059"/>
+                  <a:pt x="184261" y="1419910"/>
+                  <a:pt x="291948" y="1517807"/>
+                </a:cubicBezTo>
+                <a:cubicBezTo>
+                  <a:pt x="315231" y="1538974"/>
+                  <a:pt x="336960" y="1561988"/>
+                  <a:pt x="361798" y="1581307"/>
+                </a:cubicBezTo>
+                <a:cubicBezTo>
+                  <a:pt x="413268" y="1621339"/>
+                  <a:pt x="467394" y="1657839"/>
+                  <a:pt x="520548" y="1695607"/>
+                </a:cubicBezTo>
+                <a:cubicBezTo>
+                  <a:pt x="547830" y="1714992"/>
+                  <a:pt x="576964" y="1731850"/>
+                  <a:pt x="603098" y="1752757"/>
+                </a:cubicBezTo>
+                <a:lnTo>
+                  <a:pt x="666598" y="1803557"/>
+                </a:lnTo>
+                <a:cubicBezTo>
+                  <a:pt x="697587" y="1857788"/>
+                  <a:pt x="691748" y="1840824"/>
+                  <a:pt x="711048" y="1905157"/>
+                </a:cubicBezTo>
+                <a:cubicBezTo>
+                  <a:pt x="724657" y="1950520"/>
+                  <a:pt x="732190" y="2008849"/>
+                  <a:pt x="768198" y="2044857"/>
+                </a:cubicBezTo>
+                <a:cubicBezTo>
+                  <a:pt x="809811" y="2086470"/>
+                  <a:pt x="856005" y="2125051"/>
+                  <a:pt x="907898" y="2152807"/>
+                </a:cubicBezTo>
+                <a:cubicBezTo>
+                  <a:pt x="956804" y="2178966"/>
+                  <a:pt x="1121077" y="2206112"/>
+                  <a:pt x="1174598" y="2216307"/>
+                </a:cubicBezTo>
+                <a:cubicBezTo>
+                  <a:pt x="1343256" y="2196696"/>
+                  <a:pt x="1440730" y="2218609"/>
+                  <a:pt x="1568298" y="2121057"/>
+                </a:cubicBezTo>
+                <a:cubicBezTo>
+                  <a:pt x="1605174" y="2092858"/>
+                  <a:pt x="1633445" y="2054796"/>
+                  <a:pt x="1663548" y="2019457"/>
+                </a:cubicBezTo>
+                <a:cubicBezTo>
+                  <a:pt x="1698759" y="1978123"/>
+                  <a:pt x="1710306" y="1943113"/>
+                  <a:pt x="1752448" y="1911507"/>
+                </a:cubicBezTo>
+                <a:cubicBezTo>
+                  <a:pt x="1763807" y="1902988"/>
+                  <a:pt x="1777848" y="1898807"/>
+                  <a:pt x="1790548" y="1892457"/>
+                </a:cubicBezTo>
+                <a:cubicBezTo>
+                  <a:pt x="2024796" y="1929058"/>
+                  <a:pt x="1965699" y="1898746"/>
+                  <a:pt x="2171548" y="2013107"/>
+                </a:cubicBezTo>
+                <a:cubicBezTo>
+                  <a:pt x="2218389" y="2039130"/>
+                  <a:pt x="2266801" y="2097968"/>
+                  <a:pt x="2304898" y="2127407"/>
+                </a:cubicBezTo>
+                <a:cubicBezTo>
+                  <a:pt x="2322142" y="2140732"/>
+                  <a:pt x="2344775" y="2145870"/>
+                  <a:pt x="2362048" y="2159157"/>
+                </a:cubicBezTo>
+                <a:cubicBezTo>
+                  <a:pt x="2400085" y="2188416"/>
+                  <a:pt x="2428848" y="2229717"/>
+                  <a:pt x="2469998" y="2254407"/>
+                </a:cubicBezTo>
+                <a:cubicBezTo>
+                  <a:pt x="2491165" y="2267107"/>
+                  <a:pt x="2511058" y="2282222"/>
+                  <a:pt x="2533498" y="2292507"/>
+                </a:cubicBezTo>
+                <a:cubicBezTo>
+                  <a:pt x="2571581" y="2309962"/>
+                  <a:pt x="2663623" y="2336942"/>
+                  <a:pt x="2704948" y="2349657"/>
+                </a:cubicBezTo>
+                <a:cubicBezTo>
+                  <a:pt x="2838298" y="2330607"/>
+                  <a:pt x="2975768" y="2330516"/>
+                  <a:pt x="3104998" y="2292507"/>
+                </a:cubicBezTo>
+                <a:cubicBezTo>
+                  <a:pt x="3171653" y="2272902"/>
+                  <a:pt x="3321568" y="2117587"/>
+                  <a:pt x="3365348" y="2070257"/>
+                </a:cubicBezTo>
+                <a:cubicBezTo>
+                  <a:pt x="3405102" y="2027280"/>
+                  <a:pt x="3448455" y="1986449"/>
+                  <a:pt x="3479648" y="1936907"/>
+                </a:cubicBezTo>
+                <a:cubicBezTo>
+                  <a:pt x="3492876" y="1915898"/>
+                  <a:pt x="3597919" y="1702823"/>
+                  <a:pt x="3619348" y="1632107"/>
+                </a:cubicBezTo>
+                <a:cubicBezTo>
+                  <a:pt x="3630667" y="1594755"/>
+                  <a:pt x="3636281" y="1555907"/>
+                  <a:pt x="3644748" y="1517807"/>
+                </a:cubicBezTo>
+                <a:cubicBezTo>
+                  <a:pt x="3646865" y="1483940"/>
+                  <a:pt x="3648026" y="1450000"/>
+                  <a:pt x="3651098" y="1416207"/>
+                </a:cubicBezTo>
+                <a:cubicBezTo>
+                  <a:pt x="3654616" y="1377513"/>
+                  <a:pt x="3675361" y="1277836"/>
+                  <a:pt x="3657448" y="1232057"/>
+                </a:cubicBezTo>
+                <a:cubicBezTo>
+                  <a:pt x="3646957" y="1205247"/>
+                  <a:pt x="3625165" y="1184251"/>
+                  <a:pt x="3606648" y="1162207"/>
+                </a:cubicBezTo>
+                <a:cubicBezTo>
+                  <a:pt x="3522132" y="1061593"/>
+                  <a:pt x="3531806" y="1070850"/>
+                  <a:pt x="3409798" y="1016157"/>
+                </a:cubicBezTo>
+                <a:cubicBezTo>
+                  <a:pt x="3325851" y="978526"/>
+                  <a:pt x="3243832" y="934914"/>
+                  <a:pt x="3155798" y="908207"/>
+                </a:cubicBezTo>
+                <a:cubicBezTo>
+                  <a:pt x="3054502" y="877477"/>
+                  <a:pt x="2947136" y="871193"/>
+                  <a:pt x="2844648" y="844707"/>
+                </a:cubicBezTo>
+                <a:cubicBezTo>
+                  <a:pt x="2758454" y="822432"/>
+                  <a:pt x="2676199" y="786785"/>
+                  <a:pt x="2590648" y="762157"/>
+                </a:cubicBezTo>
+                <a:cubicBezTo>
+                  <a:pt x="2536373" y="746532"/>
+                  <a:pt x="2479530" y="740667"/>
+                  <a:pt x="2425548" y="724057"/>
+                </a:cubicBezTo>
+                <a:cubicBezTo>
+                  <a:pt x="2394382" y="714467"/>
+                  <a:pt x="2192107" y="635801"/>
+                  <a:pt x="2146148" y="609757"/>
+                </a:cubicBezTo>
+                <a:cubicBezTo>
+                  <a:pt x="2101925" y="584697"/>
+                  <a:pt x="2039673" y="527869"/>
+                  <a:pt x="2006448" y="489107"/>
+                </a:cubicBezTo>
+                <a:cubicBezTo>
+                  <a:pt x="1987712" y="467248"/>
+                  <a:pt x="1972581" y="442540"/>
+                  <a:pt x="1955648" y="419257"/>
+                </a:cubicBezTo>
+                <a:cubicBezTo>
+                  <a:pt x="1928738" y="330839"/>
+                  <a:pt x="1918508" y="300221"/>
+                  <a:pt x="1898498" y="228757"/>
+                </a:cubicBezTo>
+                <a:cubicBezTo>
+                  <a:pt x="1887836" y="190679"/>
+                  <a:pt x="1884432" y="149825"/>
+                  <a:pt x="1866748" y="114457"/>
+                </a:cubicBezTo>
+                <a:cubicBezTo>
+                  <a:pt x="1858281" y="97524"/>
+                  <a:pt x="1856354" y="75200"/>
+                  <a:pt x="1841348" y="63657"/>
+                </a:cubicBezTo>
+                <a:cubicBezTo>
+                  <a:pt x="1825880" y="51759"/>
+                  <a:pt x="1803081" y="55883"/>
+                  <a:pt x="1784198" y="50957"/>
+                </a:cubicBezTo>
+                <a:cubicBezTo>
+                  <a:pt x="1656207" y="17568"/>
+                  <a:pt x="1736857" y="32483"/>
+                  <a:pt x="1657198" y="19207"/>
+                </a:cubicBezTo>
+                <a:cubicBezTo>
+                  <a:pt x="1646615" y="12857"/>
+                  <a:pt x="1637785" y="509"/>
+                  <a:pt x="1625448" y="157"/>
+                </a:cubicBezTo>
+                <a:cubicBezTo>
+                  <a:pt x="1561833" y="-1661"/>
+                  <a:pt x="1434948" y="12857"/>
+                  <a:pt x="1434948" y="12857"/>
+                </a:cubicBezTo>
+                <a:cubicBezTo>
+                  <a:pt x="1132479" y="108373"/>
+                  <a:pt x="1481405" y="-6516"/>
+                  <a:pt x="1212698" y="95407"/>
+                </a:cubicBezTo>
+                <a:cubicBezTo>
+                  <a:pt x="1185780" y="105617"/>
+                  <a:pt x="1156934" y="110255"/>
+                  <a:pt x="1130148" y="120807"/>
+                </a:cubicBezTo>
+                <a:cubicBezTo>
+                  <a:pt x="1086956" y="137822"/>
+                  <a:pt x="1047188" y="163277"/>
+                  <a:pt x="1003148" y="177957"/>
+                </a:cubicBezTo>
+                <a:cubicBezTo>
+                  <a:pt x="950429" y="195530"/>
+                  <a:pt x="977920" y="186979"/>
+                  <a:pt x="920598" y="203357"/>
+                </a:cubicBezTo>
+                <a:cubicBezTo>
+                  <a:pt x="812248" y="293649"/>
+                  <a:pt x="952841" y="185193"/>
+                  <a:pt x="838048" y="247807"/>
+                </a:cubicBezTo>
+                <a:cubicBezTo>
+                  <a:pt x="827536" y="253541"/>
+                  <a:pt x="822099" y="265856"/>
+                  <a:pt x="812648" y="273207"/>
+                </a:cubicBezTo>
+                <a:cubicBezTo>
+                  <a:pt x="802906" y="280784"/>
+                  <a:pt x="791364" y="285716"/>
+                  <a:pt x="780898" y="292257"/>
+                </a:cubicBezTo>
+                <a:cubicBezTo>
+                  <a:pt x="774426" y="296302"/>
+                  <a:pt x="767244" y="299561"/>
+                  <a:pt x="761848" y="304957"/>
+                </a:cubicBezTo>
+                <a:cubicBezTo>
+                  <a:pt x="754364" y="312441"/>
+                  <a:pt x="750282" y="322873"/>
+                  <a:pt x="742798" y="330357"/>
+                </a:cubicBezTo>
+                <a:cubicBezTo>
+                  <a:pt x="733214" y="339941"/>
+                  <a:pt x="721178" y="346753"/>
+                  <a:pt x="711048" y="355757"/>
+                </a:cubicBezTo>
+                <a:cubicBezTo>
+                  <a:pt x="702099" y="363712"/>
+                  <a:pt x="694659" y="373272"/>
+                  <a:pt x="685648" y="381157"/>
+                </a:cubicBezTo>
+                <a:cubicBezTo>
+                  <a:pt x="673046" y="392184"/>
+                  <a:pt x="665540" y="408674"/>
+                  <a:pt x="653898" y="412907"/>
+                </a:cubicBezTo>
+                <a:close/>
+              </a:path>
+            </a:pathLst>
+          </a:custGeom>
+          <a:solidFill>
+            <a:srgbClr val="FF0000">
+              <a:alpha val="14000"/>
+            </a:srgbClr>
+          </a:solidFill>
+        </p:spPr>
+        <p:style>
+          <a:lnRef idx="2">
+            <a:schemeClr val="accent1">
+              <a:shade val="15000"/>
+            </a:schemeClr>
+          </a:lnRef>
+          <a:fillRef idx="1">
+            <a:schemeClr val="accent1"/>
+          </a:fillRef>
+          <a:effectRef idx="0">
+            <a:schemeClr val="accent1"/>
+          </a:effectRef>
+          <a:fontRef idx="minor">
+            <a:schemeClr val="lt1"/>
+          </a:fontRef>
+        </p:style>
+        <p:txBody>
+          <a:bodyPr rtlCol="0" anchor="ctr"/>
+          <a:lstStyle/>
+          <a:p>
+            <a:pPr algn="ctr"/>
+            <a:endParaRPr lang="zh-CN" altLang="en-US"/>
+          </a:p>
+        </p:txBody>
+      </p:sp>
+      <p:sp>
+        <p:nvSpPr>
+          <p:cNvPr id="9" name="椭圆 8">
+            <a:extLst>
+              <a:ext uri="{FF2B5EF4-FFF2-40B4-BE49-F238E27FC236}">
+                <a16:creationId xmlns:a16="http://schemas.microsoft.com/office/drawing/2014/main" id="{12FEC47A-0047-FD01-3FFC-121DE0F6165D}"/>
+              </a:ext>
+            </a:extLst>
+          </p:cNvPr>
+          <p:cNvSpPr/>
+          <p:nvPr/>
+        </p:nvSpPr>
+        <p:spPr>
+          <a:xfrm>
+            <a:off x="812800" y="1650844"/>
+            <a:ext cx="641350" cy="3797966"/>
+          </a:xfrm>
+          <a:prstGeom prst="ellipse">
+            <a:avLst/>
+          </a:prstGeom>
+          <a:gradFill flip="none" rotWithShape="1">
+            <a:gsLst>
+              <a:gs pos="0">
+                <a:schemeClr val="accent3">
+                  <a:lumMod val="20000"/>
+                  <a:lumOff val="80000"/>
+                  <a:shade val="30000"/>
+                  <a:satMod val="115000"/>
+                  <a:alpha val="8000"/>
+                </a:schemeClr>
+              </a:gs>
+              <a:gs pos="50000">
+                <a:schemeClr val="accent3">
+                  <a:lumMod val="20000"/>
+                  <a:lumOff val="80000"/>
+                  <a:shade val="67500"/>
+                  <a:satMod val="115000"/>
+                </a:schemeClr>
+              </a:gs>
+              <a:gs pos="100000">
+                <a:schemeClr val="accent3">
+                  <a:lumMod val="20000"/>
+                  <a:lumOff val="80000"/>
+                  <a:shade val="100000"/>
+                  <a:satMod val="115000"/>
+                </a:schemeClr>
+              </a:gs>
+            </a:gsLst>
+            <a:path path="circle">
+              <a:fillToRect l="50000" t="50000" r="50000" b="50000"/>
+            </a:path>
+            <a:tileRect/>
+          </a:gradFill>
+        </p:spPr>
+        <p:style>
+          <a:lnRef idx="2">
+            <a:schemeClr val="accent1">
+              <a:shade val="15000"/>
+            </a:schemeClr>
+          </a:lnRef>
+          <a:fillRef idx="1">
+            <a:schemeClr val="accent1"/>
+          </a:fillRef>
+          <a:effectRef idx="0">
+            <a:schemeClr val="accent1"/>
+          </a:effectRef>
+          <a:fontRef idx="minor">
+            <a:schemeClr val="lt1"/>
+          </a:fontRef>
+        </p:style>
+        <p:txBody>
+          <a:bodyPr rtlCol="0" anchor="ctr"/>
+          <a:lstStyle/>
+          <a:p>
+            <a:pPr algn="ctr"/>
+            <a:endParaRPr lang="zh-CN" altLang="en-US"/>
+          </a:p>
+        </p:txBody>
+      </p:sp>
+      <mc:AlternateContent xmlns:mc="http://schemas.openxmlformats.org/markup-compatibility/2006" xmlns:a14="http://schemas.microsoft.com/office/drawing/2010/main">
+        <mc:Choice Requires="a14">
+          <p:sp>
+            <p:nvSpPr>
+              <p:cNvPr id="10" name="文本框 9">
+                <a:extLst>
+                  <a:ext uri="{FF2B5EF4-FFF2-40B4-BE49-F238E27FC236}">
+                    <a16:creationId xmlns:a16="http://schemas.microsoft.com/office/drawing/2014/main" id="{A2F2B8C5-D967-61FF-25D1-A72DE529B9D1}"/>
+                  </a:ext>
+                </a:extLst>
+              </p:cNvPr>
+              <p:cNvSpPr txBox="1"/>
+              <p:nvPr/>
+            </p:nvSpPr>
+            <p:spPr>
+              <a:xfrm>
+                <a:off x="9192237" y="2438400"/>
+                <a:ext cx="682303" cy="307777"/>
+              </a:xfrm>
+              <a:prstGeom prst="rect">
+                <a:avLst/>
+              </a:prstGeom>
+              <a:noFill/>
+            </p:spPr>
+            <p:txBody>
+              <a:bodyPr wrap="none" lIns="0" tIns="0" rIns="0" bIns="0" rtlCol="0">
+                <a:spAutoFit/>
+              </a:bodyPr>
+              <a:lstStyle/>
+              <a:p>
+                <a:pPr/>
+                <a14:m>
+                  <m:oMathPara xmlns:m="http://schemas.openxmlformats.org/officeDocument/2006/math">
+                    <m:oMathParaPr>
+                      <m:jc m:val="centerGroup"/>
+                    </m:oMathParaPr>
+                    <m:oMath xmlns:m="http://schemas.openxmlformats.org/officeDocument/2006/math">
+                      <m:sSub>
+                        <m:sSubPr>
+                          <m:ctrlPr>
+                            <a:rPr lang="en-US" altLang="zh-CN" sz="2000" b="1" i="1" smtClean="0">
+                              <a:latin typeface="Cambria Math" panose="02040503050406030204" pitchFamily="18" charset="0"/>
+                              <a:ea typeface="Cambria Math" panose="02040503050406030204" pitchFamily="18" charset="0"/>
+                            </a:rPr>
+                          </m:ctrlPr>
+                        </m:sSubPr>
+                        <m:e>
+                          <m:r>
+                            <a:rPr lang="en-US" altLang="zh-CN" sz="2000" b="1" i="1" smtClean="0">
+                              <a:latin typeface="Cambria Math" panose="02040503050406030204" pitchFamily="18" charset="0"/>
+                              <a:ea typeface="Cambria Math" panose="02040503050406030204" pitchFamily="18" charset="0"/>
+                            </a:rPr>
+                            <m:t>𝓜</m:t>
+                          </m:r>
+                        </m:e>
+                        <m:sub>
+                          <m:r>
+                            <a:rPr lang="en-US" altLang="zh-CN" sz="2000" b="1" i="0" smtClean="0">
+                              <a:latin typeface="Cambria Math" panose="02040503050406030204" pitchFamily="18" charset="0"/>
+                              <a:ea typeface="Cambria Math" panose="02040503050406030204" pitchFamily="18" charset="0"/>
+                            </a:rPr>
+                            <m:t>𝐃𝐌</m:t>
+                          </m:r>
+                        </m:sub>
+                      </m:sSub>
+                    </m:oMath>
+                  </m:oMathPara>
+                </a14:m>
+                <a:endParaRPr lang="zh-CN" altLang="en-US" b="1" dirty="0"/>
+              </a:p>
+            </p:txBody>
+          </p:sp>
+        </mc:Choice>
+        <mc:Fallback xmlns="">
+          <p:sp>
+            <p:nvSpPr>
+              <p:cNvPr id="10" name="文本框 9">
+                <a:extLst>
+                  <a:ext uri="{FF2B5EF4-FFF2-40B4-BE49-F238E27FC236}">
+                    <a16:creationId xmlns:a16="http://schemas.microsoft.com/office/drawing/2014/main" id="{6E94E225-53BC-3DE9-BFCD-7F22EE6B3B7D}"/>
+                  </a:ext>
+                </a:extLst>
+              </p:cNvPr>
+              <p:cNvSpPr txBox="1">
+                <a:spLocks noRot="1" noChangeAspect="1" noMove="1" noResize="1" noEditPoints="1" noAdjustHandles="1" noChangeArrowheads="1" noChangeShapeType="1" noTextEdit="1"/>
+              </p:cNvSpPr>
+              <p:nvPr/>
+            </p:nvSpPr>
+            <p:spPr>
+              <a:xfrm>
+                <a:off x="9192237" y="2438400"/>
+                <a:ext cx="682303" cy="307777"/>
+              </a:xfrm>
+              <a:prstGeom prst="rect">
+                <a:avLst/>
+              </a:prstGeom>
+              <a:blipFill>
+                <a:blip r:embed="rId2"/>
+                <a:stretch>
+                  <a:fillRect l="-8036" r="-1786" b="-16000"/>
+                </a:stretch>
+              </a:blipFill>
+            </p:spPr>
+            <p:txBody>
+              <a:bodyPr/>
+              <a:lstStyle/>
+              <a:p>
+                <a:r>
+                  <a:rPr lang="zh-CN" altLang="en-US">
+                    <a:noFill/>
+                  </a:rPr>
+                  <a:t> </a:t>
+                </a:r>
+              </a:p>
+            </p:txBody>
+          </p:sp>
+        </mc:Fallback>
+      </mc:AlternateContent>
+      <mc:AlternateContent xmlns:mc="http://schemas.openxmlformats.org/markup-compatibility/2006" xmlns:a14="http://schemas.microsoft.com/office/drawing/2010/main">
+        <mc:Choice Requires="a14">
+          <p:sp>
+            <p:nvSpPr>
+              <p:cNvPr id="11" name="文本框 10">
+                <a:extLst>
+                  <a:ext uri="{FF2B5EF4-FFF2-40B4-BE49-F238E27FC236}">
+                    <a16:creationId xmlns:a16="http://schemas.microsoft.com/office/drawing/2014/main" id="{5399F57A-E98E-D210-FE66-0892A1B81BDB}"/>
+                  </a:ext>
+                </a:extLst>
+              </p:cNvPr>
+              <p:cNvSpPr txBox="1"/>
+              <p:nvPr/>
+            </p:nvSpPr>
+            <p:spPr>
+              <a:xfrm>
+                <a:off x="9565320" y="4480280"/>
+                <a:ext cx="701539" cy="307777"/>
+              </a:xfrm>
+              <a:prstGeom prst="rect">
+                <a:avLst/>
+              </a:prstGeom>
+              <a:noFill/>
+            </p:spPr>
+            <p:txBody>
+              <a:bodyPr wrap="none" lIns="0" tIns="0" rIns="0" bIns="0" rtlCol="0">
+                <a:spAutoFit/>
+              </a:bodyPr>
+              <a:lstStyle/>
+              <a:p>
+                <a:pPr/>
+                <a14:m>
+                  <m:oMathPara xmlns:m="http://schemas.openxmlformats.org/officeDocument/2006/math">
+                    <m:oMathParaPr>
+                      <m:jc m:val="centerGroup"/>
+                    </m:oMathParaPr>
+                    <m:oMath xmlns:m="http://schemas.openxmlformats.org/officeDocument/2006/math">
+                      <m:sSub>
+                        <m:sSubPr>
+                          <m:ctrlPr>
+                            <a:rPr lang="en-US" altLang="zh-CN" sz="2000" b="1" i="1" smtClean="0">
+                              <a:latin typeface="Cambria Math" panose="02040503050406030204" pitchFamily="18" charset="0"/>
+                              <a:ea typeface="Cambria Math" panose="02040503050406030204" pitchFamily="18" charset="0"/>
+                            </a:rPr>
+                          </m:ctrlPr>
+                        </m:sSubPr>
+                        <m:e>
+                          <m:r>
+                            <a:rPr lang="en-US" altLang="zh-CN" sz="2000" b="1" i="1" smtClean="0">
+                              <a:latin typeface="Cambria Math" panose="02040503050406030204" pitchFamily="18" charset="0"/>
+                              <a:ea typeface="Cambria Math" panose="02040503050406030204" pitchFamily="18" charset="0"/>
+                            </a:rPr>
+                            <m:t>𝓜</m:t>
+                          </m:r>
+                        </m:e>
+                        <m:sub>
+                          <m:r>
+                            <a:rPr lang="en-US" altLang="zh-CN" sz="2000" b="1" i="0" smtClean="0">
+                              <a:latin typeface="Cambria Math" panose="02040503050406030204" pitchFamily="18" charset="0"/>
+                              <a:ea typeface="Cambria Math" panose="02040503050406030204" pitchFamily="18" charset="0"/>
+                            </a:rPr>
+                            <m:t>𝐨𝐛𝐬</m:t>
+                          </m:r>
+                        </m:sub>
+                      </m:sSub>
+                    </m:oMath>
+                  </m:oMathPara>
+                </a14:m>
+                <a:endParaRPr lang="zh-CN" altLang="en-US" b="1" dirty="0"/>
+              </a:p>
+            </p:txBody>
+          </p:sp>
+        </mc:Choice>
+        <mc:Fallback xmlns="">
+          <p:sp>
+            <p:nvSpPr>
+              <p:cNvPr id="11" name="文本框 10">
+                <a:extLst>
+                  <a:ext uri="{FF2B5EF4-FFF2-40B4-BE49-F238E27FC236}">
+                    <a16:creationId xmlns:a16="http://schemas.microsoft.com/office/drawing/2014/main" id="{C97D4E0B-E9B2-B320-73CE-AB75DB22DC27}"/>
+                  </a:ext>
+                </a:extLst>
+              </p:cNvPr>
+              <p:cNvSpPr txBox="1">
+                <a:spLocks noRot="1" noChangeAspect="1" noMove="1" noResize="1" noEditPoints="1" noAdjustHandles="1" noChangeArrowheads="1" noChangeShapeType="1" noTextEdit="1"/>
+              </p:cNvSpPr>
+              <p:nvPr/>
+            </p:nvSpPr>
+            <p:spPr>
+              <a:xfrm>
+                <a:off x="9565320" y="4480280"/>
+                <a:ext cx="701539" cy="307777"/>
+              </a:xfrm>
+              <a:prstGeom prst="rect">
+                <a:avLst/>
+              </a:prstGeom>
+              <a:blipFill>
+                <a:blip r:embed="rId3"/>
+                <a:stretch>
+                  <a:fillRect l="-6087" r="-3478" b="-18000"/>
+                </a:stretch>
+              </a:blipFill>
+            </p:spPr>
+            <p:txBody>
+              <a:bodyPr/>
+              <a:lstStyle/>
+              <a:p>
+                <a:r>
+                  <a:rPr lang="zh-CN" altLang="en-US">
+                    <a:noFill/>
+                  </a:rPr>
+                  <a:t> </a:t>
+                </a:r>
+              </a:p>
+            </p:txBody>
+          </p:sp>
+        </mc:Fallback>
+      </mc:AlternateContent>
+      <mc:AlternateContent xmlns:mc="http://schemas.openxmlformats.org/markup-compatibility/2006" xmlns:a14="http://schemas.microsoft.com/office/drawing/2010/main">
+        <mc:Choice Requires="a14">
+          <p:sp>
+            <p:nvSpPr>
+              <p:cNvPr id="12" name="文本框 11">
+                <a:extLst>
+                  <a:ext uri="{FF2B5EF4-FFF2-40B4-BE49-F238E27FC236}">
+                    <a16:creationId xmlns:a16="http://schemas.microsoft.com/office/drawing/2014/main" id="{2FF86C34-C81F-D2FD-49AF-A6C71E1D245C}"/>
+                  </a:ext>
+                </a:extLst>
+              </p:cNvPr>
+              <p:cNvSpPr txBox="1"/>
+              <p:nvPr/>
+            </p:nvSpPr>
+            <p:spPr>
+              <a:xfrm>
+                <a:off x="10266859" y="3153130"/>
+                <a:ext cx="703141" cy="335285"/>
+              </a:xfrm>
+              <a:prstGeom prst="rect">
+                <a:avLst/>
+              </a:prstGeom>
+              <a:noFill/>
+            </p:spPr>
+            <p:txBody>
+              <a:bodyPr wrap="none" lIns="0" tIns="0" rIns="0" bIns="0" rtlCol="0">
+                <a:spAutoFit/>
+              </a:bodyPr>
+              <a:lstStyle/>
+              <a:p>
+                <a:pPr/>
+                <a14:m>
+                  <m:oMathPara xmlns:m="http://schemas.openxmlformats.org/officeDocument/2006/math">
+                    <m:oMathParaPr>
+                      <m:jc m:val="centerGroup"/>
+                    </m:oMathParaPr>
+                    <m:oMath xmlns:m="http://schemas.openxmlformats.org/officeDocument/2006/math">
+                      <m:sSub>
+                        <m:sSubPr>
+                          <m:ctrlPr>
+                            <a:rPr lang="en-US" altLang="zh-CN" sz="2000" b="1" i="1" smtClean="0">
+                              <a:latin typeface="Cambria Math" panose="02040503050406030204" pitchFamily="18" charset="0"/>
+                              <a:ea typeface="Cambria Math" panose="02040503050406030204" pitchFamily="18" charset="0"/>
+                            </a:rPr>
+                          </m:ctrlPr>
+                        </m:sSubPr>
+                        <m:e>
+                          <m:r>
+                            <a:rPr lang="en-US" altLang="zh-CN" sz="2000" b="1" i="1" smtClean="0">
+                              <a:latin typeface="Cambria Math" panose="02040503050406030204" pitchFamily="18" charset="0"/>
+                              <a:ea typeface="Cambria Math" panose="02040503050406030204" pitchFamily="18" charset="0"/>
+                            </a:rPr>
+                            <m:t>𝓜</m:t>
+                          </m:r>
+                        </m:e>
+                        <m:sub>
+                          <m:r>
+                            <a:rPr lang="en-US" altLang="zh-CN" sz="2000" b="1" i="0" smtClean="0">
+                              <a:latin typeface="Cambria Math" panose="02040503050406030204" pitchFamily="18" charset="0"/>
+                              <a:ea typeface="Cambria Math" panose="02040503050406030204" pitchFamily="18" charset="0"/>
+                            </a:rPr>
+                            <m:t>𝐩𝐨𝐬</m:t>
+                          </m:r>
+                        </m:sub>
+                      </m:sSub>
+                    </m:oMath>
+                  </m:oMathPara>
+                </a14:m>
+                <a:endParaRPr lang="zh-CN" altLang="en-US" b="1" dirty="0"/>
+              </a:p>
+            </p:txBody>
+          </p:sp>
+        </mc:Choice>
+        <mc:Fallback xmlns="">
+          <p:sp>
+            <p:nvSpPr>
+              <p:cNvPr id="12" name="文本框 11">
+                <a:extLst>
+                  <a:ext uri="{FF2B5EF4-FFF2-40B4-BE49-F238E27FC236}">
+                    <a16:creationId xmlns:a16="http://schemas.microsoft.com/office/drawing/2014/main" id="{07F41F74-5123-B037-E32F-9329372258AC}"/>
+                  </a:ext>
+                </a:extLst>
+              </p:cNvPr>
+              <p:cNvSpPr txBox="1">
+                <a:spLocks noRot="1" noChangeAspect="1" noMove="1" noResize="1" noEditPoints="1" noAdjustHandles="1" noChangeArrowheads="1" noChangeShapeType="1" noTextEdit="1"/>
+              </p:cNvSpPr>
+              <p:nvPr/>
+            </p:nvSpPr>
+            <p:spPr>
+              <a:xfrm>
+                <a:off x="10266859" y="3153130"/>
+                <a:ext cx="703141" cy="335285"/>
+              </a:xfrm>
+              <a:prstGeom prst="rect">
+                <a:avLst/>
+              </a:prstGeom>
+              <a:blipFill>
+                <a:blip r:embed="rId4"/>
+                <a:stretch>
+                  <a:fillRect l="-6034" r="-2586" b="-21818"/>
+                </a:stretch>
+              </a:blipFill>
+            </p:spPr>
+            <p:txBody>
+              <a:bodyPr/>
+              <a:lstStyle/>
+              <a:p>
+                <a:r>
+                  <a:rPr lang="zh-CN" altLang="en-US">
+                    <a:noFill/>
+                  </a:rPr>
+                  <a:t> </a:t>
+                </a:r>
+              </a:p>
+            </p:txBody>
+          </p:sp>
+        </mc:Fallback>
+      </mc:AlternateContent>
+      <p:cxnSp>
+        <p:nvCxnSpPr>
+          <p:cNvPr id="14" name="直接箭头连接符 13">
+            <a:extLst>
+              <a:ext uri="{FF2B5EF4-FFF2-40B4-BE49-F238E27FC236}">
+                <a16:creationId xmlns:a16="http://schemas.microsoft.com/office/drawing/2014/main" id="{B50624AD-9BEE-0469-E5FF-20D906B82C27}"/>
+              </a:ext>
+            </a:extLst>
+          </p:cNvPr>
+          <p:cNvCxnSpPr>
+            <a:cxnSpLocks/>
+          </p:cNvCxnSpPr>
+          <p:nvPr/>
+        </p:nvCxnSpPr>
+        <p:spPr>
+          <a:xfrm flipV="1">
+            <a:off x="4298950" y="3289022"/>
+            <a:ext cx="904951" cy="427993"/>
+          </a:xfrm>
+          <a:prstGeom prst="straightConnector1">
+            <a:avLst/>
+          </a:prstGeom>
+          <a:ln>
+            <a:solidFill>
+              <a:srgbClr val="FF0000"/>
+            </a:solidFill>
+            <a:tailEnd type="triangle"/>
+          </a:ln>
+        </p:spPr>
+        <p:style>
+          <a:lnRef idx="2">
+            <a:schemeClr val="accent1"/>
+          </a:lnRef>
+          <a:fillRef idx="0">
+            <a:schemeClr val="accent1"/>
+          </a:fillRef>
+          <a:effectRef idx="1">
+            <a:schemeClr val="accent1"/>
+          </a:effectRef>
+          <a:fontRef idx="minor">
+            <a:schemeClr val="tx1"/>
+          </a:fontRef>
+        </p:style>
+      </p:cxnSp>
+      <p:cxnSp>
+        <p:nvCxnSpPr>
+          <p:cNvPr id="15" name="直接箭头连接符 14">
+            <a:extLst>
+              <a:ext uri="{FF2B5EF4-FFF2-40B4-BE49-F238E27FC236}">
+                <a16:creationId xmlns:a16="http://schemas.microsoft.com/office/drawing/2014/main" id="{DF261CAE-1EF4-44DD-669C-1517841F4F32}"/>
+              </a:ext>
+            </a:extLst>
+          </p:cNvPr>
+          <p:cNvCxnSpPr>
+            <a:cxnSpLocks/>
+          </p:cNvCxnSpPr>
+          <p:nvPr/>
+        </p:nvCxnSpPr>
+        <p:spPr>
+          <a:xfrm>
+            <a:off x="4311650" y="3717015"/>
+            <a:ext cx="838200" cy="445625"/>
+          </a:xfrm>
+          <a:prstGeom prst="straightConnector1">
+            <a:avLst/>
+          </a:prstGeom>
+          <a:ln>
+            <a:solidFill>
+              <a:srgbClr val="00B0F0"/>
+            </a:solidFill>
+            <a:tailEnd type="triangle"/>
+          </a:ln>
+        </p:spPr>
+        <p:style>
+          <a:lnRef idx="2">
+            <a:schemeClr val="accent1"/>
+          </a:lnRef>
+          <a:fillRef idx="0">
+            <a:schemeClr val="accent1"/>
+          </a:fillRef>
+          <a:effectRef idx="1">
+            <a:schemeClr val="accent1"/>
+          </a:effectRef>
+          <a:fontRef idx="minor">
+            <a:schemeClr val="tx1"/>
+          </a:fontRef>
+        </p:style>
+      </p:cxnSp>
+      <p:cxnSp>
+        <p:nvCxnSpPr>
+          <p:cNvPr id="19" name="直接箭头连接符 18">
+            <a:extLst>
+              <a:ext uri="{FF2B5EF4-FFF2-40B4-BE49-F238E27FC236}">
+                <a16:creationId xmlns:a16="http://schemas.microsoft.com/office/drawing/2014/main" id="{32E0646F-968F-0AC0-A438-A5ED02857250}"/>
+              </a:ext>
+            </a:extLst>
+          </p:cNvPr>
+          <p:cNvCxnSpPr>
+            <a:cxnSpLocks/>
+          </p:cNvCxnSpPr>
+          <p:nvPr/>
+        </p:nvCxnSpPr>
+        <p:spPr>
+          <a:xfrm flipV="1">
+            <a:off x="4311650" y="3717015"/>
+            <a:ext cx="1121080" cy="8816"/>
+          </a:xfrm>
+          <a:prstGeom prst="straightConnector1">
+            <a:avLst/>
+          </a:prstGeom>
+          <a:ln>
+            <a:solidFill>
+              <a:schemeClr val="tx1"/>
+            </a:solidFill>
+            <a:tailEnd type="triangle"/>
+          </a:ln>
+        </p:spPr>
+        <p:style>
+          <a:lnRef idx="2">
+            <a:schemeClr val="accent1"/>
+          </a:lnRef>
+          <a:fillRef idx="0">
+            <a:schemeClr val="accent1"/>
+          </a:fillRef>
+          <a:effectRef idx="1">
+            <a:schemeClr val="accent1"/>
+          </a:effectRef>
+          <a:fontRef idx="minor">
+            <a:schemeClr val="tx1"/>
+          </a:fontRef>
+        </p:style>
+      </p:cxnSp>
+      <p:cxnSp>
+        <p:nvCxnSpPr>
+          <p:cNvPr id="22" name="直接箭头连接符 21">
+            <a:extLst>
+              <a:ext uri="{FF2B5EF4-FFF2-40B4-BE49-F238E27FC236}">
+                <a16:creationId xmlns:a16="http://schemas.microsoft.com/office/drawing/2014/main" id="{7CD53A0A-9D03-B218-0DA7-D1632B579C00}"/>
+              </a:ext>
+            </a:extLst>
+          </p:cNvPr>
+          <p:cNvCxnSpPr>
+            <a:cxnSpLocks/>
+          </p:cNvCxnSpPr>
+          <p:nvPr/>
+        </p:nvCxnSpPr>
+        <p:spPr>
+          <a:xfrm>
+            <a:off x="1063651" y="1436610"/>
+            <a:ext cx="9360000" cy="0"/>
+          </a:xfrm>
+          <a:prstGeom prst="straightConnector1">
+            <a:avLst/>
+          </a:prstGeom>
+          <a:ln w="28575">
+            <a:solidFill>
+              <a:schemeClr val="tx1"/>
+            </a:solidFill>
+            <a:tailEnd type="triangle"/>
+          </a:ln>
+        </p:spPr>
+        <p:style>
+          <a:lnRef idx="2">
+            <a:schemeClr val="accent1"/>
+          </a:lnRef>
+          <a:fillRef idx="0">
+            <a:schemeClr val="accent1"/>
+          </a:fillRef>
+          <a:effectRef idx="1">
+            <a:schemeClr val="accent1"/>
+          </a:effectRef>
+          <a:fontRef idx="minor">
+            <a:schemeClr val="tx1"/>
+          </a:fontRef>
+        </p:style>
+      </p:cxnSp>
+      <mc:AlternateContent xmlns:mc="http://schemas.openxmlformats.org/markup-compatibility/2006" xmlns:a14="http://schemas.microsoft.com/office/drawing/2010/main">
+        <mc:Choice Requires="a14">
+          <p:sp>
+            <p:nvSpPr>
+              <p:cNvPr id="23" name="文本框 22">
+                <a:extLst>
+                  <a:ext uri="{FF2B5EF4-FFF2-40B4-BE49-F238E27FC236}">
+                    <a16:creationId xmlns:a16="http://schemas.microsoft.com/office/drawing/2014/main" id="{8C07A2BE-3680-A3BB-5A17-A7E0BC003C12}"/>
+                  </a:ext>
+                </a:extLst>
+              </p:cNvPr>
+              <p:cNvSpPr txBox="1"/>
+              <p:nvPr/>
+            </p:nvSpPr>
+            <p:spPr>
+              <a:xfrm>
+                <a:off x="952501" y="1035441"/>
+                <a:ext cx="589136" cy="276999"/>
+              </a:xfrm>
+              <a:prstGeom prst="rect">
+                <a:avLst/>
+              </a:prstGeom>
+              <a:noFill/>
+            </p:spPr>
+            <p:txBody>
+              <a:bodyPr wrap="none" lIns="0" tIns="0" rIns="0" bIns="0" rtlCol="0">
+                <a:spAutoFit/>
+              </a:bodyPr>
+              <a:lstStyle/>
+              <a:p>
+                <a:pPr/>
+                <a14:m>
+                  <m:oMathPara xmlns:m="http://schemas.openxmlformats.org/officeDocument/2006/math">
+                    <m:oMathParaPr>
+                      <m:jc m:val="centerGroup"/>
+                    </m:oMathParaPr>
+                    <m:oMath xmlns:m="http://schemas.openxmlformats.org/officeDocument/2006/math">
+                      <m:r>
+                        <a:rPr lang="en-US" altLang="zh-CN" b="0" i="1" smtClean="0">
+                          <a:latin typeface="Cambria Math" panose="02040503050406030204" pitchFamily="18" charset="0"/>
+                        </a:rPr>
+                        <m:t>𝑡</m:t>
+                      </m:r>
+                      <m:r>
+                        <a:rPr lang="en-US" altLang="zh-CN" b="0" i="1" smtClean="0">
+                          <a:latin typeface="Cambria Math" panose="02040503050406030204" pitchFamily="18" charset="0"/>
+                        </a:rPr>
+                        <m:t>=1</m:t>
+                      </m:r>
+                    </m:oMath>
+                  </m:oMathPara>
+                </a14:m>
+                <a:endParaRPr lang="zh-CN" altLang="en-US" dirty="0"/>
+              </a:p>
+            </p:txBody>
+          </p:sp>
+        </mc:Choice>
+        <mc:Fallback xmlns="">
+          <p:sp>
+            <p:nvSpPr>
+              <p:cNvPr id="23" name="文本框 22">
+                <a:extLst>
+                  <a:ext uri="{FF2B5EF4-FFF2-40B4-BE49-F238E27FC236}">
+                    <a16:creationId xmlns:a16="http://schemas.microsoft.com/office/drawing/2014/main" id="{6510F2FC-813F-02BC-70AD-583B842993D8}"/>
+                  </a:ext>
+                </a:extLst>
+              </p:cNvPr>
+              <p:cNvSpPr txBox="1">
+                <a:spLocks noRot="1" noChangeAspect="1" noMove="1" noResize="1" noEditPoints="1" noAdjustHandles="1" noChangeArrowheads="1" noChangeShapeType="1" noTextEdit="1"/>
+              </p:cNvSpPr>
+              <p:nvPr/>
+            </p:nvSpPr>
+            <p:spPr>
+              <a:xfrm>
+                <a:off x="952501" y="1035441"/>
+                <a:ext cx="589136" cy="276999"/>
+              </a:xfrm>
+              <a:prstGeom prst="rect">
+                <a:avLst/>
+              </a:prstGeom>
+              <a:blipFill>
+                <a:blip r:embed="rId5"/>
+                <a:stretch>
+                  <a:fillRect l="-6186" r="-8247" b="-6667"/>
+                </a:stretch>
+              </a:blipFill>
+            </p:spPr>
+            <p:txBody>
+              <a:bodyPr/>
+              <a:lstStyle/>
+              <a:p>
+                <a:r>
+                  <a:rPr lang="zh-CN" altLang="en-US">
+                    <a:noFill/>
+                  </a:rPr>
+                  <a:t> </a:t>
+                </a:r>
+              </a:p>
+            </p:txBody>
+          </p:sp>
+        </mc:Fallback>
+      </mc:AlternateContent>
+      <mc:AlternateContent xmlns:mc="http://schemas.openxmlformats.org/markup-compatibility/2006" xmlns:a14="http://schemas.microsoft.com/office/drawing/2010/main">
+        <mc:Choice Requires="a14">
+          <p:sp>
+            <p:nvSpPr>
+              <p:cNvPr id="24" name="文本框 23">
+                <a:extLst>
+                  <a:ext uri="{FF2B5EF4-FFF2-40B4-BE49-F238E27FC236}">
+                    <a16:creationId xmlns:a16="http://schemas.microsoft.com/office/drawing/2014/main" id="{1748EF35-816F-2371-2D5F-42486D29928E}"/>
+                  </a:ext>
+                </a:extLst>
+              </p:cNvPr>
+              <p:cNvSpPr txBox="1"/>
+              <p:nvPr/>
+            </p:nvSpPr>
+            <p:spPr>
+              <a:xfrm>
+                <a:off x="10079608" y="1035441"/>
+                <a:ext cx="589136" cy="276999"/>
+              </a:xfrm>
+              <a:prstGeom prst="rect">
+                <a:avLst/>
+              </a:prstGeom>
+              <a:noFill/>
+            </p:spPr>
+            <p:txBody>
+              <a:bodyPr wrap="none" lIns="0" tIns="0" rIns="0" bIns="0" rtlCol="0">
+                <a:spAutoFit/>
+              </a:bodyPr>
+              <a:lstStyle/>
+              <a:p>
+                <a:pPr/>
+                <a14:m>
+                  <m:oMathPara xmlns:m="http://schemas.openxmlformats.org/officeDocument/2006/math">
+                    <m:oMathParaPr>
+                      <m:jc m:val="centerGroup"/>
+                    </m:oMathParaPr>
+                    <m:oMath xmlns:m="http://schemas.openxmlformats.org/officeDocument/2006/math">
+                      <m:r>
+                        <a:rPr lang="en-US" altLang="zh-CN" b="0" i="1" smtClean="0">
+                          <a:latin typeface="Cambria Math" panose="02040503050406030204" pitchFamily="18" charset="0"/>
+                        </a:rPr>
+                        <m:t>𝑡</m:t>
+                      </m:r>
+                      <m:r>
+                        <a:rPr lang="en-US" altLang="zh-CN" b="0" i="1" smtClean="0">
+                          <a:latin typeface="Cambria Math" panose="02040503050406030204" pitchFamily="18" charset="0"/>
+                        </a:rPr>
+                        <m:t>=0</m:t>
+                      </m:r>
+                    </m:oMath>
+                  </m:oMathPara>
+                </a14:m>
+                <a:endParaRPr lang="zh-CN" altLang="en-US" dirty="0"/>
+              </a:p>
+            </p:txBody>
+          </p:sp>
+        </mc:Choice>
+        <mc:Fallback xmlns="">
+          <p:sp>
+            <p:nvSpPr>
+              <p:cNvPr id="24" name="文本框 23">
+                <a:extLst>
+                  <a:ext uri="{FF2B5EF4-FFF2-40B4-BE49-F238E27FC236}">
+                    <a16:creationId xmlns:a16="http://schemas.microsoft.com/office/drawing/2014/main" id="{C5555D7E-3B3B-0F59-894B-EFB414A76BB7}"/>
+                  </a:ext>
+                </a:extLst>
+              </p:cNvPr>
+              <p:cNvSpPr txBox="1">
+                <a:spLocks noRot="1" noChangeAspect="1" noMove="1" noResize="1" noEditPoints="1" noAdjustHandles="1" noChangeArrowheads="1" noChangeShapeType="1" noTextEdit="1"/>
+              </p:cNvSpPr>
+              <p:nvPr/>
+            </p:nvSpPr>
+            <p:spPr>
+              <a:xfrm>
+                <a:off x="10079608" y="1035441"/>
+                <a:ext cx="589136" cy="276999"/>
+              </a:xfrm>
+              <a:prstGeom prst="rect">
+                <a:avLst/>
+              </a:prstGeom>
+              <a:blipFill>
+                <a:blip r:embed="rId6"/>
+                <a:stretch>
+                  <a:fillRect l="-6186" r="-8247" b="-6667"/>
+                </a:stretch>
+              </a:blipFill>
+            </p:spPr>
+            <p:txBody>
+              <a:bodyPr/>
+              <a:lstStyle/>
+              <a:p>
+                <a:r>
+                  <a:rPr lang="zh-CN" altLang="en-US">
+                    <a:noFill/>
+                  </a:rPr>
+                  <a:t> </a:t>
+                </a:r>
+              </a:p>
+            </p:txBody>
+          </p:sp>
+        </mc:Fallback>
+      </mc:AlternateContent>
+      <mc:AlternateContent xmlns:mc="http://schemas.openxmlformats.org/markup-compatibility/2006" xmlns:a14="http://schemas.microsoft.com/office/drawing/2010/main">
+        <mc:Choice Requires="a14">
+          <p:sp>
+            <p:nvSpPr>
+              <p:cNvPr id="25" name="文本框 24">
+                <a:extLst>
+                  <a:ext uri="{FF2B5EF4-FFF2-40B4-BE49-F238E27FC236}">
+                    <a16:creationId xmlns:a16="http://schemas.microsoft.com/office/drawing/2014/main" id="{3779B05F-4CE1-EFC1-2090-533B28C21549}"/>
+                  </a:ext>
+                </a:extLst>
+              </p:cNvPr>
+              <p:cNvSpPr txBox="1"/>
+              <p:nvPr/>
+            </p:nvSpPr>
+            <p:spPr>
+              <a:xfrm>
+                <a:off x="4231884" y="1035139"/>
+                <a:ext cx="159531" cy="276999"/>
+              </a:xfrm>
+              <a:prstGeom prst="rect">
+                <a:avLst/>
+              </a:prstGeom>
+              <a:noFill/>
+            </p:spPr>
+            <p:txBody>
+              <a:bodyPr wrap="none" lIns="0" tIns="0" rIns="0" bIns="0" rtlCol="0">
+                <a:spAutoFit/>
+              </a:bodyPr>
+              <a:lstStyle/>
+              <a:p>
+                <a:pPr/>
+                <a14:m>
+                  <m:oMathPara xmlns:m="http://schemas.openxmlformats.org/officeDocument/2006/math">
+                    <m:oMathParaPr>
+                      <m:jc m:val="centerGroup"/>
+                    </m:oMathParaPr>
+                    <m:oMath xmlns:m="http://schemas.openxmlformats.org/officeDocument/2006/math">
+                      <m:r>
+                        <a:rPr lang="en-US" altLang="zh-CN" b="0" i="1" smtClean="0">
+                          <a:latin typeface="Cambria Math" panose="02040503050406030204" pitchFamily="18" charset="0"/>
+                        </a:rPr>
+                        <m:t>𝑡</m:t>
+                      </m:r>
+                    </m:oMath>
+                  </m:oMathPara>
+                </a14:m>
+                <a:endParaRPr lang="zh-CN" altLang="en-US" dirty="0"/>
+              </a:p>
+            </p:txBody>
+          </p:sp>
+        </mc:Choice>
+        <mc:Fallback xmlns="">
+          <p:sp>
+            <p:nvSpPr>
+              <p:cNvPr id="25" name="文本框 24">
+                <a:extLst>
+                  <a:ext uri="{FF2B5EF4-FFF2-40B4-BE49-F238E27FC236}">
+                    <a16:creationId xmlns:a16="http://schemas.microsoft.com/office/drawing/2014/main" id="{2BB773A2-DBDB-2118-07C2-26811683D0E0}"/>
+                  </a:ext>
+                </a:extLst>
+              </p:cNvPr>
+              <p:cNvSpPr txBox="1">
+                <a:spLocks noRot="1" noChangeAspect="1" noMove="1" noResize="1" noEditPoints="1" noAdjustHandles="1" noChangeArrowheads="1" noChangeShapeType="1" noTextEdit="1"/>
+              </p:cNvSpPr>
+              <p:nvPr/>
+            </p:nvSpPr>
+            <p:spPr>
+              <a:xfrm>
+                <a:off x="4231884" y="1035139"/>
+                <a:ext cx="159531" cy="276999"/>
+              </a:xfrm>
+              <a:prstGeom prst="rect">
+                <a:avLst/>
+              </a:prstGeom>
+              <a:blipFill>
+                <a:blip r:embed="rId7"/>
+                <a:stretch>
+                  <a:fillRect l="-26923" r="-26923" b="-4444"/>
+                </a:stretch>
+              </a:blipFill>
+            </p:spPr>
+            <p:txBody>
+              <a:bodyPr/>
+              <a:lstStyle/>
+              <a:p>
+                <a:r>
+                  <a:rPr lang="zh-CN" altLang="en-US">
+                    <a:noFill/>
+                  </a:rPr>
+                  <a:t> </a:t>
+                </a:r>
+              </a:p>
+            </p:txBody>
+          </p:sp>
+        </mc:Fallback>
+      </mc:AlternateContent>
+      <p:cxnSp>
+        <p:nvCxnSpPr>
+          <p:cNvPr id="26" name="直接连接符 25">
+            <a:extLst>
+              <a:ext uri="{FF2B5EF4-FFF2-40B4-BE49-F238E27FC236}">
+                <a16:creationId xmlns:a16="http://schemas.microsoft.com/office/drawing/2014/main" id="{72EBB7D6-A49D-3CC8-108A-6C942A511974}"/>
+              </a:ext>
+            </a:extLst>
+          </p:cNvPr>
+          <p:cNvCxnSpPr>
+            <a:cxnSpLocks/>
+          </p:cNvCxnSpPr>
+          <p:nvPr/>
+        </p:nvCxnSpPr>
+        <p:spPr>
+          <a:xfrm>
+            <a:off x="4286250" y="2056977"/>
+            <a:ext cx="0" cy="2880000"/>
+          </a:xfrm>
+          <a:prstGeom prst="line">
+            <a:avLst/>
+          </a:prstGeom>
+          <a:ln w="12700">
+            <a:solidFill>
+              <a:schemeClr val="tx1"/>
+            </a:solidFill>
+            <a:prstDash val="dash"/>
+          </a:ln>
+        </p:spPr>
+        <p:style>
+          <a:lnRef idx="2">
+            <a:schemeClr val="accent1"/>
+          </a:lnRef>
+          <a:fillRef idx="0">
+            <a:schemeClr val="accent1"/>
+          </a:fillRef>
+          <a:effectRef idx="1">
+            <a:schemeClr val="accent1"/>
+          </a:effectRef>
+          <a:fontRef idx="minor">
+            <a:schemeClr val="tx1"/>
+          </a:fontRef>
+        </p:style>
+      </p:cxnSp>
+      <mc:AlternateContent xmlns:mc="http://schemas.openxmlformats.org/markup-compatibility/2006" xmlns:a14="http://schemas.microsoft.com/office/drawing/2010/main">
+        <mc:Choice Requires="a14">
+          <p:sp>
+            <p:nvSpPr>
+              <p:cNvPr id="31" name="文本框 30">
+                <a:extLst>
+                  <a:ext uri="{FF2B5EF4-FFF2-40B4-BE49-F238E27FC236}">
+                    <a16:creationId xmlns:a16="http://schemas.microsoft.com/office/drawing/2014/main" id="{0BD31684-2A8F-A2B3-21B6-0819D70739DC}"/>
+                  </a:ext>
+                </a:extLst>
+              </p:cNvPr>
+              <p:cNvSpPr txBox="1"/>
+              <p:nvPr/>
+            </p:nvSpPr>
+            <p:spPr>
+              <a:xfrm>
+                <a:off x="750881" y="5556335"/>
+                <a:ext cx="703269" cy="276999"/>
+              </a:xfrm>
+              <a:prstGeom prst="rect">
+                <a:avLst/>
+              </a:prstGeom>
+              <a:noFill/>
+            </p:spPr>
+            <p:txBody>
+              <a:bodyPr wrap="none" lIns="0" tIns="0" rIns="0" bIns="0" rtlCol="0">
+                <a:spAutoFit/>
+              </a:bodyPr>
+              <a:lstStyle/>
+              <a:p>
+                <a:pPr/>
+                <a14:m>
+                  <m:oMathPara xmlns:m="http://schemas.openxmlformats.org/officeDocument/2006/math">
+                    <m:oMathParaPr>
+                      <m:jc m:val="centerGroup"/>
+                    </m:oMathParaPr>
+                    <m:oMath xmlns:m="http://schemas.openxmlformats.org/officeDocument/2006/math">
+                      <m:r>
+                        <a:rPr lang="en-US" altLang="zh-CN" b="0" i="1" smtClean="0">
+                          <a:latin typeface="Cambria Math" panose="02040503050406030204" pitchFamily="18" charset="0"/>
+                        </a:rPr>
+                        <m:t>𝑧</m:t>
+                      </m:r>
+                      <m:r>
+                        <a:rPr lang="en-US" altLang="zh-CN" b="0" i="1" smtClean="0">
+                          <a:latin typeface="Cambria Math" panose="02040503050406030204" pitchFamily="18" charset="0"/>
+                        </a:rPr>
+                        <m:t>=</m:t>
+                      </m:r>
+                      <m:sSub>
+                        <m:sSubPr>
+                          <m:ctrlPr>
+                            <a:rPr lang="en-US" altLang="zh-CN" b="0" i="1" smtClean="0">
+                              <a:latin typeface="Cambria Math" panose="02040503050406030204" pitchFamily="18" charset="0"/>
+                            </a:rPr>
+                          </m:ctrlPr>
+                        </m:sSubPr>
+                        <m:e>
+                          <m:r>
+                            <a:rPr lang="en-US" altLang="zh-CN" b="0" i="1" smtClean="0">
+                              <a:latin typeface="Cambria Math" panose="02040503050406030204" pitchFamily="18" charset="0"/>
+                            </a:rPr>
+                            <m:t>𝑥</m:t>
+                          </m:r>
+                        </m:e>
+                        <m:sub>
+                          <m:r>
+                            <a:rPr lang="en-US" altLang="zh-CN" b="0" i="1" smtClean="0">
+                              <a:latin typeface="Cambria Math" panose="02040503050406030204" pitchFamily="18" charset="0"/>
+                            </a:rPr>
+                            <m:t>1</m:t>
+                          </m:r>
+                        </m:sub>
+                      </m:sSub>
+                    </m:oMath>
+                  </m:oMathPara>
+                </a14:m>
+                <a:endParaRPr lang="zh-CN" altLang="en-US" dirty="0"/>
+              </a:p>
+            </p:txBody>
+          </p:sp>
+        </mc:Choice>
+        <mc:Fallback xmlns="">
+          <p:sp>
+            <p:nvSpPr>
+              <p:cNvPr id="31" name="文本框 30">
+                <a:extLst>
+                  <a:ext uri="{FF2B5EF4-FFF2-40B4-BE49-F238E27FC236}">
+                    <a16:creationId xmlns:a16="http://schemas.microsoft.com/office/drawing/2014/main" id="{14519B74-C1ED-8C91-8849-0B8E0FE04772}"/>
+                  </a:ext>
+                </a:extLst>
+              </p:cNvPr>
+              <p:cNvSpPr txBox="1">
+                <a:spLocks noRot="1" noChangeAspect="1" noMove="1" noResize="1" noEditPoints="1" noAdjustHandles="1" noChangeArrowheads="1" noChangeShapeType="1" noTextEdit="1"/>
+              </p:cNvSpPr>
+              <p:nvPr/>
+            </p:nvSpPr>
+            <p:spPr>
+              <a:xfrm>
+                <a:off x="750881" y="5556335"/>
+                <a:ext cx="703269" cy="276999"/>
+              </a:xfrm>
+              <a:prstGeom prst="rect">
+                <a:avLst/>
+              </a:prstGeom>
+              <a:blipFill>
+                <a:blip r:embed="rId8"/>
+                <a:stretch>
+                  <a:fillRect l="-3448" r="-862" b="-13043"/>
+                </a:stretch>
+              </a:blipFill>
+            </p:spPr>
+            <p:txBody>
+              <a:bodyPr/>
+              <a:lstStyle/>
+              <a:p>
+                <a:r>
+                  <a:rPr lang="zh-CN" altLang="en-US">
+                    <a:noFill/>
+                  </a:rPr>
+                  <a:t> </a:t>
+                </a:r>
+              </a:p>
+            </p:txBody>
+          </p:sp>
+        </mc:Fallback>
+      </mc:AlternateContent>
+      <mc:AlternateContent xmlns:mc="http://schemas.openxmlformats.org/markup-compatibility/2006" xmlns:a14="http://schemas.microsoft.com/office/drawing/2010/main">
+        <mc:Choice Requires="a14">
+          <p:sp>
+            <p:nvSpPr>
+              <p:cNvPr id="32" name="文本框 31">
+                <a:extLst>
+                  <a:ext uri="{FF2B5EF4-FFF2-40B4-BE49-F238E27FC236}">
+                    <a16:creationId xmlns:a16="http://schemas.microsoft.com/office/drawing/2014/main" id="{1CA600EF-2828-833C-9DA7-E2DEAFE77591}"/>
+                  </a:ext>
+                </a:extLst>
+              </p:cNvPr>
+              <p:cNvSpPr txBox="1"/>
+              <p:nvPr/>
+            </p:nvSpPr>
+            <p:spPr>
+              <a:xfrm>
+                <a:off x="9788566" y="5556334"/>
+                <a:ext cx="291042" cy="276999"/>
+              </a:xfrm>
+              <a:prstGeom prst="rect">
+                <a:avLst/>
+              </a:prstGeom>
+              <a:noFill/>
+            </p:spPr>
+            <p:txBody>
+              <a:bodyPr wrap="none" lIns="0" tIns="0" rIns="0" bIns="0" rtlCol="0">
+                <a:spAutoFit/>
+              </a:bodyPr>
+              <a:lstStyle/>
+              <a:p>
+                <a:pPr/>
+                <a14:m>
+                  <m:oMathPara xmlns:m="http://schemas.openxmlformats.org/officeDocument/2006/math">
+                    <m:oMathParaPr>
+                      <m:jc m:val="centerGroup"/>
+                    </m:oMathParaPr>
+                    <m:oMath xmlns:m="http://schemas.openxmlformats.org/officeDocument/2006/math">
+                      <m:sSub>
+                        <m:sSubPr>
+                          <m:ctrlPr>
+                            <a:rPr lang="en-US" altLang="zh-CN" b="0" i="1" smtClean="0">
+                              <a:latin typeface="Cambria Math" panose="02040503050406030204" pitchFamily="18" charset="0"/>
+                            </a:rPr>
+                          </m:ctrlPr>
+                        </m:sSubPr>
+                        <m:e>
+                          <m:r>
+                            <a:rPr lang="en-US" altLang="zh-CN" b="0" i="1" smtClean="0">
+                              <a:latin typeface="Cambria Math" panose="02040503050406030204" pitchFamily="18" charset="0"/>
+                            </a:rPr>
+                            <m:t>𝑥</m:t>
+                          </m:r>
+                        </m:e>
+                        <m:sub>
+                          <m:r>
+                            <a:rPr lang="en-US" altLang="zh-CN" b="0" i="1" smtClean="0">
+                              <a:latin typeface="Cambria Math" panose="02040503050406030204" pitchFamily="18" charset="0"/>
+                            </a:rPr>
+                            <m:t>0</m:t>
+                          </m:r>
+                        </m:sub>
+                      </m:sSub>
+                    </m:oMath>
+                  </m:oMathPara>
+                </a14:m>
+                <a:endParaRPr lang="zh-CN" altLang="en-US" dirty="0"/>
+              </a:p>
+            </p:txBody>
+          </p:sp>
+        </mc:Choice>
+        <mc:Fallback xmlns="">
+          <p:sp>
+            <p:nvSpPr>
+              <p:cNvPr id="32" name="文本框 31">
+                <a:extLst>
+                  <a:ext uri="{FF2B5EF4-FFF2-40B4-BE49-F238E27FC236}">
+                    <a16:creationId xmlns:a16="http://schemas.microsoft.com/office/drawing/2014/main" id="{CB89BB5D-A73E-5B79-7BF5-2CB3940E8F7E}"/>
+                  </a:ext>
+                </a:extLst>
+              </p:cNvPr>
+              <p:cNvSpPr txBox="1">
+                <a:spLocks noRot="1" noChangeAspect="1" noMove="1" noResize="1" noEditPoints="1" noAdjustHandles="1" noChangeArrowheads="1" noChangeShapeType="1" noTextEdit="1"/>
+              </p:cNvSpPr>
+              <p:nvPr/>
+            </p:nvSpPr>
+            <p:spPr>
+              <a:xfrm>
+                <a:off x="9788566" y="5556334"/>
+                <a:ext cx="291042" cy="276999"/>
+              </a:xfrm>
+              <a:prstGeom prst="rect">
+                <a:avLst/>
+              </a:prstGeom>
+              <a:blipFill>
+                <a:blip r:embed="rId9"/>
+                <a:stretch>
+                  <a:fillRect l="-10638" r="-6383" b="-13043"/>
+                </a:stretch>
+              </a:blipFill>
+            </p:spPr>
+            <p:txBody>
+              <a:bodyPr/>
+              <a:lstStyle/>
+              <a:p>
+                <a:r>
+                  <a:rPr lang="zh-CN" altLang="en-US">
+                    <a:noFill/>
+                  </a:rPr>
+                  <a:t> </a:t>
+                </a:r>
+              </a:p>
+            </p:txBody>
+          </p:sp>
+        </mc:Fallback>
+      </mc:AlternateContent>
+      <mc:AlternateContent xmlns:mc="http://schemas.openxmlformats.org/markup-compatibility/2006" xmlns:a14="http://schemas.microsoft.com/office/drawing/2010/main">
+        <mc:Choice Requires="a14">
+          <p:sp>
+            <p:nvSpPr>
+              <p:cNvPr id="34" name="文本框 33">
+                <a:extLst>
+                  <a:ext uri="{FF2B5EF4-FFF2-40B4-BE49-F238E27FC236}">
+                    <a16:creationId xmlns:a16="http://schemas.microsoft.com/office/drawing/2014/main" id="{47517A38-86A1-4CC7-3266-711741F91267}"/>
+                  </a:ext>
+                </a:extLst>
+              </p:cNvPr>
+              <p:cNvSpPr txBox="1"/>
+              <p:nvPr/>
+            </p:nvSpPr>
+            <p:spPr>
+              <a:xfrm>
+                <a:off x="4175906" y="5556334"/>
+                <a:ext cx="271485" cy="276999"/>
+              </a:xfrm>
+              <a:prstGeom prst="rect">
+                <a:avLst/>
+              </a:prstGeom>
+              <a:noFill/>
+            </p:spPr>
+            <p:txBody>
+              <a:bodyPr wrap="none" lIns="0" tIns="0" rIns="0" bIns="0" rtlCol="0">
+                <a:spAutoFit/>
+              </a:bodyPr>
+              <a:lstStyle/>
+              <a:p>
+                <a:pPr/>
+                <a14:m>
+                  <m:oMathPara xmlns:m="http://schemas.openxmlformats.org/officeDocument/2006/math">
+                    <m:oMathParaPr>
+                      <m:jc m:val="centerGroup"/>
+                    </m:oMathParaPr>
+                    <m:oMath xmlns:m="http://schemas.openxmlformats.org/officeDocument/2006/math">
+                      <m:sSub>
+                        <m:sSubPr>
+                          <m:ctrlPr>
+                            <a:rPr lang="en-US" altLang="zh-CN" b="0" i="1" smtClean="0">
+                              <a:latin typeface="Cambria Math" panose="02040503050406030204" pitchFamily="18" charset="0"/>
+                            </a:rPr>
+                          </m:ctrlPr>
+                        </m:sSubPr>
+                        <m:e>
+                          <m:r>
+                            <a:rPr lang="en-US" altLang="zh-CN" b="0" i="1" smtClean="0">
+                              <a:latin typeface="Cambria Math" panose="02040503050406030204" pitchFamily="18" charset="0"/>
+                            </a:rPr>
+                            <m:t>𝑥</m:t>
+                          </m:r>
+                        </m:e>
+                        <m:sub>
+                          <m:r>
+                            <a:rPr lang="en-US" altLang="zh-CN" b="0" i="1" smtClean="0">
+                              <a:latin typeface="Cambria Math" panose="02040503050406030204" pitchFamily="18" charset="0"/>
+                            </a:rPr>
+                            <m:t>𝑡</m:t>
+                          </m:r>
+                        </m:sub>
+                      </m:sSub>
+                    </m:oMath>
+                  </m:oMathPara>
+                </a14:m>
+                <a:endParaRPr lang="zh-CN" altLang="en-US" dirty="0"/>
+              </a:p>
+            </p:txBody>
+          </p:sp>
+        </mc:Choice>
+        <mc:Fallback xmlns="">
+          <p:sp>
+            <p:nvSpPr>
+              <p:cNvPr id="34" name="文本框 33">
+                <a:extLst>
+                  <a:ext uri="{FF2B5EF4-FFF2-40B4-BE49-F238E27FC236}">
+                    <a16:creationId xmlns:a16="http://schemas.microsoft.com/office/drawing/2014/main" id="{C40B627D-DB83-04B8-8CE7-56AF9A4BF939}"/>
+                  </a:ext>
+                </a:extLst>
+              </p:cNvPr>
+              <p:cNvSpPr txBox="1">
+                <a:spLocks noRot="1" noChangeAspect="1" noMove="1" noResize="1" noEditPoints="1" noAdjustHandles="1" noChangeArrowheads="1" noChangeShapeType="1" noTextEdit="1"/>
+              </p:cNvSpPr>
+              <p:nvPr/>
+            </p:nvSpPr>
+            <p:spPr>
+              <a:xfrm>
+                <a:off x="4175906" y="5556334"/>
+                <a:ext cx="271485" cy="276999"/>
+              </a:xfrm>
+              <a:prstGeom prst="rect">
+                <a:avLst/>
+              </a:prstGeom>
+              <a:blipFill>
+                <a:blip r:embed="rId10"/>
+                <a:stretch>
+                  <a:fillRect l="-11111" r="-2222" b="-13043"/>
+                </a:stretch>
+              </a:blipFill>
+            </p:spPr>
+            <p:txBody>
+              <a:bodyPr/>
+              <a:lstStyle/>
+              <a:p>
+                <a:r>
+                  <a:rPr lang="zh-CN" altLang="en-US">
+                    <a:noFill/>
+                  </a:rPr>
+                  <a:t> </a:t>
+                </a:r>
+              </a:p>
+            </p:txBody>
+          </p:sp>
+        </mc:Fallback>
+      </mc:AlternateContent>
+      <p:sp>
+        <p:nvSpPr>
+          <p:cNvPr id="39" name="文本框 38">
+            <a:extLst>
+              <a:ext uri="{FF2B5EF4-FFF2-40B4-BE49-F238E27FC236}">
+                <a16:creationId xmlns:a16="http://schemas.microsoft.com/office/drawing/2014/main" id="{79EBE4DD-513A-8D2E-2435-72AB56CFDD5A}"/>
+              </a:ext>
+            </a:extLst>
+          </p:cNvPr>
+          <p:cNvSpPr txBox="1"/>
+          <p:nvPr/>
+        </p:nvSpPr>
+        <p:spPr>
+          <a:xfrm>
+            <a:off x="4682933" y="2882821"/>
+            <a:ext cx="1162050" cy="369332"/>
+          </a:xfrm>
+          <a:prstGeom prst="rect">
+            <a:avLst/>
+          </a:prstGeom>
+          <a:noFill/>
+        </p:spPr>
+        <p:txBody>
+          <a:bodyPr wrap="square">
+            <a:spAutoFit/>
+          </a:bodyPr>
+          <a:lstStyle/>
+          <a:p>
+            <a:r>
+              <a:rPr lang="en-US" altLang="zh-CN" dirty="0">
+                <a:latin typeface="Times New Roman" panose="02020603050405020304" pitchFamily="18" charset="0"/>
+                <a:cs typeface="Times New Roman" panose="02020603050405020304" pitchFamily="18" charset="0"/>
+              </a:rPr>
+              <a:t>prior</a:t>
+            </a:r>
+            <a:endParaRPr lang="zh-CN" altLang="en-US" dirty="0">
+              <a:latin typeface="Times New Roman" panose="02020603050405020304" pitchFamily="18" charset="0"/>
+              <a:cs typeface="Times New Roman" panose="02020603050405020304" pitchFamily="18" charset="0"/>
+            </a:endParaRPr>
+          </a:p>
+        </p:txBody>
+      </p:sp>
+      <p:sp>
+        <p:nvSpPr>
+          <p:cNvPr id="40" name="文本框 39">
+            <a:extLst>
+              <a:ext uri="{FF2B5EF4-FFF2-40B4-BE49-F238E27FC236}">
+                <a16:creationId xmlns:a16="http://schemas.microsoft.com/office/drawing/2014/main" id="{609BD7DD-F4EF-A63E-CAB7-BF762B1BFA2B}"/>
+              </a:ext>
+            </a:extLst>
+          </p:cNvPr>
+          <p:cNvSpPr txBox="1"/>
+          <p:nvPr/>
+        </p:nvSpPr>
+        <p:spPr>
+          <a:xfrm>
+            <a:off x="4425796" y="4190693"/>
+            <a:ext cx="1676324" cy="369332"/>
+          </a:xfrm>
+          <a:prstGeom prst="rect">
+            <a:avLst/>
+          </a:prstGeom>
+          <a:noFill/>
+        </p:spPr>
+        <p:txBody>
+          <a:bodyPr wrap="square">
+            <a:spAutoFit/>
+          </a:bodyPr>
+          <a:lstStyle/>
+          <a:p>
+            <a:r>
+              <a:rPr lang="en-US" altLang="zh-CN" dirty="0">
+                <a:latin typeface="Times New Roman" panose="02020603050405020304" pitchFamily="18" charset="0"/>
+                <a:cs typeface="Times New Roman" panose="02020603050405020304" pitchFamily="18" charset="0"/>
+              </a:rPr>
+              <a:t>likelihood term</a:t>
+            </a:r>
+            <a:endParaRPr lang="zh-CN" altLang="en-US" dirty="0">
+              <a:latin typeface="Times New Roman" panose="02020603050405020304" pitchFamily="18" charset="0"/>
+              <a:cs typeface="Times New Roman" panose="02020603050405020304" pitchFamily="18" charset="0"/>
+            </a:endParaRPr>
+          </a:p>
+        </p:txBody>
+      </p:sp>
+      <p:sp>
+        <p:nvSpPr>
+          <p:cNvPr id="41" name="文本框 40">
+            <a:extLst>
+              <a:ext uri="{FF2B5EF4-FFF2-40B4-BE49-F238E27FC236}">
+                <a16:creationId xmlns:a16="http://schemas.microsoft.com/office/drawing/2014/main" id="{F4E76B0B-2A1B-D6FD-55B4-6F0FFAC13761}"/>
+              </a:ext>
+            </a:extLst>
+          </p:cNvPr>
+          <p:cNvSpPr txBox="1"/>
+          <p:nvPr/>
+        </p:nvSpPr>
+        <p:spPr>
+          <a:xfrm>
+            <a:off x="5480511" y="3532349"/>
+            <a:ext cx="1676324" cy="369332"/>
+          </a:xfrm>
+          <a:prstGeom prst="rect">
+            <a:avLst/>
+          </a:prstGeom>
+          <a:noFill/>
+        </p:spPr>
+        <p:txBody>
+          <a:bodyPr wrap="square">
+            <a:spAutoFit/>
+          </a:bodyPr>
+          <a:lstStyle/>
+          <a:p>
+            <a:r>
+              <a:rPr lang="en-US" altLang="zh-CN" dirty="0">
+                <a:latin typeface="Times New Roman" panose="02020603050405020304" pitchFamily="18" charset="0"/>
+                <a:cs typeface="Times New Roman" panose="02020603050405020304" pitchFamily="18" charset="0"/>
+              </a:rPr>
+              <a:t>total direction</a:t>
+            </a:r>
+            <a:endParaRPr lang="zh-CN" altLang="en-US" dirty="0">
+              <a:latin typeface="Times New Roman" panose="02020603050405020304" pitchFamily="18" charset="0"/>
+              <a:cs typeface="Times New Roman" panose="02020603050405020304" pitchFamily="18" charset="0"/>
+            </a:endParaRPr>
+          </a:p>
+        </p:txBody>
+      </p:sp>
+      <p:cxnSp>
+        <p:nvCxnSpPr>
+          <p:cNvPr id="43" name="直接箭头连接符 42">
+            <a:extLst>
+              <a:ext uri="{FF2B5EF4-FFF2-40B4-BE49-F238E27FC236}">
+                <a16:creationId xmlns:a16="http://schemas.microsoft.com/office/drawing/2014/main" id="{226F0F60-854B-2DE7-7601-F180A9A2C06B}"/>
+              </a:ext>
+            </a:extLst>
+          </p:cNvPr>
+          <p:cNvCxnSpPr>
+            <a:cxnSpLocks/>
+          </p:cNvCxnSpPr>
+          <p:nvPr/>
+        </p:nvCxnSpPr>
+        <p:spPr>
+          <a:xfrm flipV="1">
+            <a:off x="1327076" y="3252153"/>
+            <a:ext cx="393700" cy="297674"/>
+          </a:xfrm>
+          <a:prstGeom prst="straightConnector1">
+            <a:avLst/>
+          </a:prstGeom>
+          <a:ln>
+            <a:solidFill>
+              <a:schemeClr val="tx1"/>
+            </a:solidFill>
+            <a:tailEnd type="triangle"/>
+          </a:ln>
+        </p:spPr>
+        <p:style>
+          <a:lnRef idx="2">
+            <a:schemeClr val="accent1"/>
+          </a:lnRef>
+          <a:fillRef idx="0">
+            <a:schemeClr val="accent1"/>
+          </a:fillRef>
+          <a:effectRef idx="1">
+            <a:schemeClr val="accent1"/>
+          </a:effectRef>
+          <a:fontRef idx="minor">
+            <a:schemeClr val="tx1"/>
+          </a:fontRef>
+        </p:style>
+      </p:cxnSp>
+      <p:cxnSp>
+        <p:nvCxnSpPr>
+          <p:cNvPr id="44" name="直接箭头连接符 43">
+            <a:extLst>
+              <a:ext uri="{FF2B5EF4-FFF2-40B4-BE49-F238E27FC236}">
+                <a16:creationId xmlns:a16="http://schemas.microsoft.com/office/drawing/2014/main" id="{351639D8-522F-5D53-0D74-90A7E9885D9C}"/>
+              </a:ext>
+            </a:extLst>
+          </p:cNvPr>
+          <p:cNvCxnSpPr>
+            <a:cxnSpLocks/>
+          </p:cNvCxnSpPr>
+          <p:nvPr/>
+        </p:nvCxnSpPr>
+        <p:spPr>
+          <a:xfrm flipV="1">
+            <a:off x="1727957" y="3129142"/>
+            <a:ext cx="596179" cy="99023"/>
+          </a:xfrm>
+          <a:prstGeom prst="straightConnector1">
+            <a:avLst/>
+          </a:prstGeom>
+          <a:ln>
+            <a:solidFill>
+              <a:schemeClr val="tx1"/>
+            </a:solidFill>
+            <a:tailEnd type="triangle"/>
+          </a:ln>
+        </p:spPr>
+        <p:style>
+          <a:lnRef idx="2">
+            <a:schemeClr val="accent1"/>
+          </a:lnRef>
+          <a:fillRef idx="0">
+            <a:schemeClr val="accent1"/>
+          </a:fillRef>
+          <a:effectRef idx="1">
+            <a:schemeClr val="accent1"/>
+          </a:effectRef>
+          <a:fontRef idx="minor">
+            <a:schemeClr val="tx1"/>
+          </a:fontRef>
+        </p:style>
+      </p:cxnSp>
+      <p:cxnSp>
+        <p:nvCxnSpPr>
+          <p:cNvPr id="46" name="直接箭头连接符 45">
+            <a:extLst>
+              <a:ext uri="{FF2B5EF4-FFF2-40B4-BE49-F238E27FC236}">
+                <a16:creationId xmlns:a16="http://schemas.microsoft.com/office/drawing/2014/main" id="{29137EB4-63C9-58E3-56BF-AEBFC5155848}"/>
+              </a:ext>
+            </a:extLst>
+          </p:cNvPr>
+          <p:cNvCxnSpPr>
+            <a:cxnSpLocks/>
+          </p:cNvCxnSpPr>
+          <p:nvPr/>
+        </p:nvCxnSpPr>
+        <p:spPr>
+          <a:xfrm>
+            <a:off x="2324137" y="3178654"/>
+            <a:ext cx="620637" cy="317818"/>
+          </a:xfrm>
+          <a:prstGeom prst="straightConnector1">
+            <a:avLst/>
+          </a:prstGeom>
+          <a:ln>
+            <a:solidFill>
+              <a:schemeClr val="tx1"/>
+            </a:solidFill>
+            <a:tailEnd type="triangle"/>
+          </a:ln>
+        </p:spPr>
+        <p:style>
+          <a:lnRef idx="2">
+            <a:schemeClr val="accent1"/>
+          </a:lnRef>
+          <a:fillRef idx="0">
+            <a:schemeClr val="accent1"/>
+          </a:fillRef>
+          <a:effectRef idx="1">
+            <a:schemeClr val="accent1"/>
+          </a:effectRef>
+          <a:fontRef idx="minor">
+            <a:schemeClr val="tx1"/>
+          </a:fontRef>
+        </p:style>
+      </p:cxnSp>
+      <p:sp>
+        <p:nvSpPr>
+          <p:cNvPr id="53" name="文本框 52">
+            <a:extLst>
+              <a:ext uri="{FF2B5EF4-FFF2-40B4-BE49-F238E27FC236}">
+                <a16:creationId xmlns:a16="http://schemas.microsoft.com/office/drawing/2014/main" id="{AB339D6E-7532-8B1B-06C5-41002FB1FFC3}"/>
+              </a:ext>
+            </a:extLst>
+          </p:cNvPr>
+          <p:cNvSpPr txBox="1"/>
+          <p:nvPr/>
+        </p:nvSpPr>
+        <p:spPr>
+          <a:xfrm>
+            <a:off x="3040567" y="3337563"/>
+            <a:ext cx="799014" cy="461665"/>
+          </a:xfrm>
+          <a:prstGeom prst="rect">
+            <a:avLst/>
+          </a:prstGeom>
+          <a:noFill/>
+        </p:spPr>
+        <p:txBody>
+          <a:bodyPr wrap="square">
+            <a:spAutoFit/>
+          </a:bodyPr>
+          <a:lstStyle/>
+          <a:p>
+            <a:r>
+              <a:rPr lang="en-US" altLang="zh-CN" sz="2400" dirty="0">
+                <a:latin typeface="Times New Roman" panose="02020603050405020304" pitchFamily="18" charset="0"/>
+                <a:cs typeface="Times New Roman" panose="02020603050405020304" pitchFamily="18" charset="0"/>
+              </a:rPr>
+              <a:t>……</a:t>
+            </a:r>
+            <a:endParaRPr lang="zh-CN" altLang="en-US" sz="2400" dirty="0">
+              <a:latin typeface="Times New Roman" panose="02020603050405020304" pitchFamily="18" charset="0"/>
+              <a:cs typeface="Times New Roman" panose="02020603050405020304" pitchFamily="18" charset="0"/>
+            </a:endParaRPr>
+          </a:p>
+        </p:txBody>
+      </p:sp>
+      <p:sp>
+        <p:nvSpPr>
+          <p:cNvPr id="54" name="文本框 53">
+            <a:extLst>
+              <a:ext uri="{FF2B5EF4-FFF2-40B4-BE49-F238E27FC236}">
+                <a16:creationId xmlns:a16="http://schemas.microsoft.com/office/drawing/2014/main" id="{DEA30418-F4D1-C611-0997-219E8146EEB3}"/>
+              </a:ext>
+            </a:extLst>
+          </p:cNvPr>
+          <p:cNvSpPr txBox="1"/>
+          <p:nvPr/>
+        </p:nvSpPr>
+        <p:spPr>
+          <a:xfrm>
+            <a:off x="6984576" y="3337563"/>
+            <a:ext cx="799014" cy="461665"/>
+          </a:xfrm>
+          <a:prstGeom prst="rect">
+            <a:avLst/>
+          </a:prstGeom>
+          <a:noFill/>
+        </p:spPr>
+        <p:txBody>
+          <a:bodyPr wrap="square">
+            <a:spAutoFit/>
+          </a:bodyPr>
+          <a:lstStyle/>
+          <a:p>
+            <a:r>
+              <a:rPr lang="en-US" altLang="zh-CN" sz="2400" dirty="0">
+                <a:latin typeface="Times New Roman" panose="02020603050405020304" pitchFamily="18" charset="0"/>
+                <a:cs typeface="Times New Roman" panose="02020603050405020304" pitchFamily="18" charset="0"/>
+              </a:rPr>
+              <a:t>……</a:t>
+            </a:r>
+            <a:endParaRPr lang="zh-CN" altLang="en-US" sz="2400" dirty="0">
+              <a:latin typeface="Times New Roman" panose="02020603050405020304" pitchFamily="18" charset="0"/>
+              <a:cs typeface="Times New Roman" panose="02020603050405020304" pitchFamily="18" charset="0"/>
+            </a:endParaRPr>
+          </a:p>
+        </p:txBody>
+      </p:sp>
+      <p:cxnSp>
+        <p:nvCxnSpPr>
+          <p:cNvPr id="55" name="直接箭头连接符 54">
+            <a:extLst>
+              <a:ext uri="{FF2B5EF4-FFF2-40B4-BE49-F238E27FC236}">
+                <a16:creationId xmlns:a16="http://schemas.microsoft.com/office/drawing/2014/main" id="{CB21A416-4DE7-620E-5FDA-1DEE37CE3A8C}"/>
+              </a:ext>
+            </a:extLst>
+          </p:cNvPr>
+          <p:cNvCxnSpPr>
+            <a:cxnSpLocks/>
+          </p:cNvCxnSpPr>
+          <p:nvPr/>
+        </p:nvCxnSpPr>
+        <p:spPr>
+          <a:xfrm flipV="1">
+            <a:off x="8099017" y="3465923"/>
+            <a:ext cx="571832" cy="266619"/>
+          </a:xfrm>
+          <a:prstGeom prst="straightConnector1">
+            <a:avLst/>
+          </a:prstGeom>
+          <a:ln>
+            <a:solidFill>
+              <a:schemeClr val="tx1"/>
+            </a:solidFill>
+            <a:tailEnd type="triangle"/>
+          </a:ln>
+        </p:spPr>
+        <p:style>
+          <a:lnRef idx="2">
+            <a:schemeClr val="accent1"/>
+          </a:lnRef>
+          <a:fillRef idx="0">
+            <a:schemeClr val="accent1"/>
+          </a:fillRef>
+          <a:effectRef idx="1">
+            <a:schemeClr val="accent1"/>
+          </a:effectRef>
+          <a:fontRef idx="minor">
+            <a:schemeClr val="tx1"/>
+          </a:fontRef>
+        </p:style>
+      </p:cxnSp>
+      <p:cxnSp>
+        <p:nvCxnSpPr>
+          <p:cNvPr id="57" name="直接箭头连接符 56">
+            <a:extLst>
+              <a:ext uri="{FF2B5EF4-FFF2-40B4-BE49-F238E27FC236}">
+                <a16:creationId xmlns:a16="http://schemas.microsoft.com/office/drawing/2014/main" id="{FB76131A-7A1A-A5CC-F23A-F68AA28092A9}"/>
+              </a:ext>
+            </a:extLst>
+          </p:cNvPr>
+          <p:cNvCxnSpPr>
+            <a:cxnSpLocks/>
+          </p:cNvCxnSpPr>
+          <p:nvPr/>
+        </p:nvCxnSpPr>
+        <p:spPr>
+          <a:xfrm>
+            <a:off x="8691576" y="3528840"/>
+            <a:ext cx="487753" cy="369332"/>
+          </a:xfrm>
+          <a:prstGeom prst="straightConnector1">
+            <a:avLst/>
+          </a:prstGeom>
+          <a:ln>
+            <a:solidFill>
+              <a:schemeClr val="tx1"/>
+            </a:solidFill>
+            <a:tailEnd type="triangle"/>
+          </a:ln>
+        </p:spPr>
+        <p:style>
+          <a:lnRef idx="2">
+            <a:schemeClr val="accent1"/>
+          </a:lnRef>
+          <a:fillRef idx="0">
+            <a:schemeClr val="accent1"/>
+          </a:fillRef>
+          <a:effectRef idx="1">
+            <a:schemeClr val="accent1"/>
+          </a:effectRef>
+          <a:fontRef idx="minor">
+            <a:schemeClr val="tx1"/>
+          </a:fontRef>
+        </p:style>
+      </p:cxnSp>
+      <p:cxnSp>
+        <p:nvCxnSpPr>
+          <p:cNvPr id="60" name="直接箭头连接符 59">
+            <a:extLst>
+              <a:ext uri="{FF2B5EF4-FFF2-40B4-BE49-F238E27FC236}">
+                <a16:creationId xmlns:a16="http://schemas.microsoft.com/office/drawing/2014/main" id="{01954023-91C1-2532-8A26-1D849DC8EC1E}"/>
+              </a:ext>
+            </a:extLst>
+          </p:cNvPr>
+          <p:cNvCxnSpPr>
+            <a:cxnSpLocks/>
+          </p:cNvCxnSpPr>
+          <p:nvPr/>
+        </p:nvCxnSpPr>
+        <p:spPr>
+          <a:xfrm flipV="1">
+            <a:off x="9179330" y="3599232"/>
+            <a:ext cx="571832" cy="266619"/>
+          </a:xfrm>
+          <a:prstGeom prst="straightConnector1">
+            <a:avLst/>
+          </a:prstGeom>
+          <a:ln>
+            <a:solidFill>
+              <a:schemeClr val="tx1"/>
+            </a:solidFill>
+            <a:tailEnd type="triangle"/>
+          </a:ln>
+        </p:spPr>
+        <p:style>
+          <a:lnRef idx="2">
+            <a:schemeClr val="accent1"/>
+          </a:lnRef>
+          <a:fillRef idx="0">
+            <a:schemeClr val="accent1"/>
+          </a:fillRef>
+          <a:effectRef idx="1">
+            <a:schemeClr val="accent1"/>
+          </a:effectRef>
+          <a:fontRef idx="minor">
+            <a:schemeClr val="tx1"/>
+          </a:fontRef>
+        </p:style>
+      </p:cxnSp>
+      <p:sp>
+        <p:nvSpPr>
+          <p:cNvPr id="61" name="椭圆 60">
+            <a:extLst>
+              <a:ext uri="{FF2B5EF4-FFF2-40B4-BE49-F238E27FC236}">
+                <a16:creationId xmlns:a16="http://schemas.microsoft.com/office/drawing/2014/main" id="{50CDFBCA-3A98-B40F-22C8-6E474D3CA00E}"/>
+              </a:ext>
+            </a:extLst>
+          </p:cNvPr>
+          <p:cNvSpPr/>
+          <p:nvPr/>
+        </p:nvSpPr>
+        <p:spPr>
+          <a:xfrm>
+            <a:off x="4239088" y="3689341"/>
+            <a:ext cx="86400" cy="86400"/>
+          </a:xfrm>
+          <a:prstGeom prst="ellipse">
+            <a:avLst/>
+          </a:prstGeom>
+        </p:spPr>
+        <p:style>
+          <a:lnRef idx="2">
+            <a:schemeClr val="accent1">
+              <a:shade val="15000"/>
+            </a:schemeClr>
+          </a:lnRef>
+          <a:fillRef idx="1">
+            <a:schemeClr val="accent1"/>
+          </a:fillRef>
+          <a:effectRef idx="0">
+            <a:schemeClr val="accent1"/>
+          </a:effectRef>
+          <a:fontRef idx="minor">
+            <a:schemeClr val="lt1"/>
+          </a:fontRef>
+        </p:style>
+        <p:txBody>
+          <a:bodyPr rtlCol="0" anchor="ctr"/>
+          <a:lstStyle/>
+          <a:p>
+            <a:pPr algn="ctr"/>
+            <a:endParaRPr lang="zh-CN" altLang="en-US"/>
+          </a:p>
+        </p:txBody>
+      </p:sp>
+      <p:sp>
+        <p:nvSpPr>
+          <p:cNvPr id="64" name="任意多边形: 形状 63">
+            <a:extLst>
+              <a:ext uri="{FF2B5EF4-FFF2-40B4-BE49-F238E27FC236}">
+                <a16:creationId xmlns:a16="http://schemas.microsoft.com/office/drawing/2014/main" id="{E35056E0-5802-588E-1E51-0625AE80A84A}"/>
+              </a:ext>
+            </a:extLst>
+          </p:cNvPr>
+          <p:cNvSpPr/>
+          <p:nvPr/>
+        </p:nvSpPr>
+        <p:spPr>
+          <a:xfrm>
+            <a:off x="3781368" y="2432920"/>
+            <a:ext cx="895215" cy="2451100"/>
+          </a:xfrm>
+          <a:custGeom>
+            <a:avLst/>
+            <a:gdLst>
+              <a:gd name="connsiteX0" fmla="*/ 279672 w 895215"/>
+              <a:gd name="connsiteY0" fmla="*/ 38100 h 2451100"/>
+              <a:gd name="connsiteX1" fmla="*/ 209822 w 895215"/>
+              <a:gd name="connsiteY1" fmla="*/ 63500 h 2451100"/>
+              <a:gd name="connsiteX2" fmla="*/ 171722 w 895215"/>
+              <a:gd name="connsiteY2" fmla="*/ 114300 h 2451100"/>
+              <a:gd name="connsiteX3" fmla="*/ 152672 w 895215"/>
+              <a:gd name="connsiteY3" fmla="*/ 177800 h 2451100"/>
+              <a:gd name="connsiteX4" fmla="*/ 139972 w 895215"/>
+              <a:gd name="connsiteY4" fmla="*/ 228600 h 2451100"/>
+              <a:gd name="connsiteX5" fmla="*/ 133622 w 895215"/>
+              <a:gd name="connsiteY5" fmla="*/ 298450 h 2451100"/>
+              <a:gd name="connsiteX6" fmla="*/ 159022 w 895215"/>
+              <a:gd name="connsiteY6" fmla="*/ 400050 h 2451100"/>
+              <a:gd name="connsiteX7" fmla="*/ 178072 w 895215"/>
+              <a:gd name="connsiteY7" fmla="*/ 469900 h 2451100"/>
+              <a:gd name="connsiteX8" fmla="*/ 184422 w 895215"/>
+              <a:gd name="connsiteY8" fmla="*/ 514350 h 2451100"/>
+              <a:gd name="connsiteX9" fmla="*/ 203472 w 895215"/>
+              <a:gd name="connsiteY9" fmla="*/ 533400 h 2451100"/>
+              <a:gd name="connsiteX10" fmla="*/ 209822 w 895215"/>
+              <a:gd name="connsiteY10" fmla="*/ 558800 h 2451100"/>
+              <a:gd name="connsiteX11" fmla="*/ 184422 w 895215"/>
+              <a:gd name="connsiteY11" fmla="*/ 615950 h 2451100"/>
+              <a:gd name="connsiteX12" fmla="*/ 108222 w 895215"/>
+              <a:gd name="connsiteY12" fmla="*/ 673100 h 2451100"/>
+              <a:gd name="connsiteX13" fmla="*/ 70122 w 895215"/>
+              <a:gd name="connsiteY13" fmla="*/ 711200 h 2451100"/>
+              <a:gd name="connsiteX14" fmla="*/ 95522 w 895215"/>
+              <a:gd name="connsiteY14" fmla="*/ 933450 h 2451100"/>
+              <a:gd name="connsiteX15" fmla="*/ 127272 w 895215"/>
+              <a:gd name="connsiteY15" fmla="*/ 1028700 h 2451100"/>
+              <a:gd name="connsiteX16" fmla="*/ 120922 w 895215"/>
+              <a:gd name="connsiteY16" fmla="*/ 1168400 h 2451100"/>
+              <a:gd name="connsiteX17" fmla="*/ 95522 w 895215"/>
+              <a:gd name="connsiteY17" fmla="*/ 1257300 h 2451100"/>
+              <a:gd name="connsiteX18" fmla="*/ 82822 w 895215"/>
+              <a:gd name="connsiteY18" fmla="*/ 1320800 h 2451100"/>
+              <a:gd name="connsiteX19" fmla="*/ 114572 w 895215"/>
+              <a:gd name="connsiteY19" fmla="*/ 1435100 h 2451100"/>
+              <a:gd name="connsiteX20" fmla="*/ 127272 w 895215"/>
+              <a:gd name="connsiteY20" fmla="*/ 1454150 h 2451100"/>
+              <a:gd name="connsiteX21" fmla="*/ 152672 w 895215"/>
+              <a:gd name="connsiteY21" fmla="*/ 1587500 h 2451100"/>
+              <a:gd name="connsiteX22" fmla="*/ 171722 w 895215"/>
+              <a:gd name="connsiteY22" fmla="*/ 1657350 h 2451100"/>
+              <a:gd name="connsiteX23" fmla="*/ 235222 w 895215"/>
+              <a:gd name="connsiteY23" fmla="*/ 1733550 h 2451100"/>
+              <a:gd name="connsiteX24" fmla="*/ 254272 w 895215"/>
+              <a:gd name="connsiteY24" fmla="*/ 1758950 h 2451100"/>
+              <a:gd name="connsiteX25" fmla="*/ 209822 w 895215"/>
+              <a:gd name="connsiteY25" fmla="*/ 1917700 h 2451100"/>
+              <a:gd name="connsiteX26" fmla="*/ 127272 w 895215"/>
+              <a:gd name="connsiteY26" fmla="*/ 2025650 h 2451100"/>
+              <a:gd name="connsiteX27" fmla="*/ 108222 w 895215"/>
+              <a:gd name="connsiteY27" fmla="*/ 2038350 h 2451100"/>
+              <a:gd name="connsiteX28" fmla="*/ 82822 w 895215"/>
+              <a:gd name="connsiteY28" fmla="*/ 2070100 h 2451100"/>
+              <a:gd name="connsiteX29" fmla="*/ 76472 w 895215"/>
+              <a:gd name="connsiteY29" fmla="*/ 2095500 h 2451100"/>
+              <a:gd name="connsiteX30" fmla="*/ 25672 w 895215"/>
+              <a:gd name="connsiteY30" fmla="*/ 2152650 h 2451100"/>
+              <a:gd name="connsiteX31" fmla="*/ 272 w 895215"/>
+              <a:gd name="connsiteY31" fmla="*/ 2260600 h 2451100"/>
+              <a:gd name="connsiteX32" fmla="*/ 6622 w 895215"/>
+              <a:gd name="connsiteY32" fmla="*/ 2317750 h 2451100"/>
+              <a:gd name="connsiteX33" fmla="*/ 70122 w 895215"/>
+              <a:gd name="connsiteY33" fmla="*/ 2368550 h 2451100"/>
+              <a:gd name="connsiteX34" fmla="*/ 89172 w 895215"/>
+              <a:gd name="connsiteY34" fmla="*/ 2381250 h 2451100"/>
+              <a:gd name="connsiteX35" fmla="*/ 114572 w 895215"/>
+              <a:gd name="connsiteY35" fmla="*/ 2400300 h 2451100"/>
+              <a:gd name="connsiteX36" fmla="*/ 146322 w 895215"/>
+              <a:gd name="connsiteY36" fmla="*/ 2406650 h 2451100"/>
+              <a:gd name="connsiteX37" fmla="*/ 190772 w 895215"/>
+              <a:gd name="connsiteY37" fmla="*/ 2425700 h 2451100"/>
+              <a:gd name="connsiteX38" fmla="*/ 330472 w 895215"/>
+              <a:gd name="connsiteY38" fmla="*/ 2444750 h 2451100"/>
+              <a:gd name="connsiteX39" fmla="*/ 387622 w 895215"/>
+              <a:gd name="connsiteY39" fmla="*/ 2451100 h 2451100"/>
+              <a:gd name="connsiteX40" fmla="*/ 571772 w 895215"/>
+              <a:gd name="connsiteY40" fmla="*/ 2425700 h 2451100"/>
+              <a:gd name="connsiteX41" fmla="*/ 590822 w 895215"/>
+              <a:gd name="connsiteY41" fmla="*/ 2374900 h 2451100"/>
+              <a:gd name="connsiteX42" fmla="*/ 628922 w 895215"/>
+              <a:gd name="connsiteY42" fmla="*/ 2317750 h 2451100"/>
+              <a:gd name="connsiteX43" fmla="*/ 641622 w 895215"/>
+              <a:gd name="connsiteY43" fmla="*/ 2279650 h 2451100"/>
+              <a:gd name="connsiteX44" fmla="*/ 660672 w 895215"/>
+              <a:gd name="connsiteY44" fmla="*/ 2241550 h 2451100"/>
+              <a:gd name="connsiteX45" fmla="*/ 673372 w 895215"/>
+              <a:gd name="connsiteY45" fmla="*/ 2184400 h 2451100"/>
+              <a:gd name="connsiteX46" fmla="*/ 686072 w 895215"/>
+              <a:gd name="connsiteY46" fmla="*/ 2139950 h 2451100"/>
+              <a:gd name="connsiteX47" fmla="*/ 692422 w 895215"/>
+              <a:gd name="connsiteY47" fmla="*/ 2089150 h 2451100"/>
+              <a:gd name="connsiteX48" fmla="*/ 698772 w 895215"/>
+              <a:gd name="connsiteY48" fmla="*/ 1987550 h 2451100"/>
+              <a:gd name="connsiteX49" fmla="*/ 711472 w 895215"/>
+              <a:gd name="connsiteY49" fmla="*/ 1943100 h 2451100"/>
+              <a:gd name="connsiteX50" fmla="*/ 717822 w 895215"/>
+              <a:gd name="connsiteY50" fmla="*/ 1885950 h 2451100"/>
+              <a:gd name="connsiteX51" fmla="*/ 749572 w 895215"/>
+              <a:gd name="connsiteY51" fmla="*/ 1670050 h 2451100"/>
+              <a:gd name="connsiteX52" fmla="*/ 755922 w 895215"/>
+              <a:gd name="connsiteY52" fmla="*/ 1638300 h 2451100"/>
+              <a:gd name="connsiteX53" fmla="*/ 762272 w 895215"/>
+              <a:gd name="connsiteY53" fmla="*/ 1619250 h 2451100"/>
+              <a:gd name="connsiteX54" fmla="*/ 768622 w 895215"/>
+              <a:gd name="connsiteY54" fmla="*/ 1581150 h 2451100"/>
+              <a:gd name="connsiteX55" fmla="*/ 774972 w 895215"/>
+              <a:gd name="connsiteY55" fmla="*/ 1555750 h 2451100"/>
+              <a:gd name="connsiteX56" fmla="*/ 787672 w 895215"/>
+              <a:gd name="connsiteY56" fmla="*/ 1485900 h 2451100"/>
+              <a:gd name="connsiteX57" fmla="*/ 794022 w 895215"/>
+              <a:gd name="connsiteY57" fmla="*/ 1460500 h 2451100"/>
+              <a:gd name="connsiteX58" fmla="*/ 863872 w 895215"/>
+              <a:gd name="connsiteY58" fmla="*/ 1377950 h 2451100"/>
+              <a:gd name="connsiteX59" fmla="*/ 882922 w 895215"/>
+              <a:gd name="connsiteY59" fmla="*/ 1352550 h 2451100"/>
+              <a:gd name="connsiteX60" fmla="*/ 863872 w 895215"/>
+              <a:gd name="connsiteY60" fmla="*/ 1212850 h 2451100"/>
+              <a:gd name="connsiteX61" fmla="*/ 825772 w 895215"/>
+              <a:gd name="connsiteY61" fmla="*/ 1193800 h 2451100"/>
+              <a:gd name="connsiteX62" fmla="*/ 806722 w 895215"/>
+              <a:gd name="connsiteY62" fmla="*/ 1174750 h 2451100"/>
+              <a:gd name="connsiteX63" fmla="*/ 743222 w 895215"/>
+              <a:gd name="connsiteY63" fmla="*/ 1111250 h 2451100"/>
+              <a:gd name="connsiteX64" fmla="*/ 724172 w 895215"/>
+              <a:gd name="connsiteY64" fmla="*/ 1016000 h 2451100"/>
+              <a:gd name="connsiteX65" fmla="*/ 768622 w 895215"/>
+              <a:gd name="connsiteY65" fmla="*/ 895350 h 2451100"/>
+              <a:gd name="connsiteX66" fmla="*/ 825772 w 895215"/>
+              <a:gd name="connsiteY66" fmla="*/ 806450 h 2451100"/>
+              <a:gd name="connsiteX67" fmla="*/ 838472 w 895215"/>
+              <a:gd name="connsiteY67" fmla="*/ 768350 h 2451100"/>
+              <a:gd name="connsiteX68" fmla="*/ 863872 w 895215"/>
+              <a:gd name="connsiteY68" fmla="*/ 730250 h 2451100"/>
+              <a:gd name="connsiteX69" fmla="*/ 844822 w 895215"/>
+              <a:gd name="connsiteY69" fmla="*/ 514350 h 2451100"/>
+              <a:gd name="connsiteX70" fmla="*/ 838472 w 895215"/>
+              <a:gd name="connsiteY70" fmla="*/ 482600 h 2451100"/>
+              <a:gd name="connsiteX71" fmla="*/ 825772 w 895215"/>
+              <a:gd name="connsiteY71" fmla="*/ 444500 h 2451100"/>
+              <a:gd name="connsiteX72" fmla="*/ 813072 w 895215"/>
+              <a:gd name="connsiteY72" fmla="*/ 412750 h 2451100"/>
+              <a:gd name="connsiteX73" fmla="*/ 781322 w 895215"/>
+              <a:gd name="connsiteY73" fmla="*/ 381000 h 2451100"/>
+              <a:gd name="connsiteX74" fmla="*/ 774972 w 895215"/>
+              <a:gd name="connsiteY74" fmla="*/ 355600 h 2451100"/>
+              <a:gd name="connsiteX75" fmla="*/ 755922 w 895215"/>
+              <a:gd name="connsiteY75" fmla="*/ 349250 h 2451100"/>
+              <a:gd name="connsiteX76" fmla="*/ 686072 w 895215"/>
+              <a:gd name="connsiteY76" fmla="*/ 304800 h 2451100"/>
+              <a:gd name="connsiteX77" fmla="*/ 679722 w 895215"/>
+              <a:gd name="connsiteY77" fmla="*/ 266700 h 2451100"/>
+              <a:gd name="connsiteX78" fmla="*/ 667022 w 895215"/>
+              <a:gd name="connsiteY78" fmla="*/ 50800 h 2451100"/>
+              <a:gd name="connsiteX79" fmla="*/ 628922 w 895215"/>
+              <a:gd name="connsiteY79" fmla="*/ 38100 h 2451100"/>
+              <a:gd name="connsiteX80" fmla="*/ 533672 w 895215"/>
+              <a:gd name="connsiteY80" fmla="*/ 0 h 2451100"/>
+              <a:gd name="connsiteX81" fmla="*/ 374922 w 895215"/>
+              <a:gd name="connsiteY81" fmla="*/ 12700 h 2451100"/>
+              <a:gd name="connsiteX82" fmla="*/ 343172 w 895215"/>
+              <a:gd name="connsiteY82" fmla="*/ 25400 h 2451100"/>
+              <a:gd name="connsiteX83" fmla="*/ 279672 w 895215"/>
+              <a:gd name="connsiteY83" fmla="*/ 38100 h 2451100"/>
+            </a:gdLst>
+            <a:ahLst/>
+            <a:cxnLst>
+              <a:cxn ang="0">
+                <a:pos x="connsiteX0" y="connsiteY0"/>
+              </a:cxn>
+              <a:cxn ang="0">
+                <a:pos x="connsiteX1" y="connsiteY1"/>
+              </a:cxn>
+              <a:cxn ang="0">
+                <a:pos x="connsiteX2" y="connsiteY2"/>
+              </a:cxn>
+              <a:cxn ang="0">
+                <a:pos x="connsiteX3" y="connsiteY3"/>
+              </a:cxn>
+              <a:cxn ang="0">
+                <a:pos x="connsiteX4" y="connsiteY4"/>
+              </a:cxn>
+              <a:cxn ang="0">
+                <a:pos x="connsiteX5" y="connsiteY5"/>
+              </a:cxn>
+              <a:cxn ang="0">
+                <a:pos x="connsiteX6" y="connsiteY6"/>
+              </a:cxn>
+              <a:cxn ang="0">
+                <a:pos x="connsiteX7" y="connsiteY7"/>
+              </a:cxn>
+              <a:cxn ang="0">
+                <a:pos x="connsiteX8" y="connsiteY8"/>
+              </a:cxn>
+              <a:cxn ang="0">
+                <a:pos x="connsiteX9" y="connsiteY9"/>
+              </a:cxn>
+              <a:cxn ang="0">
+                <a:pos x="connsiteX10" y="connsiteY10"/>
+              </a:cxn>
+              <a:cxn ang="0">
+                <a:pos x="connsiteX11" y="connsiteY11"/>
+              </a:cxn>
+              <a:cxn ang="0">
+                <a:pos x="connsiteX12" y="connsiteY12"/>
+              </a:cxn>
+              <a:cxn ang="0">
+                <a:pos x="connsiteX13" y="connsiteY13"/>
+              </a:cxn>
+              <a:cxn ang="0">
+                <a:pos x="connsiteX14" y="connsiteY14"/>
+              </a:cxn>
+              <a:cxn ang="0">
+                <a:pos x="connsiteX15" y="connsiteY15"/>
+              </a:cxn>
+              <a:cxn ang="0">
+                <a:pos x="connsiteX16" y="connsiteY16"/>
+              </a:cxn>
+              <a:cxn ang="0">
+                <a:pos x="connsiteX17" y="connsiteY17"/>
+              </a:cxn>
+              <a:cxn ang="0">
+                <a:pos x="connsiteX18" y="connsiteY18"/>
+              </a:cxn>
+              <a:cxn ang="0">
+                <a:pos x="connsiteX19" y="connsiteY19"/>
+              </a:cxn>
+              <a:cxn ang="0">
+                <a:pos x="connsiteX20" y="connsiteY20"/>
+              </a:cxn>
+              <a:cxn ang="0">
+                <a:pos x="connsiteX21" y="connsiteY21"/>
+              </a:cxn>
+              <a:cxn ang="0">
+                <a:pos x="connsiteX22" y="connsiteY22"/>
+              </a:cxn>
+              <a:cxn ang="0">
+                <a:pos x="connsiteX23" y="connsiteY23"/>
+              </a:cxn>
+              <a:cxn ang="0">
+                <a:pos x="connsiteX24" y="connsiteY24"/>
+              </a:cxn>
+              <a:cxn ang="0">
+                <a:pos x="connsiteX25" y="connsiteY25"/>
+              </a:cxn>
+              <a:cxn ang="0">
+                <a:pos x="connsiteX26" y="connsiteY26"/>
+              </a:cxn>
+              <a:cxn ang="0">
+                <a:pos x="connsiteX27" y="connsiteY27"/>
+              </a:cxn>
+              <a:cxn ang="0">
+                <a:pos x="connsiteX28" y="connsiteY28"/>
+              </a:cxn>
+              <a:cxn ang="0">
+                <a:pos x="connsiteX29" y="connsiteY29"/>
+              </a:cxn>
+              <a:cxn ang="0">
+                <a:pos x="connsiteX30" y="connsiteY30"/>
+              </a:cxn>
+              <a:cxn ang="0">
+                <a:pos x="connsiteX31" y="connsiteY31"/>
+              </a:cxn>
+              <a:cxn ang="0">
+                <a:pos x="connsiteX32" y="connsiteY32"/>
+              </a:cxn>
+              <a:cxn ang="0">
+                <a:pos x="connsiteX33" y="connsiteY33"/>
+              </a:cxn>
+              <a:cxn ang="0">
+                <a:pos x="connsiteX34" y="connsiteY34"/>
+              </a:cxn>
+              <a:cxn ang="0">
+                <a:pos x="connsiteX35" y="connsiteY35"/>
+              </a:cxn>
+              <a:cxn ang="0">
+                <a:pos x="connsiteX36" y="connsiteY36"/>
+              </a:cxn>
+              <a:cxn ang="0">
+                <a:pos x="connsiteX37" y="connsiteY37"/>
+              </a:cxn>
+              <a:cxn ang="0">
+                <a:pos x="connsiteX38" y="connsiteY38"/>
+              </a:cxn>
+              <a:cxn ang="0">
+                <a:pos x="connsiteX39" y="connsiteY39"/>
+              </a:cxn>
+              <a:cxn ang="0">
+                <a:pos x="connsiteX40" y="connsiteY40"/>
+              </a:cxn>
+              <a:cxn ang="0">
+                <a:pos x="connsiteX41" y="connsiteY41"/>
+              </a:cxn>
+              <a:cxn ang="0">
+                <a:pos x="connsiteX42" y="connsiteY42"/>
+              </a:cxn>
+              <a:cxn ang="0">
+                <a:pos x="connsiteX43" y="connsiteY43"/>
+              </a:cxn>
+              <a:cxn ang="0">
+                <a:pos x="connsiteX44" y="connsiteY44"/>
+              </a:cxn>
+              <a:cxn ang="0">
+                <a:pos x="connsiteX45" y="connsiteY45"/>
+              </a:cxn>
+              <a:cxn ang="0">
+                <a:pos x="connsiteX46" y="connsiteY46"/>
+              </a:cxn>
+              <a:cxn ang="0">
+                <a:pos x="connsiteX47" y="connsiteY47"/>
+              </a:cxn>
+              <a:cxn ang="0">
+                <a:pos x="connsiteX48" y="connsiteY48"/>
+              </a:cxn>
+              <a:cxn ang="0">
+                <a:pos x="connsiteX49" y="connsiteY49"/>
+              </a:cxn>
+              <a:cxn ang="0">
+                <a:pos x="connsiteX50" y="connsiteY50"/>
+              </a:cxn>
+              <a:cxn ang="0">
+                <a:pos x="connsiteX51" y="connsiteY51"/>
+              </a:cxn>
+              <a:cxn ang="0">
+                <a:pos x="connsiteX52" y="connsiteY52"/>
+              </a:cxn>
+              <a:cxn ang="0">
+                <a:pos x="connsiteX53" y="connsiteY53"/>
+              </a:cxn>
+              <a:cxn ang="0">
+                <a:pos x="connsiteX54" y="connsiteY54"/>
+              </a:cxn>
+              <a:cxn ang="0">
+                <a:pos x="connsiteX55" y="connsiteY55"/>
+              </a:cxn>
+              <a:cxn ang="0">
+                <a:pos x="connsiteX56" y="connsiteY56"/>
+              </a:cxn>
+              <a:cxn ang="0">
+                <a:pos x="connsiteX57" y="connsiteY57"/>
+              </a:cxn>
+              <a:cxn ang="0">
+                <a:pos x="connsiteX58" y="connsiteY58"/>
+              </a:cxn>
+              <a:cxn ang="0">
+                <a:pos x="connsiteX59" y="connsiteY59"/>
+              </a:cxn>
+              <a:cxn ang="0">
+                <a:pos x="connsiteX60" y="connsiteY60"/>
+              </a:cxn>
+              <a:cxn ang="0">
+                <a:pos x="connsiteX61" y="connsiteY61"/>
+              </a:cxn>
+              <a:cxn ang="0">
+                <a:pos x="connsiteX62" y="connsiteY62"/>
+              </a:cxn>
+              <a:cxn ang="0">
+                <a:pos x="connsiteX63" y="connsiteY63"/>
+              </a:cxn>
+              <a:cxn ang="0">
+                <a:pos x="connsiteX64" y="connsiteY64"/>
+              </a:cxn>
+              <a:cxn ang="0">
+                <a:pos x="connsiteX65" y="connsiteY65"/>
+              </a:cxn>
+              <a:cxn ang="0">
+                <a:pos x="connsiteX66" y="connsiteY66"/>
+              </a:cxn>
+              <a:cxn ang="0">
+                <a:pos x="connsiteX67" y="connsiteY67"/>
+              </a:cxn>
+              <a:cxn ang="0">
+                <a:pos x="connsiteX68" y="connsiteY68"/>
+              </a:cxn>
+              <a:cxn ang="0">
+                <a:pos x="connsiteX69" y="connsiteY69"/>
+              </a:cxn>
+              <a:cxn ang="0">
+                <a:pos x="connsiteX70" y="connsiteY70"/>
+              </a:cxn>
+              <a:cxn ang="0">
+                <a:pos x="connsiteX71" y="connsiteY71"/>
+              </a:cxn>
+              <a:cxn ang="0">
+                <a:pos x="connsiteX72" y="connsiteY72"/>
+              </a:cxn>
+              <a:cxn ang="0">
+                <a:pos x="connsiteX73" y="connsiteY73"/>
+              </a:cxn>
+              <a:cxn ang="0">
+                <a:pos x="connsiteX74" y="connsiteY74"/>
+              </a:cxn>
+              <a:cxn ang="0">
+                <a:pos x="connsiteX75" y="connsiteY75"/>
+              </a:cxn>
+              <a:cxn ang="0">
+                <a:pos x="connsiteX76" y="connsiteY76"/>
+              </a:cxn>
+              <a:cxn ang="0">
+                <a:pos x="connsiteX77" y="connsiteY77"/>
+              </a:cxn>
+              <a:cxn ang="0">
+                <a:pos x="connsiteX78" y="connsiteY78"/>
+              </a:cxn>
+              <a:cxn ang="0">
+                <a:pos x="connsiteX79" y="connsiteY79"/>
+              </a:cxn>
+              <a:cxn ang="0">
+                <a:pos x="connsiteX80" y="connsiteY80"/>
+              </a:cxn>
+              <a:cxn ang="0">
+                <a:pos x="connsiteX81" y="connsiteY81"/>
+              </a:cxn>
+              <a:cxn ang="0">
+                <a:pos x="connsiteX82" y="connsiteY82"/>
+              </a:cxn>
+              <a:cxn ang="0">
+                <a:pos x="connsiteX83" y="connsiteY83"/>
+              </a:cxn>
+            </a:cxnLst>
+            <a:rect l="l" t="t" r="r" b="b"/>
+            <a:pathLst>
+              <a:path w="895215" h="2451100">
+                <a:moveTo>
+                  <a:pt x="279672" y="38100"/>
+                </a:moveTo>
+                <a:cubicBezTo>
+                  <a:pt x="257447" y="44450"/>
+                  <a:pt x="231981" y="52420"/>
+                  <a:pt x="209822" y="63500"/>
+                </a:cubicBezTo>
+                <a:cubicBezTo>
+                  <a:pt x="195131" y="70845"/>
+                  <a:pt x="177407" y="102930"/>
+                  <a:pt x="171722" y="114300"/>
+                </a:cubicBezTo>
+                <a:cubicBezTo>
+                  <a:pt x="156003" y="145737"/>
+                  <a:pt x="160320" y="144657"/>
+                  <a:pt x="152672" y="177800"/>
+                </a:cubicBezTo>
+                <a:cubicBezTo>
+                  <a:pt x="148747" y="194807"/>
+                  <a:pt x="144205" y="211667"/>
+                  <a:pt x="139972" y="228600"/>
+                </a:cubicBezTo>
+                <a:cubicBezTo>
+                  <a:pt x="137855" y="251883"/>
+                  <a:pt x="131040" y="275214"/>
+                  <a:pt x="133622" y="298450"/>
+                </a:cubicBezTo>
+                <a:cubicBezTo>
+                  <a:pt x="137477" y="333145"/>
+                  <a:pt x="151285" y="366009"/>
+                  <a:pt x="159022" y="400050"/>
+                </a:cubicBezTo>
+                <a:cubicBezTo>
+                  <a:pt x="174171" y="466707"/>
+                  <a:pt x="154459" y="410868"/>
+                  <a:pt x="178072" y="469900"/>
+                </a:cubicBezTo>
+                <a:cubicBezTo>
+                  <a:pt x="180189" y="484717"/>
+                  <a:pt x="178863" y="500453"/>
+                  <a:pt x="184422" y="514350"/>
+                </a:cubicBezTo>
+                <a:cubicBezTo>
+                  <a:pt x="187757" y="522688"/>
+                  <a:pt x="199017" y="525603"/>
+                  <a:pt x="203472" y="533400"/>
+                </a:cubicBezTo>
+                <a:cubicBezTo>
+                  <a:pt x="207802" y="540977"/>
+                  <a:pt x="207705" y="550333"/>
+                  <a:pt x="209822" y="558800"/>
+                </a:cubicBezTo>
+                <a:cubicBezTo>
+                  <a:pt x="201355" y="577850"/>
+                  <a:pt x="196288" y="598810"/>
+                  <a:pt x="184422" y="615950"/>
+                </a:cubicBezTo>
+                <a:cubicBezTo>
+                  <a:pt x="178866" y="623975"/>
+                  <a:pt x="109408" y="672096"/>
+                  <a:pt x="108222" y="673100"/>
+                </a:cubicBezTo>
+                <a:cubicBezTo>
+                  <a:pt x="94511" y="684701"/>
+                  <a:pt x="82822" y="698500"/>
+                  <a:pt x="70122" y="711200"/>
+                </a:cubicBezTo>
+                <a:cubicBezTo>
+                  <a:pt x="78589" y="785283"/>
+                  <a:pt x="84538" y="859698"/>
+                  <a:pt x="95522" y="933450"/>
+                </a:cubicBezTo>
+                <a:cubicBezTo>
+                  <a:pt x="105543" y="1000734"/>
+                  <a:pt x="103220" y="992623"/>
+                  <a:pt x="127272" y="1028700"/>
+                </a:cubicBezTo>
+                <a:cubicBezTo>
+                  <a:pt x="125155" y="1075267"/>
+                  <a:pt x="127335" y="1122228"/>
+                  <a:pt x="120922" y="1168400"/>
+                </a:cubicBezTo>
+                <a:cubicBezTo>
+                  <a:pt x="116682" y="1198926"/>
+                  <a:pt x="102997" y="1227401"/>
+                  <a:pt x="95522" y="1257300"/>
+                </a:cubicBezTo>
+                <a:cubicBezTo>
+                  <a:pt x="86049" y="1295191"/>
+                  <a:pt x="90607" y="1274092"/>
+                  <a:pt x="82822" y="1320800"/>
+                </a:cubicBezTo>
+                <a:cubicBezTo>
+                  <a:pt x="93405" y="1358900"/>
+                  <a:pt x="102068" y="1397587"/>
+                  <a:pt x="114572" y="1435100"/>
+                </a:cubicBezTo>
+                <a:cubicBezTo>
+                  <a:pt x="116985" y="1442340"/>
+                  <a:pt x="126193" y="1446595"/>
+                  <a:pt x="127272" y="1454150"/>
+                </a:cubicBezTo>
+                <a:cubicBezTo>
+                  <a:pt x="146675" y="1589971"/>
+                  <a:pt x="103685" y="1538513"/>
+                  <a:pt x="152672" y="1587500"/>
+                </a:cubicBezTo>
+                <a:cubicBezTo>
+                  <a:pt x="156221" y="1601695"/>
+                  <a:pt x="168170" y="1650689"/>
+                  <a:pt x="171722" y="1657350"/>
+                </a:cubicBezTo>
+                <a:cubicBezTo>
+                  <a:pt x="197427" y="1705547"/>
+                  <a:pt x="205931" y="1700074"/>
+                  <a:pt x="235222" y="1733550"/>
+                </a:cubicBezTo>
+                <a:cubicBezTo>
+                  <a:pt x="242191" y="1741515"/>
+                  <a:pt x="247922" y="1750483"/>
+                  <a:pt x="254272" y="1758950"/>
+                </a:cubicBezTo>
+                <a:cubicBezTo>
+                  <a:pt x="239455" y="1811867"/>
+                  <a:pt x="228111" y="1865881"/>
+                  <a:pt x="209822" y="1917700"/>
+                </a:cubicBezTo>
+                <a:cubicBezTo>
+                  <a:pt x="196400" y="1955728"/>
+                  <a:pt x="160561" y="2003457"/>
+                  <a:pt x="127272" y="2025650"/>
+                </a:cubicBezTo>
+                <a:cubicBezTo>
+                  <a:pt x="120922" y="2029883"/>
+                  <a:pt x="113618" y="2032954"/>
+                  <a:pt x="108222" y="2038350"/>
+                </a:cubicBezTo>
+                <a:cubicBezTo>
+                  <a:pt x="98638" y="2047934"/>
+                  <a:pt x="91289" y="2059517"/>
+                  <a:pt x="82822" y="2070100"/>
+                </a:cubicBezTo>
+                <a:cubicBezTo>
+                  <a:pt x="80705" y="2078567"/>
+                  <a:pt x="80375" y="2087694"/>
+                  <a:pt x="76472" y="2095500"/>
+                </a:cubicBezTo>
+                <a:cubicBezTo>
+                  <a:pt x="67129" y="2114187"/>
+                  <a:pt x="38478" y="2139844"/>
+                  <a:pt x="25672" y="2152650"/>
+                </a:cubicBezTo>
+                <a:cubicBezTo>
+                  <a:pt x="8639" y="2195232"/>
+                  <a:pt x="3029" y="2202698"/>
+                  <a:pt x="272" y="2260600"/>
+                </a:cubicBezTo>
+                <a:cubicBezTo>
+                  <a:pt x="-640" y="2279746"/>
+                  <a:pt x="561" y="2299566"/>
+                  <a:pt x="6622" y="2317750"/>
+                </a:cubicBezTo>
+                <a:cubicBezTo>
+                  <a:pt x="22787" y="2366245"/>
+                  <a:pt x="32154" y="2351675"/>
+                  <a:pt x="70122" y="2368550"/>
+                </a:cubicBezTo>
+                <a:cubicBezTo>
+                  <a:pt x="77096" y="2371650"/>
+                  <a:pt x="82962" y="2376814"/>
+                  <a:pt x="89172" y="2381250"/>
+                </a:cubicBezTo>
+                <a:cubicBezTo>
+                  <a:pt x="97784" y="2387401"/>
+                  <a:pt x="104901" y="2396002"/>
+                  <a:pt x="114572" y="2400300"/>
+                </a:cubicBezTo>
+                <a:cubicBezTo>
+                  <a:pt x="124435" y="2404683"/>
+                  <a:pt x="135739" y="2404533"/>
+                  <a:pt x="146322" y="2406650"/>
+                </a:cubicBezTo>
+                <a:cubicBezTo>
+                  <a:pt x="161139" y="2413000"/>
+                  <a:pt x="175307" y="2421151"/>
+                  <a:pt x="190772" y="2425700"/>
+                </a:cubicBezTo>
+                <a:cubicBezTo>
+                  <a:pt x="242340" y="2440867"/>
+                  <a:pt x="276361" y="2439597"/>
+                  <a:pt x="330472" y="2444750"/>
+                </a:cubicBezTo>
+                <a:cubicBezTo>
+                  <a:pt x="349553" y="2446567"/>
+                  <a:pt x="368572" y="2448983"/>
+                  <a:pt x="387622" y="2451100"/>
+                </a:cubicBezTo>
+                <a:cubicBezTo>
+                  <a:pt x="449005" y="2442633"/>
+                  <a:pt x="512265" y="2442976"/>
+                  <a:pt x="571772" y="2425700"/>
+                </a:cubicBezTo>
+                <a:cubicBezTo>
+                  <a:pt x="578486" y="2423751"/>
+                  <a:pt x="585842" y="2383615"/>
+                  <a:pt x="590822" y="2374900"/>
+                </a:cubicBezTo>
+                <a:cubicBezTo>
+                  <a:pt x="616879" y="2329300"/>
+                  <a:pt x="604892" y="2370617"/>
+                  <a:pt x="628922" y="2317750"/>
+                </a:cubicBezTo>
+                <a:cubicBezTo>
+                  <a:pt x="634462" y="2305563"/>
+                  <a:pt x="636473" y="2292007"/>
+                  <a:pt x="641622" y="2279650"/>
+                </a:cubicBezTo>
+                <a:cubicBezTo>
+                  <a:pt x="647083" y="2266543"/>
+                  <a:pt x="655399" y="2254733"/>
+                  <a:pt x="660672" y="2241550"/>
+                </a:cubicBezTo>
+                <a:cubicBezTo>
+                  <a:pt x="665018" y="2230686"/>
+                  <a:pt x="671026" y="2193783"/>
+                  <a:pt x="673372" y="2184400"/>
+                </a:cubicBezTo>
+                <a:cubicBezTo>
+                  <a:pt x="677109" y="2169451"/>
+                  <a:pt x="681839" y="2154767"/>
+                  <a:pt x="686072" y="2139950"/>
+                </a:cubicBezTo>
+                <a:cubicBezTo>
+                  <a:pt x="688189" y="2123017"/>
+                  <a:pt x="691005" y="2106156"/>
+                  <a:pt x="692422" y="2089150"/>
+                </a:cubicBezTo>
+                <a:cubicBezTo>
+                  <a:pt x="695240" y="2055334"/>
+                  <a:pt x="694383" y="2021198"/>
+                  <a:pt x="698772" y="1987550"/>
+                </a:cubicBezTo>
+                <a:cubicBezTo>
+                  <a:pt x="700765" y="1972270"/>
+                  <a:pt x="707239" y="1957917"/>
+                  <a:pt x="711472" y="1943100"/>
+                </a:cubicBezTo>
+                <a:cubicBezTo>
+                  <a:pt x="713589" y="1924050"/>
+                  <a:pt x="716388" y="1905064"/>
+                  <a:pt x="717822" y="1885950"/>
+                </a:cubicBezTo>
+                <a:cubicBezTo>
+                  <a:pt x="733433" y="1677806"/>
+                  <a:pt x="683709" y="1735913"/>
+                  <a:pt x="749572" y="1670050"/>
+                </a:cubicBezTo>
+                <a:cubicBezTo>
+                  <a:pt x="751689" y="1659467"/>
+                  <a:pt x="753304" y="1648771"/>
+                  <a:pt x="755922" y="1638300"/>
+                </a:cubicBezTo>
+                <a:cubicBezTo>
+                  <a:pt x="757545" y="1631806"/>
+                  <a:pt x="760820" y="1625784"/>
+                  <a:pt x="762272" y="1619250"/>
+                </a:cubicBezTo>
+                <a:cubicBezTo>
+                  <a:pt x="765065" y="1606681"/>
+                  <a:pt x="766097" y="1593775"/>
+                  <a:pt x="768622" y="1581150"/>
+                </a:cubicBezTo>
+                <a:cubicBezTo>
+                  <a:pt x="770334" y="1572592"/>
+                  <a:pt x="773260" y="1564308"/>
+                  <a:pt x="774972" y="1555750"/>
+                </a:cubicBezTo>
+                <a:cubicBezTo>
+                  <a:pt x="779613" y="1532545"/>
+                  <a:pt x="783031" y="1509105"/>
+                  <a:pt x="787672" y="1485900"/>
+                </a:cubicBezTo>
+                <a:cubicBezTo>
+                  <a:pt x="789384" y="1477342"/>
+                  <a:pt x="789448" y="1467933"/>
+                  <a:pt x="794022" y="1460500"/>
+                </a:cubicBezTo>
+                <a:cubicBezTo>
+                  <a:pt x="834731" y="1394348"/>
+                  <a:pt x="826910" y="1420192"/>
+                  <a:pt x="863872" y="1377950"/>
+                </a:cubicBezTo>
+                <a:cubicBezTo>
+                  <a:pt x="870841" y="1369985"/>
+                  <a:pt x="876572" y="1361017"/>
+                  <a:pt x="882922" y="1352550"/>
+                </a:cubicBezTo>
+                <a:cubicBezTo>
+                  <a:pt x="900130" y="1300927"/>
+                  <a:pt x="903783" y="1300654"/>
+                  <a:pt x="863872" y="1212850"/>
+                </a:cubicBezTo>
+                <a:cubicBezTo>
+                  <a:pt x="857996" y="1199924"/>
+                  <a:pt x="837586" y="1201676"/>
+                  <a:pt x="825772" y="1193800"/>
+                </a:cubicBezTo>
+                <a:cubicBezTo>
+                  <a:pt x="818300" y="1188819"/>
+                  <a:pt x="813480" y="1180664"/>
+                  <a:pt x="806722" y="1174750"/>
+                </a:cubicBezTo>
+                <a:cubicBezTo>
+                  <a:pt x="751757" y="1126656"/>
+                  <a:pt x="796219" y="1174847"/>
+                  <a:pt x="743222" y="1111250"/>
+                </a:cubicBezTo>
+                <a:cubicBezTo>
+                  <a:pt x="732272" y="1078399"/>
+                  <a:pt x="720817" y="1052905"/>
+                  <a:pt x="724172" y="1016000"/>
+                </a:cubicBezTo>
+                <a:cubicBezTo>
+                  <a:pt x="732266" y="926961"/>
+                  <a:pt x="735334" y="952415"/>
+                  <a:pt x="768622" y="895350"/>
+                </a:cubicBezTo>
+                <a:cubicBezTo>
+                  <a:pt x="818525" y="809802"/>
+                  <a:pt x="747271" y="911118"/>
+                  <a:pt x="825772" y="806450"/>
+                </a:cubicBezTo>
+                <a:cubicBezTo>
+                  <a:pt x="830005" y="793750"/>
+                  <a:pt x="832485" y="780324"/>
+                  <a:pt x="838472" y="768350"/>
+                </a:cubicBezTo>
+                <a:cubicBezTo>
+                  <a:pt x="845298" y="754698"/>
+                  <a:pt x="863491" y="745509"/>
+                  <a:pt x="863872" y="730250"/>
+                </a:cubicBezTo>
+                <a:cubicBezTo>
+                  <a:pt x="865678" y="658026"/>
+                  <a:pt x="852193" y="586219"/>
+                  <a:pt x="844822" y="514350"/>
+                </a:cubicBezTo>
+                <a:cubicBezTo>
+                  <a:pt x="843721" y="503613"/>
+                  <a:pt x="841312" y="493013"/>
+                  <a:pt x="838472" y="482600"/>
+                </a:cubicBezTo>
+                <a:cubicBezTo>
+                  <a:pt x="834950" y="469685"/>
+                  <a:pt x="830347" y="457081"/>
+                  <a:pt x="825772" y="444500"/>
+                </a:cubicBezTo>
+                <a:cubicBezTo>
+                  <a:pt x="821877" y="433788"/>
+                  <a:pt x="819609" y="422088"/>
+                  <a:pt x="813072" y="412750"/>
+                </a:cubicBezTo>
+                <a:cubicBezTo>
+                  <a:pt x="804489" y="400488"/>
+                  <a:pt x="791905" y="391583"/>
+                  <a:pt x="781322" y="381000"/>
+                </a:cubicBezTo>
+                <a:cubicBezTo>
+                  <a:pt x="779205" y="372533"/>
+                  <a:pt x="780424" y="362415"/>
+                  <a:pt x="774972" y="355600"/>
+                </a:cubicBezTo>
+                <a:cubicBezTo>
+                  <a:pt x="770791" y="350373"/>
+                  <a:pt x="761734" y="352571"/>
+                  <a:pt x="755922" y="349250"/>
+                </a:cubicBezTo>
+                <a:cubicBezTo>
+                  <a:pt x="731960" y="335558"/>
+                  <a:pt x="709355" y="319617"/>
+                  <a:pt x="686072" y="304800"/>
+                </a:cubicBezTo>
+                <a:cubicBezTo>
+                  <a:pt x="683955" y="292100"/>
+                  <a:pt x="680685" y="279539"/>
+                  <a:pt x="679722" y="266700"/>
+                </a:cubicBezTo>
+                <a:cubicBezTo>
+                  <a:pt x="674330" y="194811"/>
+                  <a:pt x="682661" y="121174"/>
+                  <a:pt x="667022" y="50800"/>
+                </a:cubicBezTo>
+                <a:cubicBezTo>
+                  <a:pt x="664118" y="37732"/>
+                  <a:pt x="641457" y="42800"/>
+                  <a:pt x="628922" y="38100"/>
+                </a:cubicBezTo>
+                <a:cubicBezTo>
+                  <a:pt x="563028" y="13390"/>
+                  <a:pt x="594745" y="26174"/>
+                  <a:pt x="533672" y="0"/>
+                </a:cubicBezTo>
+                <a:cubicBezTo>
+                  <a:pt x="480755" y="4233"/>
+                  <a:pt x="427542" y="5684"/>
+                  <a:pt x="374922" y="12700"/>
+                </a:cubicBezTo>
+                <a:cubicBezTo>
+                  <a:pt x="363623" y="14206"/>
+                  <a:pt x="353845" y="21398"/>
+                  <a:pt x="343172" y="25400"/>
+                </a:cubicBezTo>
+                <a:cubicBezTo>
+                  <a:pt x="324952" y="32232"/>
+                  <a:pt x="301897" y="31750"/>
+                  <a:pt x="279672" y="38100"/>
+                </a:cubicBezTo>
+                <a:close/>
+              </a:path>
+            </a:pathLst>
+          </a:custGeom>
+          <a:solidFill>
+            <a:schemeClr val="accent1">
+              <a:alpha val="9000"/>
+            </a:schemeClr>
+          </a:solidFill>
+          <a:scene3d>
+            <a:camera prst="isometricLeftDown"/>
+            <a:lightRig rig="threePt" dir="t"/>
+          </a:scene3d>
+        </p:spPr>
+        <p:style>
+          <a:lnRef idx="2">
+            <a:schemeClr val="accent1">
+              <a:shade val="15000"/>
+            </a:schemeClr>
+          </a:lnRef>
+          <a:fillRef idx="1">
+            <a:schemeClr val="accent1"/>
+          </a:fillRef>
+          <a:effectRef idx="0">
+            <a:schemeClr val="accent1"/>
+          </a:effectRef>
+          <a:fontRef idx="minor">
+            <a:schemeClr val="lt1"/>
+          </a:fontRef>
+        </p:style>
+        <p:txBody>
+          <a:bodyPr rtlCol="0" anchor="ctr"/>
+          <a:lstStyle/>
+          <a:p>
+            <a:pPr algn="ctr"/>
+            <a:endParaRPr lang="zh-CN" altLang="en-US"/>
+          </a:p>
+        </p:txBody>
+      </p:sp>
+    </p:spTree>
+    <p:extLst>
+      <p:ext uri="{BB962C8B-B14F-4D97-AF65-F5344CB8AC3E}">
+        <p14:creationId xmlns:p14="http://schemas.microsoft.com/office/powerpoint/2010/main" val="3829897635"/>
       </p:ext>
     </p:extLst>
   </p:cSld>

--- a/images/posts/2025-11-10-blog-post/新建 Microsoft PowerPoint 演示文稿.pptx
+++ b/images/posts/2025-11-10-blog-post/新建 Microsoft PowerPoint 演示文稿.pptx
@@ -6571,7 +6571,7 @@
           <a:lstStyle/>
           <a:p>
             <a:r>
-              <a:rPr lang="en-US" altLang="zh-CN">
+              <a:rPr lang="en-US" altLang="zh-CN" dirty="0">
                 <a:latin typeface="Times New Roman" panose="02020603050405020304" pitchFamily="18" charset="0"/>
                 <a:cs typeface="Times New Roman" panose="02020603050405020304" pitchFamily="18" charset="0"/>
               </a:rPr>
@@ -8750,7 +8750,7 @@
               <a:alpha val="17000"/>
             </a:srgbClr>
           </a:solidFill>
-          <a:ln w="12700"/>
+          <a:ln w="6350"/>
         </p:spPr>
         <p:style>
           <a:lnRef idx="2">
@@ -9439,6 +9439,7 @@
               <a:alpha val="14000"/>
             </a:srgbClr>
           </a:solidFill>
+          <a:ln w="6350"/>
         </p:spPr>
         <p:style>
           <a:lnRef idx="2">
@@ -9544,8 +9545,8 @@
           </a:p>
         </p:txBody>
       </p:sp>
-      <mc:AlternateContent xmlns:mc="http://schemas.openxmlformats.org/markup-compatibility/2006" xmlns:a14="http://schemas.microsoft.com/office/drawing/2010/main">
-        <mc:Choice Requires="a14">
+      <mc:AlternateContent xmlns:mc="http://schemas.openxmlformats.org/markup-compatibility/2006">
+        <mc:Choice xmlns:a14="http://schemas.microsoft.com/office/drawing/2010/main" Requires="a14">
           <p:sp>
             <p:nvSpPr>
               <p:cNvPr id="10" name="文本框 9">
@@ -9560,7 +9561,7 @@
             </p:nvSpPr>
             <p:spPr>
               <a:xfrm>
-                <a:off x="9192237" y="2438400"/>
+                <a:off x="9465246" y="1832164"/>
                 <a:ext cx="682303" cy="307777"/>
               </a:xfrm>
               <a:prstGeom prst="rect">
@@ -9617,13 +9618,13 @@
             </p:txBody>
           </p:sp>
         </mc:Choice>
-        <mc:Fallback xmlns="">
+        <mc:Fallback>
           <p:sp>
             <p:nvSpPr>
               <p:cNvPr id="10" name="文本框 9">
                 <a:extLst>
                   <a:ext uri="{FF2B5EF4-FFF2-40B4-BE49-F238E27FC236}">
-                    <a16:creationId xmlns:a16="http://schemas.microsoft.com/office/drawing/2014/main" id="{6E94E225-53BC-3DE9-BFCD-7F22EE6B3B7D}"/>
+                    <a16:creationId xmlns:a16="http://schemas.microsoft.com/office/drawing/2014/main" id="{A2F2B8C5-D967-61FF-25D1-A72DE529B9D1}"/>
                   </a:ext>
                 </a:extLst>
               </p:cNvPr>
@@ -9634,7 +9635,7 @@
             </p:nvSpPr>
             <p:spPr>
               <a:xfrm>
-                <a:off x="9192237" y="2438400"/>
+                <a:off x="9465246" y="1832164"/>
                 <a:ext cx="682303" cy="307777"/>
               </a:xfrm>
               <a:prstGeom prst="rect">
@@ -9780,8 +9781,8 @@
           </p:sp>
         </mc:Fallback>
       </mc:AlternateContent>
-      <mc:AlternateContent xmlns:mc="http://schemas.openxmlformats.org/markup-compatibility/2006" xmlns:a14="http://schemas.microsoft.com/office/drawing/2010/main">
-        <mc:Choice Requires="a14">
+      <mc:AlternateContent xmlns:mc="http://schemas.openxmlformats.org/markup-compatibility/2006">
+        <mc:Choice xmlns:a14="http://schemas.microsoft.com/office/drawing/2010/main" Requires="a14">
           <p:sp>
             <p:nvSpPr>
               <p:cNvPr id="12" name="文本框 11">
@@ -9796,7 +9797,7 @@
             </p:nvSpPr>
             <p:spPr>
               <a:xfrm>
-                <a:off x="10266859" y="3153130"/>
+                <a:off x="10433302" y="3465923"/>
                 <a:ext cx="703141" cy="335285"/>
               </a:xfrm>
               <a:prstGeom prst="rect">
@@ -9853,13 +9854,13 @@
             </p:txBody>
           </p:sp>
         </mc:Choice>
-        <mc:Fallback xmlns="">
+        <mc:Fallback>
           <p:sp>
             <p:nvSpPr>
               <p:cNvPr id="12" name="文本框 11">
                 <a:extLst>
                   <a:ext uri="{FF2B5EF4-FFF2-40B4-BE49-F238E27FC236}">
-                    <a16:creationId xmlns:a16="http://schemas.microsoft.com/office/drawing/2014/main" id="{07F41F74-5123-B037-E32F-9329372258AC}"/>
+                    <a16:creationId xmlns:a16="http://schemas.microsoft.com/office/drawing/2014/main" id="{2FF86C34-C81F-D2FD-49AF-A6C71E1D245C}"/>
                   </a:ext>
                 </a:extLst>
               </p:cNvPr>
@@ -9870,7 +9871,7 @@
             </p:nvSpPr>
             <p:spPr>
               <a:xfrm>
-                <a:off x="10266859" y="3153130"/>
+                <a:off x="10433302" y="3465923"/>
                 <a:ext cx="703141" cy="335285"/>
               </a:xfrm>
               <a:prstGeom prst="rect">
@@ -9879,7 +9880,7 @@
               <a:blipFill>
                 <a:blip r:embed="rId4"/>
                 <a:stretch>
-                  <a:fillRect l="-6034" r="-2586" b="-21818"/>
+                  <a:fillRect l="-6034" r="-2586" b="-20000"/>
                 </a:stretch>
               </a:blipFill>
             </p:spPr>
@@ -9898,138 +9899,6 @@
           </p:sp>
         </mc:Fallback>
       </mc:AlternateContent>
-      <p:cxnSp>
-        <p:nvCxnSpPr>
-          <p:cNvPr id="14" name="直接箭头连接符 13">
-            <a:extLst>
-              <a:ext uri="{FF2B5EF4-FFF2-40B4-BE49-F238E27FC236}">
-                <a16:creationId xmlns:a16="http://schemas.microsoft.com/office/drawing/2014/main" id="{B50624AD-9BEE-0469-E5FF-20D906B82C27}"/>
-              </a:ext>
-            </a:extLst>
-          </p:cNvPr>
-          <p:cNvCxnSpPr>
-            <a:cxnSpLocks/>
-          </p:cNvCxnSpPr>
-          <p:nvPr/>
-        </p:nvCxnSpPr>
-        <p:spPr>
-          <a:xfrm flipV="1">
-            <a:off x="4298950" y="3289022"/>
-            <a:ext cx="904951" cy="427993"/>
-          </a:xfrm>
-          <a:prstGeom prst="straightConnector1">
-            <a:avLst/>
-          </a:prstGeom>
-          <a:ln>
-            <a:solidFill>
-              <a:srgbClr val="FF0000"/>
-            </a:solidFill>
-            <a:tailEnd type="triangle"/>
-          </a:ln>
-        </p:spPr>
-        <p:style>
-          <a:lnRef idx="2">
-            <a:schemeClr val="accent1"/>
-          </a:lnRef>
-          <a:fillRef idx="0">
-            <a:schemeClr val="accent1"/>
-          </a:fillRef>
-          <a:effectRef idx="1">
-            <a:schemeClr val="accent1"/>
-          </a:effectRef>
-          <a:fontRef idx="minor">
-            <a:schemeClr val="tx1"/>
-          </a:fontRef>
-        </p:style>
-      </p:cxnSp>
-      <p:cxnSp>
-        <p:nvCxnSpPr>
-          <p:cNvPr id="15" name="直接箭头连接符 14">
-            <a:extLst>
-              <a:ext uri="{FF2B5EF4-FFF2-40B4-BE49-F238E27FC236}">
-                <a16:creationId xmlns:a16="http://schemas.microsoft.com/office/drawing/2014/main" id="{DF261CAE-1EF4-44DD-669C-1517841F4F32}"/>
-              </a:ext>
-            </a:extLst>
-          </p:cNvPr>
-          <p:cNvCxnSpPr>
-            <a:cxnSpLocks/>
-          </p:cNvCxnSpPr>
-          <p:nvPr/>
-        </p:nvCxnSpPr>
-        <p:spPr>
-          <a:xfrm>
-            <a:off x="4311650" y="3717015"/>
-            <a:ext cx="838200" cy="445625"/>
-          </a:xfrm>
-          <a:prstGeom prst="straightConnector1">
-            <a:avLst/>
-          </a:prstGeom>
-          <a:ln>
-            <a:solidFill>
-              <a:srgbClr val="00B0F0"/>
-            </a:solidFill>
-            <a:tailEnd type="triangle"/>
-          </a:ln>
-        </p:spPr>
-        <p:style>
-          <a:lnRef idx="2">
-            <a:schemeClr val="accent1"/>
-          </a:lnRef>
-          <a:fillRef idx="0">
-            <a:schemeClr val="accent1"/>
-          </a:fillRef>
-          <a:effectRef idx="1">
-            <a:schemeClr val="accent1"/>
-          </a:effectRef>
-          <a:fontRef idx="minor">
-            <a:schemeClr val="tx1"/>
-          </a:fontRef>
-        </p:style>
-      </p:cxnSp>
-      <p:cxnSp>
-        <p:nvCxnSpPr>
-          <p:cNvPr id="19" name="直接箭头连接符 18">
-            <a:extLst>
-              <a:ext uri="{FF2B5EF4-FFF2-40B4-BE49-F238E27FC236}">
-                <a16:creationId xmlns:a16="http://schemas.microsoft.com/office/drawing/2014/main" id="{32E0646F-968F-0AC0-A438-A5ED02857250}"/>
-              </a:ext>
-            </a:extLst>
-          </p:cNvPr>
-          <p:cNvCxnSpPr>
-            <a:cxnSpLocks/>
-          </p:cNvCxnSpPr>
-          <p:nvPr/>
-        </p:nvCxnSpPr>
-        <p:spPr>
-          <a:xfrm flipV="1">
-            <a:off x="4311650" y="3717015"/>
-            <a:ext cx="1121080" cy="8816"/>
-          </a:xfrm>
-          <a:prstGeom prst="straightConnector1">
-            <a:avLst/>
-          </a:prstGeom>
-          <a:ln>
-            <a:solidFill>
-              <a:schemeClr val="tx1"/>
-            </a:solidFill>
-            <a:tailEnd type="triangle"/>
-          </a:ln>
-        </p:spPr>
-        <p:style>
-          <a:lnRef idx="2">
-            <a:schemeClr val="accent1"/>
-          </a:lnRef>
-          <a:fillRef idx="0">
-            <a:schemeClr val="accent1"/>
-          </a:fillRef>
-          <a:effectRef idx="1">
-            <a:schemeClr val="accent1"/>
-          </a:effectRef>
-          <a:fontRef idx="minor">
-            <a:schemeClr val="tx1"/>
-          </a:fontRef>
-        </p:style>
-      </p:cxnSp>
       <p:cxnSp>
         <p:nvCxnSpPr>
           <p:cNvPr id="22" name="直接箭头连接符 21">
@@ -10074,8 +9943,8 @@
           </a:fontRef>
         </p:style>
       </p:cxnSp>
-      <mc:AlternateContent xmlns:mc="http://schemas.openxmlformats.org/markup-compatibility/2006" xmlns:a14="http://schemas.microsoft.com/office/drawing/2010/main">
-        <mc:Choice Requires="a14">
+      <mc:AlternateContent xmlns:mc="http://schemas.openxmlformats.org/markup-compatibility/2006">
+        <mc:Choice xmlns:a14="http://schemas.microsoft.com/office/drawing/2010/main" Requires="a14">
           <p:sp>
             <p:nvSpPr>
               <p:cNvPr id="23" name="文本框 22">
@@ -10091,7 +9960,7 @@
             <p:spPr>
               <a:xfrm>
                 <a:off x="952501" y="1035441"/>
-                <a:ext cx="589136" cy="276999"/>
+                <a:ext cx="524567" cy="246221"/>
               </a:xfrm>
               <a:prstGeom prst="rect">
                 <a:avLst/>
@@ -10112,13 +9981,13 @@
                     </m:oMathParaPr>
                     <m:oMath xmlns:m="http://schemas.openxmlformats.org/officeDocument/2006/math">
                       <m:r>
-                        <a:rPr lang="en-US" altLang="zh-CN" b="0" i="1" smtClean="0">
+                        <a:rPr lang="en-US" altLang="zh-CN" sz="1600" b="0" i="1" smtClean="0">
                           <a:latin typeface="Cambria Math" panose="02040503050406030204" pitchFamily="18" charset="0"/>
                         </a:rPr>
                         <m:t>𝑡</m:t>
                       </m:r>
                       <m:r>
-                        <a:rPr lang="en-US" altLang="zh-CN" b="0" i="1" smtClean="0">
+                        <a:rPr lang="en-US" altLang="zh-CN" sz="1600" b="0" i="1" smtClean="0">
                           <a:latin typeface="Cambria Math" panose="02040503050406030204" pitchFamily="18" charset="0"/>
                         </a:rPr>
                         <m:t>=1</m:t>
@@ -10126,18 +9995,18 @@
                     </m:oMath>
                   </m:oMathPara>
                 </a14:m>
-                <a:endParaRPr lang="zh-CN" altLang="en-US" dirty="0"/>
+                <a:endParaRPr lang="zh-CN" altLang="en-US" sz="1600" dirty="0"/>
               </a:p>
             </p:txBody>
           </p:sp>
         </mc:Choice>
-        <mc:Fallback xmlns="">
+        <mc:Fallback>
           <p:sp>
             <p:nvSpPr>
               <p:cNvPr id="23" name="文本框 22">
                 <a:extLst>
                   <a:ext uri="{FF2B5EF4-FFF2-40B4-BE49-F238E27FC236}">
-                    <a16:creationId xmlns:a16="http://schemas.microsoft.com/office/drawing/2014/main" id="{6510F2FC-813F-02BC-70AD-583B842993D8}"/>
+                    <a16:creationId xmlns:a16="http://schemas.microsoft.com/office/drawing/2014/main" id="{8C07A2BE-3680-A3BB-5A17-A7E0BC003C12}"/>
                   </a:ext>
                 </a:extLst>
               </p:cNvPr>
@@ -10149,7 +10018,7 @@
             <p:spPr>
               <a:xfrm>
                 <a:off x="952501" y="1035441"/>
-                <a:ext cx="589136" cy="276999"/>
+                <a:ext cx="524567" cy="246221"/>
               </a:xfrm>
               <a:prstGeom prst="rect">
                 <a:avLst/>
@@ -10157,7 +10026,7 @@
               <a:blipFill>
                 <a:blip r:embed="rId5"/>
                 <a:stretch>
-                  <a:fillRect l="-6186" r="-8247" b="-6667"/>
+                  <a:fillRect l="-5814" r="-8140" b="-5000"/>
                 </a:stretch>
               </a:blipFill>
             </p:spPr>
@@ -10176,8 +10045,8 @@
           </p:sp>
         </mc:Fallback>
       </mc:AlternateContent>
-      <mc:AlternateContent xmlns:mc="http://schemas.openxmlformats.org/markup-compatibility/2006" xmlns:a14="http://schemas.microsoft.com/office/drawing/2010/main">
-        <mc:Choice Requires="a14">
+      <mc:AlternateContent xmlns:mc="http://schemas.openxmlformats.org/markup-compatibility/2006">
+        <mc:Choice xmlns:a14="http://schemas.microsoft.com/office/drawing/2010/main" Requires="a14">
           <p:sp>
             <p:nvSpPr>
               <p:cNvPr id="24" name="文本框 23">
@@ -10193,7 +10062,7 @@
             <p:spPr>
               <a:xfrm>
                 <a:off x="10079608" y="1035441"/>
-                <a:ext cx="589136" cy="276999"/>
+                <a:ext cx="524567" cy="246221"/>
               </a:xfrm>
               <a:prstGeom prst="rect">
                 <a:avLst/>
@@ -10214,13 +10083,13 @@
                     </m:oMathParaPr>
                     <m:oMath xmlns:m="http://schemas.openxmlformats.org/officeDocument/2006/math">
                       <m:r>
-                        <a:rPr lang="en-US" altLang="zh-CN" b="0" i="1" smtClean="0">
+                        <a:rPr lang="en-US" altLang="zh-CN" sz="1600" b="0" i="1" smtClean="0">
                           <a:latin typeface="Cambria Math" panose="02040503050406030204" pitchFamily="18" charset="0"/>
                         </a:rPr>
                         <m:t>𝑡</m:t>
                       </m:r>
                       <m:r>
-                        <a:rPr lang="en-US" altLang="zh-CN" b="0" i="1" smtClean="0">
+                        <a:rPr lang="en-US" altLang="zh-CN" sz="1600" b="0" i="1" smtClean="0">
                           <a:latin typeface="Cambria Math" panose="02040503050406030204" pitchFamily="18" charset="0"/>
                         </a:rPr>
                         <m:t>=0</m:t>
@@ -10228,18 +10097,18 @@
                     </m:oMath>
                   </m:oMathPara>
                 </a14:m>
-                <a:endParaRPr lang="zh-CN" altLang="en-US" dirty="0"/>
+                <a:endParaRPr lang="zh-CN" altLang="en-US" sz="1600" dirty="0"/>
               </a:p>
             </p:txBody>
           </p:sp>
         </mc:Choice>
-        <mc:Fallback xmlns="">
+        <mc:Fallback>
           <p:sp>
             <p:nvSpPr>
               <p:cNvPr id="24" name="文本框 23">
                 <a:extLst>
                   <a:ext uri="{FF2B5EF4-FFF2-40B4-BE49-F238E27FC236}">
-                    <a16:creationId xmlns:a16="http://schemas.microsoft.com/office/drawing/2014/main" id="{C5555D7E-3B3B-0F59-894B-EFB414A76BB7}"/>
+                    <a16:creationId xmlns:a16="http://schemas.microsoft.com/office/drawing/2014/main" id="{1748EF35-816F-2371-2D5F-42486D29928E}"/>
                   </a:ext>
                 </a:extLst>
               </p:cNvPr>
@@ -10251,7 +10120,7 @@
             <p:spPr>
               <a:xfrm>
                 <a:off x="10079608" y="1035441"/>
-                <a:ext cx="589136" cy="276999"/>
+                <a:ext cx="524567" cy="246221"/>
               </a:xfrm>
               <a:prstGeom prst="rect">
                 <a:avLst/>
@@ -10259,7 +10128,7 @@
               <a:blipFill>
                 <a:blip r:embed="rId6"/>
                 <a:stretch>
-                  <a:fillRect l="-6186" r="-8247" b="-6667"/>
+                  <a:fillRect l="-5747" r="-6897" b="-5000"/>
                 </a:stretch>
               </a:blipFill>
             </p:spPr>
@@ -10278,8 +10147,8 @@
           </p:sp>
         </mc:Fallback>
       </mc:AlternateContent>
-      <mc:AlternateContent xmlns:mc="http://schemas.openxmlformats.org/markup-compatibility/2006" xmlns:a14="http://schemas.microsoft.com/office/drawing/2010/main">
-        <mc:Choice Requires="a14">
+      <mc:AlternateContent xmlns:mc="http://schemas.openxmlformats.org/markup-compatibility/2006">
+        <mc:Choice xmlns:a14="http://schemas.microsoft.com/office/drawing/2010/main" Requires="a14">
           <p:sp>
             <p:nvSpPr>
               <p:cNvPr id="25" name="文本框 24">
@@ -10294,8 +10163,8 @@
             </p:nvSpPr>
             <p:spPr>
               <a:xfrm>
-                <a:off x="4231884" y="1035139"/>
-                <a:ext cx="159531" cy="276999"/>
+                <a:off x="3281507" y="1057506"/>
+                <a:ext cx="142860" cy="246221"/>
               </a:xfrm>
               <a:prstGeom prst="rect">
                 <a:avLst/>
@@ -10316,7 +10185,7 @@
                     </m:oMathParaPr>
                     <m:oMath xmlns:m="http://schemas.openxmlformats.org/officeDocument/2006/math">
                       <m:r>
-                        <a:rPr lang="en-US" altLang="zh-CN" b="0" i="1" smtClean="0">
+                        <a:rPr lang="en-US" altLang="zh-CN" sz="1600" b="0" i="1" smtClean="0">
                           <a:latin typeface="Cambria Math" panose="02040503050406030204" pitchFamily="18" charset="0"/>
                         </a:rPr>
                         <m:t>𝑡</m:t>
@@ -10329,13 +10198,13 @@
             </p:txBody>
           </p:sp>
         </mc:Choice>
-        <mc:Fallback xmlns="">
+        <mc:Fallback>
           <p:sp>
             <p:nvSpPr>
               <p:cNvPr id="25" name="文本框 24">
                 <a:extLst>
                   <a:ext uri="{FF2B5EF4-FFF2-40B4-BE49-F238E27FC236}">
-                    <a16:creationId xmlns:a16="http://schemas.microsoft.com/office/drawing/2014/main" id="{2BB773A2-DBDB-2118-07C2-26811683D0E0}"/>
+                    <a16:creationId xmlns:a16="http://schemas.microsoft.com/office/drawing/2014/main" id="{3779B05F-4CE1-EFC1-2090-533B28C21549}"/>
                   </a:ext>
                 </a:extLst>
               </p:cNvPr>
@@ -10346,8 +10215,8 @@
             </p:nvSpPr>
             <p:spPr>
               <a:xfrm>
-                <a:off x="4231884" y="1035139"/>
-                <a:ext cx="159531" cy="276999"/>
+                <a:off x="3281507" y="1057506"/>
+                <a:ext cx="142860" cy="246221"/>
               </a:xfrm>
               <a:prstGeom prst="rect">
                 <a:avLst/>
@@ -10355,7 +10224,7 @@
               <a:blipFill>
                 <a:blip r:embed="rId7"/>
                 <a:stretch>
-                  <a:fillRect l="-26923" r="-26923" b="-4444"/>
+                  <a:fillRect l="-20833" r="-20833" b="-2439"/>
                 </a:stretch>
               </a:blipFill>
             </p:spPr>
@@ -10390,8 +10259,8 @@
         </p:nvCxnSpPr>
         <p:spPr>
           <a:xfrm>
-            <a:off x="4286250" y="2056977"/>
-            <a:ext cx="0" cy="2880000"/>
+            <a:off x="3361338" y="1752175"/>
+            <a:ext cx="0" cy="3600000"/>
           </a:xfrm>
           <a:prstGeom prst="line">
             <a:avLst/>
@@ -10418,8 +10287,8 @@
           </a:fontRef>
         </p:style>
       </p:cxnSp>
-      <mc:AlternateContent xmlns:mc="http://schemas.openxmlformats.org/markup-compatibility/2006" xmlns:a14="http://schemas.microsoft.com/office/drawing/2010/main">
-        <mc:Choice Requires="a14">
+      <mc:AlternateContent xmlns:mc="http://schemas.openxmlformats.org/markup-compatibility/2006">
+        <mc:Choice xmlns:a14="http://schemas.microsoft.com/office/drawing/2010/main" Requires="a14">
           <p:sp>
             <p:nvSpPr>
               <p:cNvPr id="31" name="文本框 30">
@@ -10435,7 +10304,7 @@
             <p:spPr>
               <a:xfrm>
                 <a:off x="750881" y="5556335"/>
-                <a:ext cx="703269" cy="276999"/>
+                <a:ext cx="624273" cy="246221"/>
               </a:xfrm>
               <a:prstGeom prst="rect">
                 <a:avLst/>
@@ -10456,13 +10325,13 @@
                     </m:oMathParaPr>
                     <m:oMath xmlns:m="http://schemas.openxmlformats.org/officeDocument/2006/math">
                       <m:r>
-                        <a:rPr lang="en-US" altLang="zh-CN" b="0" i="1" smtClean="0">
+                        <a:rPr lang="en-US" altLang="zh-CN" sz="1600" b="0" i="1" smtClean="0">
                           <a:latin typeface="Cambria Math" panose="02040503050406030204" pitchFamily="18" charset="0"/>
                         </a:rPr>
                         <m:t>𝑧</m:t>
                       </m:r>
                       <m:r>
-                        <a:rPr lang="en-US" altLang="zh-CN" b="0" i="1" smtClean="0">
+                        <a:rPr lang="en-US" altLang="zh-CN" sz="1600" b="0" i="1" smtClean="0">
                           <a:latin typeface="Cambria Math" panose="02040503050406030204" pitchFamily="18" charset="0"/>
                         </a:rPr>
                         <m:t>=</m:t>
@@ -10470,14 +10339,14 @@
                       <m:sSub>
                         <m:sSubPr>
                           <m:ctrlPr>
-                            <a:rPr lang="en-US" altLang="zh-CN" b="0" i="1" smtClean="0">
+                            <a:rPr lang="en-US" altLang="zh-CN" sz="1600" b="0" i="1" smtClean="0">
                               <a:latin typeface="Cambria Math" panose="02040503050406030204" pitchFamily="18" charset="0"/>
                             </a:rPr>
                           </m:ctrlPr>
                         </m:sSubPr>
                         <m:e>
                           <m:r>
-                            <a:rPr lang="en-US" altLang="zh-CN" b="0" i="1" smtClean="0">
+                            <a:rPr lang="en-US" altLang="zh-CN" sz="1600" b="0" i="1" smtClean="0">
                               <a:latin typeface="Cambria Math" panose="02040503050406030204" pitchFamily="18" charset="0"/>
                             </a:rPr>
                             <m:t>𝑥</m:t>
@@ -10485,7 +10354,7 @@
                         </m:e>
                         <m:sub>
                           <m:r>
-                            <a:rPr lang="en-US" altLang="zh-CN" b="0" i="1" smtClean="0">
+                            <a:rPr lang="en-US" altLang="zh-CN" sz="1600" b="0" i="1" smtClean="0">
                               <a:latin typeface="Cambria Math" panose="02040503050406030204" pitchFamily="18" charset="0"/>
                             </a:rPr>
                             <m:t>1</m:t>
@@ -10495,18 +10364,18 @@
                     </m:oMath>
                   </m:oMathPara>
                 </a14:m>
-                <a:endParaRPr lang="zh-CN" altLang="en-US" dirty="0"/>
+                <a:endParaRPr lang="zh-CN" altLang="en-US" sz="1600" dirty="0"/>
               </a:p>
             </p:txBody>
           </p:sp>
         </mc:Choice>
-        <mc:Fallback xmlns="">
+        <mc:Fallback>
           <p:sp>
             <p:nvSpPr>
               <p:cNvPr id="31" name="文本框 30">
                 <a:extLst>
                   <a:ext uri="{FF2B5EF4-FFF2-40B4-BE49-F238E27FC236}">
-                    <a16:creationId xmlns:a16="http://schemas.microsoft.com/office/drawing/2014/main" id="{14519B74-C1ED-8C91-8849-0B8E0FE04772}"/>
+                    <a16:creationId xmlns:a16="http://schemas.microsoft.com/office/drawing/2014/main" id="{0BD31684-2A8F-A2B3-21B6-0819D70739DC}"/>
                   </a:ext>
                 </a:extLst>
               </p:cNvPr>
@@ -10518,7 +10387,7 @@
             <p:spPr>
               <a:xfrm>
                 <a:off x="750881" y="5556335"/>
-                <a:ext cx="703269" cy="276999"/>
+                <a:ext cx="624273" cy="246221"/>
               </a:xfrm>
               <a:prstGeom prst="rect">
                 <a:avLst/>
@@ -10526,7 +10395,7 @@
               <a:blipFill>
                 <a:blip r:embed="rId8"/>
                 <a:stretch>
-                  <a:fillRect l="-3448" r="-862" b="-13043"/>
+                  <a:fillRect l="-2913" r="-971" b="-12195"/>
                 </a:stretch>
               </a:blipFill>
             </p:spPr>
@@ -10545,8 +10414,8 @@
           </p:sp>
         </mc:Fallback>
       </mc:AlternateContent>
-      <mc:AlternateContent xmlns:mc="http://schemas.openxmlformats.org/markup-compatibility/2006" xmlns:a14="http://schemas.microsoft.com/office/drawing/2010/main">
-        <mc:Choice Requires="a14">
+      <mc:AlternateContent xmlns:mc="http://schemas.openxmlformats.org/markup-compatibility/2006">
+        <mc:Choice xmlns:a14="http://schemas.microsoft.com/office/drawing/2010/main" Requires="a14">
           <p:sp>
             <p:nvSpPr>
               <p:cNvPr id="32" name="文本框 31">
@@ -10562,7 +10431,7 @@
             <p:spPr>
               <a:xfrm>
                 <a:off x="9788566" y="5556334"/>
-                <a:ext cx="291042" cy="276999"/>
+                <a:ext cx="258211" cy="246221"/>
               </a:xfrm>
               <a:prstGeom prst="rect">
                 <a:avLst/>
@@ -10585,14 +10454,14 @@
                       <m:sSub>
                         <m:sSubPr>
                           <m:ctrlPr>
-                            <a:rPr lang="en-US" altLang="zh-CN" b="0" i="1" smtClean="0">
+                            <a:rPr lang="en-US" altLang="zh-CN" sz="1600" b="0" i="1" smtClean="0">
                               <a:latin typeface="Cambria Math" panose="02040503050406030204" pitchFamily="18" charset="0"/>
                             </a:rPr>
                           </m:ctrlPr>
                         </m:sSubPr>
                         <m:e>
                           <m:r>
-                            <a:rPr lang="en-US" altLang="zh-CN" b="0" i="1" smtClean="0">
+                            <a:rPr lang="en-US" altLang="zh-CN" sz="1600" b="0" i="1" smtClean="0">
                               <a:latin typeface="Cambria Math" panose="02040503050406030204" pitchFamily="18" charset="0"/>
                             </a:rPr>
                             <m:t>𝑥</m:t>
@@ -10600,7 +10469,7 @@
                         </m:e>
                         <m:sub>
                           <m:r>
-                            <a:rPr lang="en-US" altLang="zh-CN" b="0" i="1" smtClean="0">
+                            <a:rPr lang="en-US" altLang="zh-CN" sz="1600" b="0" i="1" smtClean="0">
                               <a:latin typeface="Cambria Math" panose="02040503050406030204" pitchFamily="18" charset="0"/>
                             </a:rPr>
                             <m:t>0</m:t>
@@ -10610,18 +10479,18 @@
                     </m:oMath>
                   </m:oMathPara>
                 </a14:m>
-                <a:endParaRPr lang="zh-CN" altLang="en-US" dirty="0"/>
+                <a:endParaRPr lang="zh-CN" altLang="en-US" sz="1600" dirty="0"/>
               </a:p>
             </p:txBody>
           </p:sp>
         </mc:Choice>
-        <mc:Fallback xmlns="">
+        <mc:Fallback>
           <p:sp>
             <p:nvSpPr>
               <p:cNvPr id="32" name="文本框 31">
                 <a:extLst>
                   <a:ext uri="{FF2B5EF4-FFF2-40B4-BE49-F238E27FC236}">
-                    <a16:creationId xmlns:a16="http://schemas.microsoft.com/office/drawing/2014/main" id="{CB89BB5D-A73E-5B79-7BF5-2CB3940E8F7E}"/>
+                    <a16:creationId xmlns:a16="http://schemas.microsoft.com/office/drawing/2014/main" id="{1CA600EF-2828-833C-9DA7-E2DEAFE77591}"/>
                   </a:ext>
                 </a:extLst>
               </p:cNvPr>
@@ -10633,7 +10502,7 @@
             <p:spPr>
               <a:xfrm>
                 <a:off x="9788566" y="5556334"/>
-                <a:ext cx="291042" cy="276999"/>
+                <a:ext cx="258211" cy="246221"/>
               </a:xfrm>
               <a:prstGeom prst="rect">
                 <a:avLst/>
@@ -10641,7 +10510,7 @@
               <a:blipFill>
                 <a:blip r:embed="rId9"/>
                 <a:stretch>
-                  <a:fillRect l="-10638" r="-6383" b="-13043"/>
+                  <a:fillRect l="-9524" r="-7143" b="-12195"/>
                 </a:stretch>
               </a:blipFill>
             </p:spPr>
@@ -10660,8 +10529,8 @@
           </p:sp>
         </mc:Fallback>
       </mc:AlternateContent>
-      <mc:AlternateContent xmlns:mc="http://schemas.openxmlformats.org/markup-compatibility/2006" xmlns:a14="http://schemas.microsoft.com/office/drawing/2010/main">
-        <mc:Choice Requires="a14">
+      <mc:AlternateContent xmlns:mc="http://schemas.openxmlformats.org/markup-compatibility/2006">
+        <mc:Choice xmlns:a14="http://schemas.microsoft.com/office/drawing/2010/main" Requires="a14">
           <p:sp>
             <p:nvSpPr>
               <p:cNvPr id="34" name="文本框 33">
@@ -10676,8 +10545,8 @@
             </p:nvSpPr>
             <p:spPr>
               <a:xfrm>
-                <a:off x="4175906" y="5556334"/>
-                <a:ext cx="271485" cy="276999"/>
+                <a:off x="3250994" y="5556334"/>
+                <a:ext cx="241413" cy="246221"/>
               </a:xfrm>
               <a:prstGeom prst="rect">
                 <a:avLst/>
@@ -10700,14 +10569,14 @@
                       <m:sSub>
                         <m:sSubPr>
                           <m:ctrlPr>
-                            <a:rPr lang="en-US" altLang="zh-CN" b="0" i="1" smtClean="0">
+                            <a:rPr lang="en-US" altLang="zh-CN" sz="1600" b="0" i="1" smtClean="0">
                               <a:latin typeface="Cambria Math" panose="02040503050406030204" pitchFamily="18" charset="0"/>
                             </a:rPr>
                           </m:ctrlPr>
                         </m:sSubPr>
                         <m:e>
                           <m:r>
-                            <a:rPr lang="en-US" altLang="zh-CN" b="0" i="1" smtClean="0">
+                            <a:rPr lang="en-US" altLang="zh-CN" sz="1600" b="0" i="1" smtClean="0">
                               <a:latin typeface="Cambria Math" panose="02040503050406030204" pitchFamily="18" charset="0"/>
                             </a:rPr>
                             <m:t>𝑥</m:t>
@@ -10715,7 +10584,7 @@
                         </m:e>
                         <m:sub>
                           <m:r>
-                            <a:rPr lang="en-US" altLang="zh-CN" b="0" i="1" smtClean="0">
+                            <a:rPr lang="en-US" altLang="zh-CN" sz="1600" b="0" i="1" smtClean="0">
                               <a:latin typeface="Cambria Math" panose="02040503050406030204" pitchFamily="18" charset="0"/>
                             </a:rPr>
                             <m:t>𝑡</m:t>
@@ -10730,13 +10599,13 @@
             </p:txBody>
           </p:sp>
         </mc:Choice>
-        <mc:Fallback xmlns="">
+        <mc:Fallback>
           <p:sp>
             <p:nvSpPr>
               <p:cNvPr id="34" name="文本框 33">
                 <a:extLst>
                   <a:ext uri="{FF2B5EF4-FFF2-40B4-BE49-F238E27FC236}">
-                    <a16:creationId xmlns:a16="http://schemas.microsoft.com/office/drawing/2014/main" id="{C40B627D-DB83-04B8-8CE7-56AF9A4BF939}"/>
+                    <a16:creationId xmlns:a16="http://schemas.microsoft.com/office/drawing/2014/main" id="{47517A38-86A1-4CC7-3266-711741F91267}"/>
                   </a:ext>
                 </a:extLst>
               </p:cNvPr>
@@ -10747,8 +10616,8 @@
             </p:nvSpPr>
             <p:spPr>
               <a:xfrm>
-                <a:off x="4175906" y="5556334"/>
-                <a:ext cx="271485" cy="276999"/>
+                <a:off x="3250994" y="5556334"/>
+                <a:ext cx="241413" cy="246221"/>
               </a:xfrm>
               <a:prstGeom prst="rect">
                 <a:avLst/>
@@ -10756,7 +10625,7 @@
               <a:blipFill>
                 <a:blip r:embed="rId10"/>
                 <a:stretch>
-                  <a:fillRect l="-11111" r="-2222" b="-13043"/>
+                  <a:fillRect l="-7500" r="-5000" b="-12195"/>
                 </a:stretch>
               </a:blipFill>
             </p:spPr>
@@ -10775,132 +10644,6 @@
           </p:sp>
         </mc:Fallback>
       </mc:AlternateContent>
-      <p:sp>
-        <p:nvSpPr>
-          <p:cNvPr id="39" name="文本框 38">
-            <a:extLst>
-              <a:ext uri="{FF2B5EF4-FFF2-40B4-BE49-F238E27FC236}">
-                <a16:creationId xmlns:a16="http://schemas.microsoft.com/office/drawing/2014/main" id="{79EBE4DD-513A-8D2E-2435-72AB56CFDD5A}"/>
-              </a:ext>
-            </a:extLst>
-          </p:cNvPr>
-          <p:cNvSpPr txBox="1"/>
-          <p:nvPr/>
-        </p:nvSpPr>
-        <p:spPr>
-          <a:xfrm>
-            <a:off x="4682933" y="2882821"/>
-            <a:ext cx="1162050" cy="369332"/>
-          </a:xfrm>
-          <a:prstGeom prst="rect">
-            <a:avLst/>
-          </a:prstGeom>
-          <a:noFill/>
-        </p:spPr>
-        <p:txBody>
-          <a:bodyPr wrap="square">
-            <a:spAutoFit/>
-          </a:bodyPr>
-          <a:lstStyle/>
-          <a:p>
-            <a:r>
-              <a:rPr lang="en-US" altLang="zh-CN" dirty="0">
-                <a:latin typeface="Times New Roman" panose="02020603050405020304" pitchFamily="18" charset="0"/>
-                <a:cs typeface="Times New Roman" panose="02020603050405020304" pitchFamily="18" charset="0"/>
-              </a:rPr>
-              <a:t>prior</a:t>
-            </a:r>
-            <a:endParaRPr lang="zh-CN" altLang="en-US" dirty="0">
-              <a:latin typeface="Times New Roman" panose="02020603050405020304" pitchFamily="18" charset="0"/>
-              <a:cs typeface="Times New Roman" panose="02020603050405020304" pitchFamily="18" charset="0"/>
-            </a:endParaRPr>
-          </a:p>
-        </p:txBody>
-      </p:sp>
-      <p:sp>
-        <p:nvSpPr>
-          <p:cNvPr id="40" name="文本框 39">
-            <a:extLst>
-              <a:ext uri="{FF2B5EF4-FFF2-40B4-BE49-F238E27FC236}">
-                <a16:creationId xmlns:a16="http://schemas.microsoft.com/office/drawing/2014/main" id="{609BD7DD-F4EF-A63E-CAB7-BF762B1BFA2B}"/>
-              </a:ext>
-            </a:extLst>
-          </p:cNvPr>
-          <p:cNvSpPr txBox="1"/>
-          <p:nvPr/>
-        </p:nvSpPr>
-        <p:spPr>
-          <a:xfrm>
-            <a:off x="4425796" y="4190693"/>
-            <a:ext cx="1676324" cy="369332"/>
-          </a:xfrm>
-          <a:prstGeom prst="rect">
-            <a:avLst/>
-          </a:prstGeom>
-          <a:noFill/>
-        </p:spPr>
-        <p:txBody>
-          <a:bodyPr wrap="square">
-            <a:spAutoFit/>
-          </a:bodyPr>
-          <a:lstStyle/>
-          <a:p>
-            <a:r>
-              <a:rPr lang="en-US" altLang="zh-CN" dirty="0">
-                <a:latin typeface="Times New Roman" panose="02020603050405020304" pitchFamily="18" charset="0"/>
-                <a:cs typeface="Times New Roman" panose="02020603050405020304" pitchFamily="18" charset="0"/>
-              </a:rPr>
-              <a:t>likelihood term</a:t>
-            </a:r>
-            <a:endParaRPr lang="zh-CN" altLang="en-US" dirty="0">
-              <a:latin typeface="Times New Roman" panose="02020603050405020304" pitchFamily="18" charset="0"/>
-              <a:cs typeface="Times New Roman" panose="02020603050405020304" pitchFamily="18" charset="0"/>
-            </a:endParaRPr>
-          </a:p>
-        </p:txBody>
-      </p:sp>
-      <p:sp>
-        <p:nvSpPr>
-          <p:cNvPr id="41" name="文本框 40">
-            <a:extLst>
-              <a:ext uri="{FF2B5EF4-FFF2-40B4-BE49-F238E27FC236}">
-                <a16:creationId xmlns:a16="http://schemas.microsoft.com/office/drawing/2014/main" id="{F4E76B0B-2A1B-D6FD-55B4-6F0FFAC13761}"/>
-              </a:ext>
-            </a:extLst>
-          </p:cNvPr>
-          <p:cNvSpPr txBox="1"/>
-          <p:nvPr/>
-        </p:nvSpPr>
-        <p:spPr>
-          <a:xfrm>
-            <a:off x="5480511" y="3532349"/>
-            <a:ext cx="1676324" cy="369332"/>
-          </a:xfrm>
-          <a:prstGeom prst="rect">
-            <a:avLst/>
-          </a:prstGeom>
-          <a:noFill/>
-        </p:spPr>
-        <p:txBody>
-          <a:bodyPr wrap="square">
-            <a:spAutoFit/>
-          </a:bodyPr>
-          <a:lstStyle/>
-          <a:p>
-            <a:r>
-              <a:rPr lang="en-US" altLang="zh-CN" dirty="0">
-                <a:latin typeface="Times New Roman" panose="02020603050405020304" pitchFamily="18" charset="0"/>
-                <a:cs typeface="Times New Roman" panose="02020603050405020304" pitchFamily="18" charset="0"/>
-              </a:rPr>
-              <a:t>total direction</a:t>
-            </a:r>
-            <a:endParaRPr lang="zh-CN" altLang="en-US" dirty="0">
-              <a:latin typeface="Times New Roman" panose="02020603050405020304" pitchFamily="18" charset="0"/>
-              <a:cs typeface="Times New Roman" panose="02020603050405020304" pitchFamily="18" charset="0"/>
-            </a:endParaRPr>
-          </a:p>
-        </p:txBody>
-      </p:sp>
       <p:cxnSp>
         <p:nvCxnSpPr>
           <p:cNvPr id="43" name="直接箭头连接符 42">
@@ -10916,97 +10659,9 @@
           <p:nvPr/>
         </p:nvCxnSpPr>
         <p:spPr>
-          <a:xfrm flipV="1">
-            <a:off x="1327076" y="3252153"/>
-            <a:ext cx="393700" cy="297674"/>
-          </a:xfrm>
-          <a:prstGeom prst="straightConnector1">
-            <a:avLst/>
-          </a:prstGeom>
-          <a:ln>
-            <a:solidFill>
-              <a:schemeClr val="tx1"/>
-            </a:solidFill>
-            <a:tailEnd type="triangle"/>
-          </a:ln>
-        </p:spPr>
-        <p:style>
-          <a:lnRef idx="2">
-            <a:schemeClr val="accent1"/>
-          </a:lnRef>
-          <a:fillRef idx="0">
-            <a:schemeClr val="accent1"/>
-          </a:fillRef>
-          <a:effectRef idx="1">
-            <a:schemeClr val="accent1"/>
-          </a:effectRef>
-          <a:fontRef idx="minor">
-            <a:schemeClr val="tx1"/>
-          </a:fontRef>
-        </p:style>
-      </p:cxnSp>
-      <p:cxnSp>
-        <p:nvCxnSpPr>
-          <p:cNvPr id="44" name="直接箭头连接符 43">
-            <a:extLst>
-              <a:ext uri="{FF2B5EF4-FFF2-40B4-BE49-F238E27FC236}">
-                <a16:creationId xmlns:a16="http://schemas.microsoft.com/office/drawing/2014/main" id="{351639D8-522F-5D53-0D74-90A7E9885D9C}"/>
-              </a:ext>
-            </a:extLst>
-          </p:cNvPr>
-          <p:cNvCxnSpPr>
-            <a:cxnSpLocks/>
-          </p:cNvCxnSpPr>
-          <p:nvPr/>
-        </p:nvCxnSpPr>
-        <p:spPr>
-          <a:xfrm flipV="1">
-            <a:off x="1727957" y="3129142"/>
-            <a:ext cx="596179" cy="99023"/>
-          </a:xfrm>
-          <a:prstGeom prst="straightConnector1">
-            <a:avLst/>
-          </a:prstGeom>
-          <a:ln>
-            <a:solidFill>
-              <a:schemeClr val="tx1"/>
-            </a:solidFill>
-            <a:tailEnd type="triangle"/>
-          </a:ln>
-        </p:spPr>
-        <p:style>
-          <a:lnRef idx="2">
-            <a:schemeClr val="accent1"/>
-          </a:lnRef>
-          <a:fillRef idx="0">
-            <a:schemeClr val="accent1"/>
-          </a:fillRef>
-          <a:effectRef idx="1">
-            <a:schemeClr val="accent1"/>
-          </a:effectRef>
-          <a:fontRef idx="minor">
-            <a:schemeClr val="tx1"/>
-          </a:fontRef>
-        </p:style>
-      </p:cxnSp>
-      <p:cxnSp>
-        <p:nvCxnSpPr>
-          <p:cNvPr id="46" name="直接箭头连接符 45">
-            <a:extLst>
-              <a:ext uri="{FF2B5EF4-FFF2-40B4-BE49-F238E27FC236}">
-                <a16:creationId xmlns:a16="http://schemas.microsoft.com/office/drawing/2014/main" id="{29137EB4-63C9-58E3-56BF-AEBFC5155848}"/>
-              </a:ext>
-            </a:extLst>
-          </p:cNvPr>
-          <p:cNvCxnSpPr>
-            <a:cxnSpLocks/>
-          </p:cNvCxnSpPr>
-          <p:nvPr/>
-        </p:nvCxnSpPr>
-        <p:spPr>
           <a:xfrm>
-            <a:off x="2324137" y="3178654"/>
-            <a:ext cx="620637" cy="317818"/>
+            <a:off x="1327076" y="3549827"/>
+            <a:ext cx="533931" cy="0"/>
           </a:xfrm>
           <a:prstGeom prst="straightConnector1">
             <a:avLst/>
@@ -11047,7 +10702,7 @@
         </p:nvSpPr>
         <p:spPr>
           <a:xfrm>
-            <a:off x="3040567" y="3337563"/>
+            <a:off x="2040208" y="3235090"/>
             <a:ext cx="799014" cy="461665"/>
           </a:xfrm>
           <a:prstGeom prst="rect">
@@ -11089,8 +10744,8 @@
         </p:nvSpPr>
         <p:spPr>
           <a:xfrm>
-            <a:off x="6984576" y="3337563"/>
-            <a:ext cx="799014" cy="461665"/>
+            <a:off x="6879507" y="3186334"/>
+            <a:ext cx="893811" cy="461665"/>
           </a:xfrm>
           <a:prstGeom prst="rect">
             <a:avLst/>
@@ -11132,9 +10787,9 @@
           <p:nvPr/>
         </p:nvCxnSpPr>
         <p:spPr>
-          <a:xfrm flipV="1">
-            <a:off x="8099017" y="3465923"/>
-            <a:ext cx="571832" cy="266619"/>
+          <a:xfrm flipH="1">
+            <a:off x="9855954" y="2762669"/>
+            <a:ext cx="193981" cy="327707"/>
           </a:xfrm>
           <a:prstGeom prst="straightConnector1">
             <a:avLst/>
@@ -11177,52 +10832,8 @@
         </p:nvCxnSpPr>
         <p:spPr>
           <a:xfrm>
-            <a:off x="8691576" y="3528840"/>
-            <a:ext cx="487753" cy="369332"/>
-          </a:xfrm>
-          <a:prstGeom prst="straightConnector1">
-            <a:avLst/>
-          </a:prstGeom>
-          <a:ln>
-            <a:solidFill>
-              <a:schemeClr val="tx1"/>
-            </a:solidFill>
-            <a:tailEnd type="triangle"/>
-          </a:ln>
-        </p:spPr>
-        <p:style>
-          <a:lnRef idx="2">
-            <a:schemeClr val="accent1"/>
-          </a:lnRef>
-          <a:fillRef idx="0">
-            <a:schemeClr val="accent1"/>
-          </a:fillRef>
-          <a:effectRef idx="1">
-            <a:schemeClr val="accent1"/>
-          </a:effectRef>
-          <a:fontRef idx="minor">
-            <a:schemeClr val="tx1"/>
-          </a:fontRef>
-        </p:style>
-      </p:cxnSp>
-      <p:cxnSp>
-        <p:nvCxnSpPr>
-          <p:cNvPr id="60" name="直接箭头连接符 59">
-            <a:extLst>
-              <a:ext uri="{FF2B5EF4-FFF2-40B4-BE49-F238E27FC236}">
-                <a16:creationId xmlns:a16="http://schemas.microsoft.com/office/drawing/2014/main" id="{01954023-91C1-2532-8A26-1D849DC8EC1E}"/>
-              </a:ext>
-            </a:extLst>
-          </p:cNvPr>
-          <p:cNvCxnSpPr>
-            <a:cxnSpLocks/>
-          </p:cNvCxnSpPr>
-          <p:nvPr/>
-        </p:nvCxnSpPr>
-        <p:spPr>
-          <a:xfrm flipV="1">
-            <a:off x="9179330" y="3599232"/>
-            <a:ext cx="571832" cy="266619"/>
+            <a:off x="10070876" y="3298920"/>
+            <a:ext cx="290508" cy="93278"/>
           </a:xfrm>
           <a:prstGeom prst="straightConnector1">
             <a:avLst/>
@@ -11251,52 +10862,6 @@
       </p:cxnSp>
       <p:sp>
         <p:nvSpPr>
-          <p:cNvPr id="61" name="椭圆 60">
-            <a:extLst>
-              <a:ext uri="{FF2B5EF4-FFF2-40B4-BE49-F238E27FC236}">
-                <a16:creationId xmlns:a16="http://schemas.microsoft.com/office/drawing/2014/main" id="{50CDFBCA-3A98-B40F-22C8-6E474D3CA00E}"/>
-              </a:ext>
-            </a:extLst>
-          </p:cNvPr>
-          <p:cNvSpPr/>
-          <p:nvPr/>
-        </p:nvSpPr>
-        <p:spPr>
-          <a:xfrm>
-            <a:off x="4239088" y="3689341"/>
-            <a:ext cx="86400" cy="86400"/>
-          </a:xfrm>
-          <a:prstGeom prst="ellipse">
-            <a:avLst/>
-          </a:prstGeom>
-        </p:spPr>
-        <p:style>
-          <a:lnRef idx="2">
-            <a:schemeClr val="accent1">
-              <a:shade val="15000"/>
-            </a:schemeClr>
-          </a:lnRef>
-          <a:fillRef idx="1">
-            <a:schemeClr val="accent1"/>
-          </a:fillRef>
-          <a:effectRef idx="0">
-            <a:schemeClr val="accent1"/>
-          </a:effectRef>
-          <a:fontRef idx="minor">
-            <a:schemeClr val="lt1"/>
-          </a:fontRef>
-        </p:style>
-        <p:txBody>
-          <a:bodyPr rtlCol="0" anchor="ctr"/>
-          <a:lstStyle/>
-          <a:p>
-            <a:pPr algn="ctr"/>
-            <a:endParaRPr lang="zh-CN" altLang="en-US"/>
-          </a:p>
-        </p:txBody>
-      </p:sp>
-      <p:sp>
-        <p:nvSpPr>
           <p:cNvPr id="64" name="任意多边形: 形状 63">
             <a:extLst>
               <a:ext uri="{FF2B5EF4-FFF2-40B4-BE49-F238E27FC236}">
@@ -11309,8 +10874,8 @@
         </p:nvSpPr>
         <p:spPr>
           <a:xfrm>
-            <a:off x="3781368" y="2432920"/>
-            <a:ext cx="895215" cy="2451100"/>
+            <a:off x="2918664" y="1785925"/>
+            <a:ext cx="895215" cy="3639845"/>
           </a:xfrm>
           <a:custGeom>
             <a:avLst/>
@@ -12195,7 +11760,1714 @@
           <a:lstStyle/>
           <a:p>
             <a:pPr algn="ctr"/>
+            <a:endParaRPr lang="zh-CN" altLang="en-US" dirty="0"/>
+          </a:p>
+        </p:txBody>
+      </p:sp>
+      <p:cxnSp>
+        <p:nvCxnSpPr>
+          <p:cNvPr id="3" name="连接符: 曲线 2">
+            <a:extLst>
+              <a:ext uri="{FF2B5EF4-FFF2-40B4-BE49-F238E27FC236}">
+                <a16:creationId xmlns:a16="http://schemas.microsoft.com/office/drawing/2014/main" id="{788CDEF0-F179-E1FA-CDBF-D3E21092BDC1}"/>
+              </a:ext>
+            </a:extLst>
+          </p:cNvPr>
+          <p:cNvCxnSpPr>
+            <a:cxnSpLocks/>
+            <a:stCxn id="16" idx="7"/>
+            <a:endCxn id="18" idx="0"/>
+          </p:cNvCxnSpPr>
+          <p:nvPr/>
+        </p:nvCxnSpPr>
+        <p:spPr>
+          <a:xfrm rot="5400000" flipH="1" flipV="1">
+            <a:off x="6521222" y="-444748"/>
+            <a:ext cx="421873" cy="6677436"/>
+          </a:xfrm>
+          <a:prstGeom prst="curvedConnector3">
+            <a:avLst>
+              <a:gd name="adj1" fmla="val 251272"/>
+            </a:avLst>
+          </a:prstGeom>
+          <a:ln>
+            <a:solidFill>
+              <a:srgbClr val="FF0000"/>
+            </a:solidFill>
+            <a:tailEnd type="triangle"/>
+          </a:ln>
+        </p:spPr>
+        <p:style>
+          <a:lnRef idx="2">
+            <a:schemeClr val="accent1"/>
+          </a:lnRef>
+          <a:fillRef idx="0">
+            <a:schemeClr val="accent1"/>
+          </a:fillRef>
+          <a:effectRef idx="1">
+            <a:schemeClr val="accent1"/>
+          </a:effectRef>
+          <a:fontRef idx="minor">
+            <a:schemeClr val="tx1"/>
+          </a:fontRef>
+        </p:style>
+      </p:cxnSp>
+      <p:sp>
+        <p:nvSpPr>
+          <p:cNvPr id="16" name="椭圆 15">
+            <a:extLst>
+              <a:ext uri="{FF2B5EF4-FFF2-40B4-BE49-F238E27FC236}">
+                <a16:creationId xmlns:a16="http://schemas.microsoft.com/office/drawing/2014/main" id="{50CDFBCA-3A98-B40F-22C8-6E474D3CA00E}"/>
+              </a:ext>
+            </a:extLst>
+          </p:cNvPr>
+          <p:cNvSpPr/>
+          <p:nvPr/>
+        </p:nvSpPr>
+        <p:spPr>
+          <a:xfrm>
+            <a:off x="3319693" y="3092253"/>
+            <a:ext cx="86400" cy="86400"/>
+          </a:xfrm>
+          <a:prstGeom prst="ellipse">
+            <a:avLst/>
+          </a:prstGeom>
+        </p:spPr>
+        <p:style>
+          <a:lnRef idx="2">
+            <a:schemeClr val="accent1">
+              <a:shade val="15000"/>
+            </a:schemeClr>
+          </a:lnRef>
+          <a:fillRef idx="1">
+            <a:schemeClr val="accent1"/>
+          </a:fillRef>
+          <a:effectRef idx="0">
+            <a:schemeClr val="accent1"/>
+          </a:effectRef>
+          <a:fontRef idx="minor">
+            <a:schemeClr val="lt1"/>
+          </a:fontRef>
+        </p:style>
+        <p:txBody>
+          <a:bodyPr rtlCol="0" anchor="ctr"/>
+          <a:lstStyle/>
+          <a:p>
+            <a:pPr algn="ctr"/>
             <a:endParaRPr lang="zh-CN" altLang="en-US"/>
+          </a:p>
+        </p:txBody>
+      </p:sp>
+      <p:sp>
+        <p:nvSpPr>
+          <p:cNvPr id="18" name="椭圆 17">
+            <a:extLst>
+              <a:ext uri="{FF2B5EF4-FFF2-40B4-BE49-F238E27FC236}">
+                <a16:creationId xmlns:a16="http://schemas.microsoft.com/office/drawing/2014/main" id="{92CF9036-0FA8-880D-820F-C3A365E23AE8}"/>
+              </a:ext>
+            </a:extLst>
+          </p:cNvPr>
+          <p:cNvSpPr/>
+          <p:nvPr/>
+        </p:nvSpPr>
+        <p:spPr>
+          <a:xfrm>
+            <a:off x="10027676" y="2683033"/>
+            <a:ext cx="86400" cy="86400"/>
+          </a:xfrm>
+          <a:prstGeom prst="ellipse">
+            <a:avLst/>
+          </a:prstGeom>
+        </p:spPr>
+        <p:style>
+          <a:lnRef idx="2">
+            <a:schemeClr val="accent1">
+              <a:shade val="15000"/>
+            </a:schemeClr>
+          </a:lnRef>
+          <a:fillRef idx="1">
+            <a:schemeClr val="accent1"/>
+          </a:fillRef>
+          <a:effectRef idx="0">
+            <a:schemeClr val="accent1"/>
+          </a:effectRef>
+          <a:fontRef idx="minor">
+            <a:schemeClr val="lt1"/>
+          </a:fontRef>
+        </p:style>
+        <p:txBody>
+          <a:bodyPr rtlCol="0" anchor="ctr"/>
+          <a:lstStyle/>
+          <a:p>
+            <a:pPr algn="ctr"/>
+            <a:endParaRPr lang="zh-CN" altLang="en-US"/>
+          </a:p>
+        </p:txBody>
+      </p:sp>
+      <p:sp>
+        <p:nvSpPr>
+          <p:cNvPr id="28" name="任意多边形: 形状 27">
+            <a:extLst>
+              <a:ext uri="{FF2B5EF4-FFF2-40B4-BE49-F238E27FC236}">
+                <a16:creationId xmlns:a16="http://schemas.microsoft.com/office/drawing/2014/main" id="{D6952EEA-3AB7-F8AA-6E38-6509AE9590E9}"/>
+              </a:ext>
+            </a:extLst>
+          </p:cNvPr>
+          <p:cNvSpPr/>
+          <p:nvPr/>
+        </p:nvSpPr>
+        <p:spPr>
+          <a:xfrm>
+            <a:off x="4364132" y="1762645"/>
+            <a:ext cx="895215" cy="3639845"/>
+          </a:xfrm>
+          <a:custGeom>
+            <a:avLst/>
+            <a:gdLst>
+              <a:gd name="connsiteX0" fmla="*/ 279672 w 895215"/>
+              <a:gd name="connsiteY0" fmla="*/ 38100 h 2451100"/>
+              <a:gd name="connsiteX1" fmla="*/ 209822 w 895215"/>
+              <a:gd name="connsiteY1" fmla="*/ 63500 h 2451100"/>
+              <a:gd name="connsiteX2" fmla="*/ 171722 w 895215"/>
+              <a:gd name="connsiteY2" fmla="*/ 114300 h 2451100"/>
+              <a:gd name="connsiteX3" fmla="*/ 152672 w 895215"/>
+              <a:gd name="connsiteY3" fmla="*/ 177800 h 2451100"/>
+              <a:gd name="connsiteX4" fmla="*/ 139972 w 895215"/>
+              <a:gd name="connsiteY4" fmla="*/ 228600 h 2451100"/>
+              <a:gd name="connsiteX5" fmla="*/ 133622 w 895215"/>
+              <a:gd name="connsiteY5" fmla="*/ 298450 h 2451100"/>
+              <a:gd name="connsiteX6" fmla="*/ 159022 w 895215"/>
+              <a:gd name="connsiteY6" fmla="*/ 400050 h 2451100"/>
+              <a:gd name="connsiteX7" fmla="*/ 178072 w 895215"/>
+              <a:gd name="connsiteY7" fmla="*/ 469900 h 2451100"/>
+              <a:gd name="connsiteX8" fmla="*/ 184422 w 895215"/>
+              <a:gd name="connsiteY8" fmla="*/ 514350 h 2451100"/>
+              <a:gd name="connsiteX9" fmla="*/ 203472 w 895215"/>
+              <a:gd name="connsiteY9" fmla="*/ 533400 h 2451100"/>
+              <a:gd name="connsiteX10" fmla="*/ 209822 w 895215"/>
+              <a:gd name="connsiteY10" fmla="*/ 558800 h 2451100"/>
+              <a:gd name="connsiteX11" fmla="*/ 184422 w 895215"/>
+              <a:gd name="connsiteY11" fmla="*/ 615950 h 2451100"/>
+              <a:gd name="connsiteX12" fmla="*/ 108222 w 895215"/>
+              <a:gd name="connsiteY12" fmla="*/ 673100 h 2451100"/>
+              <a:gd name="connsiteX13" fmla="*/ 70122 w 895215"/>
+              <a:gd name="connsiteY13" fmla="*/ 711200 h 2451100"/>
+              <a:gd name="connsiteX14" fmla="*/ 95522 w 895215"/>
+              <a:gd name="connsiteY14" fmla="*/ 933450 h 2451100"/>
+              <a:gd name="connsiteX15" fmla="*/ 127272 w 895215"/>
+              <a:gd name="connsiteY15" fmla="*/ 1028700 h 2451100"/>
+              <a:gd name="connsiteX16" fmla="*/ 120922 w 895215"/>
+              <a:gd name="connsiteY16" fmla="*/ 1168400 h 2451100"/>
+              <a:gd name="connsiteX17" fmla="*/ 95522 w 895215"/>
+              <a:gd name="connsiteY17" fmla="*/ 1257300 h 2451100"/>
+              <a:gd name="connsiteX18" fmla="*/ 82822 w 895215"/>
+              <a:gd name="connsiteY18" fmla="*/ 1320800 h 2451100"/>
+              <a:gd name="connsiteX19" fmla="*/ 114572 w 895215"/>
+              <a:gd name="connsiteY19" fmla="*/ 1435100 h 2451100"/>
+              <a:gd name="connsiteX20" fmla="*/ 127272 w 895215"/>
+              <a:gd name="connsiteY20" fmla="*/ 1454150 h 2451100"/>
+              <a:gd name="connsiteX21" fmla="*/ 152672 w 895215"/>
+              <a:gd name="connsiteY21" fmla="*/ 1587500 h 2451100"/>
+              <a:gd name="connsiteX22" fmla="*/ 171722 w 895215"/>
+              <a:gd name="connsiteY22" fmla="*/ 1657350 h 2451100"/>
+              <a:gd name="connsiteX23" fmla="*/ 235222 w 895215"/>
+              <a:gd name="connsiteY23" fmla="*/ 1733550 h 2451100"/>
+              <a:gd name="connsiteX24" fmla="*/ 254272 w 895215"/>
+              <a:gd name="connsiteY24" fmla="*/ 1758950 h 2451100"/>
+              <a:gd name="connsiteX25" fmla="*/ 209822 w 895215"/>
+              <a:gd name="connsiteY25" fmla="*/ 1917700 h 2451100"/>
+              <a:gd name="connsiteX26" fmla="*/ 127272 w 895215"/>
+              <a:gd name="connsiteY26" fmla="*/ 2025650 h 2451100"/>
+              <a:gd name="connsiteX27" fmla="*/ 108222 w 895215"/>
+              <a:gd name="connsiteY27" fmla="*/ 2038350 h 2451100"/>
+              <a:gd name="connsiteX28" fmla="*/ 82822 w 895215"/>
+              <a:gd name="connsiteY28" fmla="*/ 2070100 h 2451100"/>
+              <a:gd name="connsiteX29" fmla="*/ 76472 w 895215"/>
+              <a:gd name="connsiteY29" fmla="*/ 2095500 h 2451100"/>
+              <a:gd name="connsiteX30" fmla="*/ 25672 w 895215"/>
+              <a:gd name="connsiteY30" fmla="*/ 2152650 h 2451100"/>
+              <a:gd name="connsiteX31" fmla="*/ 272 w 895215"/>
+              <a:gd name="connsiteY31" fmla="*/ 2260600 h 2451100"/>
+              <a:gd name="connsiteX32" fmla="*/ 6622 w 895215"/>
+              <a:gd name="connsiteY32" fmla="*/ 2317750 h 2451100"/>
+              <a:gd name="connsiteX33" fmla="*/ 70122 w 895215"/>
+              <a:gd name="connsiteY33" fmla="*/ 2368550 h 2451100"/>
+              <a:gd name="connsiteX34" fmla="*/ 89172 w 895215"/>
+              <a:gd name="connsiteY34" fmla="*/ 2381250 h 2451100"/>
+              <a:gd name="connsiteX35" fmla="*/ 114572 w 895215"/>
+              <a:gd name="connsiteY35" fmla="*/ 2400300 h 2451100"/>
+              <a:gd name="connsiteX36" fmla="*/ 146322 w 895215"/>
+              <a:gd name="connsiteY36" fmla="*/ 2406650 h 2451100"/>
+              <a:gd name="connsiteX37" fmla="*/ 190772 w 895215"/>
+              <a:gd name="connsiteY37" fmla="*/ 2425700 h 2451100"/>
+              <a:gd name="connsiteX38" fmla="*/ 330472 w 895215"/>
+              <a:gd name="connsiteY38" fmla="*/ 2444750 h 2451100"/>
+              <a:gd name="connsiteX39" fmla="*/ 387622 w 895215"/>
+              <a:gd name="connsiteY39" fmla="*/ 2451100 h 2451100"/>
+              <a:gd name="connsiteX40" fmla="*/ 571772 w 895215"/>
+              <a:gd name="connsiteY40" fmla="*/ 2425700 h 2451100"/>
+              <a:gd name="connsiteX41" fmla="*/ 590822 w 895215"/>
+              <a:gd name="connsiteY41" fmla="*/ 2374900 h 2451100"/>
+              <a:gd name="connsiteX42" fmla="*/ 628922 w 895215"/>
+              <a:gd name="connsiteY42" fmla="*/ 2317750 h 2451100"/>
+              <a:gd name="connsiteX43" fmla="*/ 641622 w 895215"/>
+              <a:gd name="connsiteY43" fmla="*/ 2279650 h 2451100"/>
+              <a:gd name="connsiteX44" fmla="*/ 660672 w 895215"/>
+              <a:gd name="connsiteY44" fmla="*/ 2241550 h 2451100"/>
+              <a:gd name="connsiteX45" fmla="*/ 673372 w 895215"/>
+              <a:gd name="connsiteY45" fmla="*/ 2184400 h 2451100"/>
+              <a:gd name="connsiteX46" fmla="*/ 686072 w 895215"/>
+              <a:gd name="connsiteY46" fmla="*/ 2139950 h 2451100"/>
+              <a:gd name="connsiteX47" fmla="*/ 692422 w 895215"/>
+              <a:gd name="connsiteY47" fmla="*/ 2089150 h 2451100"/>
+              <a:gd name="connsiteX48" fmla="*/ 698772 w 895215"/>
+              <a:gd name="connsiteY48" fmla="*/ 1987550 h 2451100"/>
+              <a:gd name="connsiteX49" fmla="*/ 711472 w 895215"/>
+              <a:gd name="connsiteY49" fmla="*/ 1943100 h 2451100"/>
+              <a:gd name="connsiteX50" fmla="*/ 717822 w 895215"/>
+              <a:gd name="connsiteY50" fmla="*/ 1885950 h 2451100"/>
+              <a:gd name="connsiteX51" fmla="*/ 749572 w 895215"/>
+              <a:gd name="connsiteY51" fmla="*/ 1670050 h 2451100"/>
+              <a:gd name="connsiteX52" fmla="*/ 755922 w 895215"/>
+              <a:gd name="connsiteY52" fmla="*/ 1638300 h 2451100"/>
+              <a:gd name="connsiteX53" fmla="*/ 762272 w 895215"/>
+              <a:gd name="connsiteY53" fmla="*/ 1619250 h 2451100"/>
+              <a:gd name="connsiteX54" fmla="*/ 768622 w 895215"/>
+              <a:gd name="connsiteY54" fmla="*/ 1581150 h 2451100"/>
+              <a:gd name="connsiteX55" fmla="*/ 774972 w 895215"/>
+              <a:gd name="connsiteY55" fmla="*/ 1555750 h 2451100"/>
+              <a:gd name="connsiteX56" fmla="*/ 787672 w 895215"/>
+              <a:gd name="connsiteY56" fmla="*/ 1485900 h 2451100"/>
+              <a:gd name="connsiteX57" fmla="*/ 794022 w 895215"/>
+              <a:gd name="connsiteY57" fmla="*/ 1460500 h 2451100"/>
+              <a:gd name="connsiteX58" fmla="*/ 863872 w 895215"/>
+              <a:gd name="connsiteY58" fmla="*/ 1377950 h 2451100"/>
+              <a:gd name="connsiteX59" fmla="*/ 882922 w 895215"/>
+              <a:gd name="connsiteY59" fmla="*/ 1352550 h 2451100"/>
+              <a:gd name="connsiteX60" fmla="*/ 863872 w 895215"/>
+              <a:gd name="connsiteY60" fmla="*/ 1212850 h 2451100"/>
+              <a:gd name="connsiteX61" fmla="*/ 825772 w 895215"/>
+              <a:gd name="connsiteY61" fmla="*/ 1193800 h 2451100"/>
+              <a:gd name="connsiteX62" fmla="*/ 806722 w 895215"/>
+              <a:gd name="connsiteY62" fmla="*/ 1174750 h 2451100"/>
+              <a:gd name="connsiteX63" fmla="*/ 743222 w 895215"/>
+              <a:gd name="connsiteY63" fmla="*/ 1111250 h 2451100"/>
+              <a:gd name="connsiteX64" fmla="*/ 724172 w 895215"/>
+              <a:gd name="connsiteY64" fmla="*/ 1016000 h 2451100"/>
+              <a:gd name="connsiteX65" fmla="*/ 768622 w 895215"/>
+              <a:gd name="connsiteY65" fmla="*/ 895350 h 2451100"/>
+              <a:gd name="connsiteX66" fmla="*/ 825772 w 895215"/>
+              <a:gd name="connsiteY66" fmla="*/ 806450 h 2451100"/>
+              <a:gd name="connsiteX67" fmla="*/ 838472 w 895215"/>
+              <a:gd name="connsiteY67" fmla="*/ 768350 h 2451100"/>
+              <a:gd name="connsiteX68" fmla="*/ 863872 w 895215"/>
+              <a:gd name="connsiteY68" fmla="*/ 730250 h 2451100"/>
+              <a:gd name="connsiteX69" fmla="*/ 844822 w 895215"/>
+              <a:gd name="connsiteY69" fmla="*/ 514350 h 2451100"/>
+              <a:gd name="connsiteX70" fmla="*/ 838472 w 895215"/>
+              <a:gd name="connsiteY70" fmla="*/ 482600 h 2451100"/>
+              <a:gd name="connsiteX71" fmla="*/ 825772 w 895215"/>
+              <a:gd name="connsiteY71" fmla="*/ 444500 h 2451100"/>
+              <a:gd name="connsiteX72" fmla="*/ 813072 w 895215"/>
+              <a:gd name="connsiteY72" fmla="*/ 412750 h 2451100"/>
+              <a:gd name="connsiteX73" fmla="*/ 781322 w 895215"/>
+              <a:gd name="connsiteY73" fmla="*/ 381000 h 2451100"/>
+              <a:gd name="connsiteX74" fmla="*/ 774972 w 895215"/>
+              <a:gd name="connsiteY74" fmla="*/ 355600 h 2451100"/>
+              <a:gd name="connsiteX75" fmla="*/ 755922 w 895215"/>
+              <a:gd name="connsiteY75" fmla="*/ 349250 h 2451100"/>
+              <a:gd name="connsiteX76" fmla="*/ 686072 w 895215"/>
+              <a:gd name="connsiteY76" fmla="*/ 304800 h 2451100"/>
+              <a:gd name="connsiteX77" fmla="*/ 679722 w 895215"/>
+              <a:gd name="connsiteY77" fmla="*/ 266700 h 2451100"/>
+              <a:gd name="connsiteX78" fmla="*/ 667022 w 895215"/>
+              <a:gd name="connsiteY78" fmla="*/ 50800 h 2451100"/>
+              <a:gd name="connsiteX79" fmla="*/ 628922 w 895215"/>
+              <a:gd name="connsiteY79" fmla="*/ 38100 h 2451100"/>
+              <a:gd name="connsiteX80" fmla="*/ 533672 w 895215"/>
+              <a:gd name="connsiteY80" fmla="*/ 0 h 2451100"/>
+              <a:gd name="connsiteX81" fmla="*/ 374922 w 895215"/>
+              <a:gd name="connsiteY81" fmla="*/ 12700 h 2451100"/>
+              <a:gd name="connsiteX82" fmla="*/ 343172 w 895215"/>
+              <a:gd name="connsiteY82" fmla="*/ 25400 h 2451100"/>
+              <a:gd name="connsiteX83" fmla="*/ 279672 w 895215"/>
+              <a:gd name="connsiteY83" fmla="*/ 38100 h 2451100"/>
+            </a:gdLst>
+            <a:ahLst/>
+            <a:cxnLst>
+              <a:cxn ang="0">
+                <a:pos x="connsiteX0" y="connsiteY0"/>
+              </a:cxn>
+              <a:cxn ang="0">
+                <a:pos x="connsiteX1" y="connsiteY1"/>
+              </a:cxn>
+              <a:cxn ang="0">
+                <a:pos x="connsiteX2" y="connsiteY2"/>
+              </a:cxn>
+              <a:cxn ang="0">
+                <a:pos x="connsiteX3" y="connsiteY3"/>
+              </a:cxn>
+              <a:cxn ang="0">
+                <a:pos x="connsiteX4" y="connsiteY4"/>
+              </a:cxn>
+              <a:cxn ang="0">
+                <a:pos x="connsiteX5" y="connsiteY5"/>
+              </a:cxn>
+              <a:cxn ang="0">
+                <a:pos x="connsiteX6" y="connsiteY6"/>
+              </a:cxn>
+              <a:cxn ang="0">
+                <a:pos x="connsiteX7" y="connsiteY7"/>
+              </a:cxn>
+              <a:cxn ang="0">
+                <a:pos x="connsiteX8" y="connsiteY8"/>
+              </a:cxn>
+              <a:cxn ang="0">
+                <a:pos x="connsiteX9" y="connsiteY9"/>
+              </a:cxn>
+              <a:cxn ang="0">
+                <a:pos x="connsiteX10" y="connsiteY10"/>
+              </a:cxn>
+              <a:cxn ang="0">
+                <a:pos x="connsiteX11" y="connsiteY11"/>
+              </a:cxn>
+              <a:cxn ang="0">
+                <a:pos x="connsiteX12" y="connsiteY12"/>
+              </a:cxn>
+              <a:cxn ang="0">
+                <a:pos x="connsiteX13" y="connsiteY13"/>
+              </a:cxn>
+              <a:cxn ang="0">
+                <a:pos x="connsiteX14" y="connsiteY14"/>
+              </a:cxn>
+              <a:cxn ang="0">
+                <a:pos x="connsiteX15" y="connsiteY15"/>
+              </a:cxn>
+              <a:cxn ang="0">
+                <a:pos x="connsiteX16" y="connsiteY16"/>
+              </a:cxn>
+              <a:cxn ang="0">
+                <a:pos x="connsiteX17" y="connsiteY17"/>
+              </a:cxn>
+              <a:cxn ang="0">
+                <a:pos x="connsiteX18" y="connsiteY18"/>
+              </a:cxn>
+              <a:cxn ang="0">
+                <a:pos x="connsiteX19" y="connsiteY19"/>
+              </a:cxn>
+              <a:cxn ang="0">
+                <a:pos x="connsiteX20" y="connsiteY20"/>
+              </a:cxn>
+              <a:cxn ang="0">
+                <a:pos x="connsiteX21" y="connsiteY21"/>
+              </a:cxn>
+              <a:cxn ang="0">
+                <a:pos x="connsiteX22" y="connsiteY22"/>
+              </a:cxn>
+              <a:cxn ang="0">
+                <a:pos x="connsiteX23" y="connsiteY23"/>
+              </a:cxn>
+              <a:cxn ang="0">
+                <a:pos x="connsiteX24" y="connsiteY24"/>
+              </a:cxn>
+              <a:cxn ang="0">
+                <a:pos x="connsiteX25" y="connsiteY25"/>
+              </a:cxn>
+              <a:cxn ang="0">
+                <a:pos x="connsiteX26" y="connsiteY26"/>
+              </a:cxn>
+              <a:cxn ang="0">
+                <a:pos x="connsiteX27" y="connsiteY27"/>
+              </a:cxn>
+              <a:cxn ang="0">
+                <a:pos x="connsiteX28" y="connsiteY28"/>
+              </a:cxn>
+              <a:cxn ang="0">
+                <a:pos x="connsiteX29" y="connsiteY29"/>
+              </a:cxn>
+              <a:cxn ang="0">
+                <a:pos x="connsiteX30" y="connsiteY30"/>
+              </a:cxn>
+              <a:cxn ang="0">
+                <a:pos x="connsiteX31" y="connsiteY31"/>
+              </a:cxn>
+              <a:cxn ang="0">
+                <a:pos x="connsiteX32" y="connsiteY32"/>
+              </a:cxn>
+              <a:cxn ang="0">
+                <a:pos x="connsiteX33" y="connsiteY33"/>
+              </a:cxn>
+              <a:cxn ang="0">
+                <a:pos x="connsiteX34" y="connsiteY34"/>
+              </a:cxn>
+              <a:cxn ang="0">
+                <a:pos x="connsiteX35" y="connsiteY35"/>
+              </a:cxn>
+              <a:cxn ang="0">
+                <a:pos x="connsiteX36" y="connsiteY36"/>
+              </a:cxn>
+              <a:cxn ang="0">
+                <a:pos x="connsiteX37" y="connsiteY37"/>
+              </a:cxn>
+              <a:cxn ang="0">
+                <a:pos x="connsiteX38" y="connsiteY38"/>
+              </a:cxn>
+              <a:cxn ang="0">
+                <a:pos x="connsiteX39" y="connsiteY39"/>
+              </a:cxn>
+              <a:cxn ang="0">
+                <a:pos x="connsiteX40" y="connsiteY40"/>
+              </a:cxn>
+              <a:cxn ang="0">
+                <a:pos x="connsiteX41" y="connsiteY41"/>
+              </a:cxn>
+              <a:cxn ang="0">
+                <a:pos x="connsiteX42" y="connsiteY42"/>
+              </a:cxn>
+              <a:cxn ang="0">
+                <a:pos x="connsiteX43" y="connsiteY43"/>
+              </a:cxn>
+              <a:cxn ang="0">
+                <a:pos x="connsiteX44" y="connsiteY44"/>
+              </a:cxn>
+              <a:cxn ang="0">
+                <a:pos x="connsiteX45" y="connsiteY45"/>
+              </a:cxn>
+              <a:cxn ang="0">
+                <a:pos x="connsiteX46" y="connsiteY46"/>
+              </a:cxn>
+              <a:cxn ang="0">
+                <a:pos x="connsiteX47" y="connsiteY47"/>
+              </a:cxn>
+              <a:cxn ang="0">
+                <a:pos x="connsiteX48" y="connsiteY48"/>
+              </a:cxn>
+              <a:cxn ang="0">
+                <a:pos x="connsiteX49" y="connsiteY49"/>
+              </a:cxn>
+              <a:cxn ang="0">
+                <a:pos x="connsiteX50" y="connsiteY50"/>
+              </a:cxn>
+              <a:cxn ang="0">
+                <a:pos x="connsiteX51" y="connsiteY51"/>
+              </a:cxn>
+              <a:cxn ang="0">
+                <a:pos x="connsiteX52" y="connsiteY52"/>
+              </a:cxn>
+              <a:cxn ang="0">
+                <a:pos x="connsiteX53" y="connsiteY53"/>
+              </a:cxn>
+              <a:cxn ang="0">
+                <a:pos x="connsiteX54" y="connsiteY54"/>
+              </a:cxn>
+              <a:cxn ang="0">
+                <a:pos x="connsiteX55" y="connsiteY55"/>
+              </a:cxn>
+              <a:cxn ang="0">
+                <a:pos x="connsiteX56" y="connsiteY56"/>
+              </a:cxn>
+              <a:cxn ang="0">
+                <a:pos x="connsiteX57" y="connsiteY57"/>
+              </a:cxn>
+              <a:cxn ang="0">
+                <a:pos x="connsiteX58" y="connsiteY58"/>
+              </a:cxn>
+              <a:cxn ang="0">
+                <a:pos x="connsiteX59" y="connsiteY59"/>
+              </a:cxn>
+              <a:cxn ang="0">
+                <a:pos x="connsiteX60" y="connsiteY60"/>
+              </a:cxn>
+              <a:cxn ang="0">
+                <a:pos x="connsiteX61" y="connsiteY61"/>
+              </a:cxn>
+              <a:cxn ang="0">
+                <a:pos x="connsiteX62" y="connsiteY62"/>
+              </a:cxn>
+              <a:cxn ang="0">
+                <a:pos x="connsiteX63" y="connsiteY63"/>
+              </a:cxn>
+              <a:cxn ang="0">
+                <a:pos x="connsiteX64" y="connsiteY64"/>
+              </a:cxn>
+              <a:cxn ang="0">
+                <a:pos x="connsiteX65" y="connsiteY65"/>
+              </a:cxn>
+              <a:cxn ang="0">
+                <a:pos x="connsiteX66" y="connsiteY66"/>
+              </a:cxn>
+              <a:cxn ang="0">
+                <a:pos x="connsiteX67" y="connsiteY67"/>
+              </a:cxn>
+              <a:cxn ang="0">
+                <a:pos x="connsiteX68" y="connsiteY68"/>
+              </a:cxn>
+              <a:cxn ang="0">
+                <a:pos x="connsiteX69" y="connsiteY69"/>
+              </a:cxn>
+              <a:cxn ang="0">
+                <a:pos x="connsiteX70" y="connsiteY70"/>
+              </a:cxn>
+              <a:cxn ang="0">
+                <a:pos x="connsiteX71" y="connsiteY71"/>
+              </a:cxn>
+              <a:cxn ang="0">
+                <a:pos x="connsiteX72" y="connsiteY72"/>
+              </a:cxn>
+              <a:cxn ang="0">
+                <a:pos x="connsiteX73" y="connsiteY73"/>
+              </a:cxn>
+              <a:cxn ang="0">
+                <a:pos x="connsiteX74" y="connsiteY74"/>
+              </a:cxn>
+              <a:cxn ang="0">
+                <a:pos x="connsiteX75" y="connsiteY75"/>
+              </a:cxn>
+              <a:cxn ang="0">
+                <a:pos x="connsiteX76" y="connsiteY76"/>
+              </a:cxn>
+              <a:cxn ang="0">
+                <a:pos x="connsiteX77" y="connsiteY77"/>
+              </a:cxn>
+              <a:cxn ang="0">
+                <a:pos x="connsiteX78" y="connsiteY78"/>
+              </a:cxn>
+              <a:cxn ang="0">
+                <a:pos x="connsiteX79" y="connsiteY79"/>
+              </a:cxn>
+              <a:cxn ang="0">
+                <a:pos x="connsiteX80" y="connsiteY80"/>
+              </a:cxn>
+              <a:cxn ang="0">
+                <a:pos x="connsiteX81" y="connsiteY81"/>
+              </a:cxn>
+              <a:cxn ang="0">
+                <a:pos x="connsiteX82" y="connsiteY82"/>
+              </a:cxn>
+              <a:cxn ang="0">
+                <a:pos x="connsiteX83" y="connsiteY83"/>
+              </a:cxn>
+            </a:cxnLst>
+            <a:rect l="l" t="t" r="r" b="b"/>
+            <a:pathLst>
+              <a:path w="895215" h="2451100">
+                <a:moveTo>
+                  <a:pt x="279672" y="38100"/>
+                </a:moveTo>
+                <a:cubicBezTo>
+                  <a:pt x="257447" y="44450"/>
+                  <a:pt x="231981" y="52420"/>
+                  <a:pt x="209822" y="63500"/>
+                </a:cubicBezTo>
+                <a:cubicBezTo>
+                  <a:pt x="195131" y="70845"/>
+                  <a:pt x="177407" y="102930"/>
+                  <a:pt x="171722" y="114300"/>
+                </a:cubicBezTo>
+                <a:cubicBezTo>
+                  <a:pt x="156003" y="145737"/>
+                  <a:pt x="160320" y="144657"/>
+                  <a:pt x="152672" y="177800"/>
+                </a:cubicBezTo>
+                <a:cubicBezTo>
+                  <a:pt x="148747" y="194807"/>
+                  <a:pt x="144205" y="211667"/>
+                  <a:pt x="139972" y="228600"/>
+                </a:cubicBezTo>
+                <a:cubicBezTo>
+                  <a:pt x="137855" y="251883"/>
+                  <a:pt x="131040" y="275214"/>
+                  <a:pt x="133622" y="298450"/>
+                </a:cubicBezTo>
+                <a:cubicBezTo>
+                  <a:pt x="137477" y="333145"/>
+                  <a:pt x="151285" y="366009"/>
+                  <a:pt x="159022" y="400050"/>
+                </a:cubicBezTo>
+                <a:cubicBezTo>
+                  <a:pt x="174171" y="466707"/>
+                  <a:pt x="154459" y="410868"/>
+                  <a:pt x="178072" y="469900"/>
+                </a:cubicBezTo>
+                <a:cubicBezTo>
+                  <a:pt x="180189" y="484717"/>
+                  <a:pt x="178863" y="500453"/>
+                  <a:pt x="184422" y="514350"/>
+                </a:cubicBezTo>
+                <a:cubicBezTo>
+                  <a:pt x="187757" y="522688"/>
+                  <a:pt x="199017" y="525603"/>
+                  <a:pt x="203472" y="533400"/>
+                </a:cubicBezTo>
+                <a:cubicBezTo>
+                  <a:pt x="207802" y="540977"/>
+                  <a:pt x="207705" y="550333"/>
+                  <a:pt x="209822" y="558800"/>
+                </a:cubicBezTo>
+                <a:cubicBezTo>
+                  <a:pt x="201355" y="577850"/>
+                  <a:pt x="196288" y="598810"/>
+                  <a:pt x="184422" y="615950"/>
+                </a:cubicBezTo>
+                <a:cubicBezTo>
+                  <a:pt x="178866" y="623975"/>
+                  <a:pt x="109408" y="672096"/>
+                  <a:pt x="108222" y="673100"/>
+                </a:cubicBezTo>
+                <a:cubicBezTo>
+                  <a:pt x="94511" y="684701"/>
+                  <a:pt x="82822" y="698500"/>
+                  <a:pt x="70122" y="711200"/>
+                </a:cubicBezTo>
+                <a:cubicBezTo>
+                  <a:pt x="78589" y="785283"/>
+                  <a:pt x="84538" y="859698"/>
+                  <a:pt x="95522" y="933450"/>
+                </a:cubicBezTo>
+                <a:cubicBezTo>
+                  <a:pt x="105543" y="1000734"/>
+                  <a:pt x="103220" y="992623"/>
+                  <a:pt x="127272" y="1028700"/>
+                </a:cubicBezTo>
+                <a:cubicBezTo>
+                  <a:pt x="125155" y="1075267"/>
+                  <a:pt x="127335" y="1122228"/>
+                  <a:pt x="120922" y="1168400"/>
+                </a:cubicBezTo>
+                <a:cubicBezTo>
+                  <a:pt x="116682" y="1198926"/>
+                  <a:pt x="102997" y="1227401"/>
+                  <a:pt x="95522" y="1257300"/>
+                </a:cubicBezTo>
+                <a:cubicBezTo>
+                  <a:pt x="86049" y="1295191"/>
+                  <a:pt x="90607" y="1274092"/>
+                  <a:pt x="82822" y="1320800"/>
+                </a:cubicBezTo>
+                <a:cubicBezTo>
+                  <a:pt x="93405" y="1358900"/>
+                  <a:pt x="102068" y="1397587"/>
+                  <a:pt x="114572" y="1435100"/>
+                </a:cubicBezTo>
+                <a:cubicBezTo>
+                  <a:pt x="116985" y="1442340"/>
+                  <a:pt x="126193" y="1446595"/>
+                  <a:pt x="127272" y="1454150"/>
+                </a:cubicBezTo>
+                <a:cubicBezTo>
+                  <a:pt x="146675" y="1589971"/>
+                  <a:pt x="103685" y="1538513"/>
+                  <a:pt x="152672" y="1587500"/>
+                </a:cubicBezTo>
+                <a:cubicBezTo>
+                  <a:pt x="156221" y="1601695"/>
+                  <a:pt x="168170" y="1650689"/>
+                  <a:pt x="171722" y="1657350"/>
+                </a:cubicBezTo>
+                <a:cubicBezTo>
+                  <a:pt x="197427" y="1705547"/>
+                  <a:pt x="205931" y="1700074"/>
+                  <a:pt x="235222" y="1733550"/>
+                </a:cubicBezTo>
+                <a:cubicBezTo>
+                  <a:pt x="242191" y="1741515"/>
+                  <a:pt x="247922" y="1750483"/>
+                  <a:pt x="254272" y="1758950"/>
+                </a:cubicBezTo>
+                <a:cubicBezTo>
+                  <a:pt x="239455" y="1811867"/>
+                  <a:pt x="228111" y="1865881"/>
+                  <a:pt x="209822" y="1917700"/>
+                </a:cubicBezTo>
+                <a:cubicBezTo>
+                  <a:pt x="196400" y="1955728"/>
+                  <a:pt x="160561" y="2003457"/>
+                  <a:pt x="127272" y="2025650"/>
+                </a:cubicBezTo>
+                <a:cubicBezTo>
+                  <a:pt x="120922" y="2029883"/>
+                  <a:pt x="113618" y="2032954"/>
+                  <a:pt x="108222" y="2038350"/>
+                </a:cubicBezTo>
+                <a:cubicBezTo>
+                  <a:pt x="98638" y="2047934"/>
+                  <a:pt x="91289" y="2059517"/>
+                  <a:pt x="82822" y="2070100"/>
+                </a:cubicBezTo>
+                <a:cubicBezTo>
+                  <a:pt x="80705" y="2078567"/>
+                  <a:pt x="80375" y="2087694"/>
+                  <a:pt x="76472" y="2095500"/>
+                </a:cubicBezTo>
+                <a:cubicBezTo>
+                  <a:pt x="67129" y="2114187"/>
+                  <a:pt x="38478" y="2139844"/>
+                  <a:pt x="25672" y="2152650"/>
+                </a:cubicBezTo>
+                <a:cubicBezTo>
+                  <a:pt x="8639" y="2195232"/>
+                  <a:pt x="3029" y="2202698"/>
+                  <a:pt x="272" y="2260600"/>
+                </a:cubicBezTo>
+                <a:cubicBezTo>
+                  <a:pt x="-640" y="2279746"/>
+                  <a:pt x="561" y="2299566"/>
+                  <a:pt x="6622" y="2317750"/>
+                </a:cubicBezTo>
+                <a:cubicBezTo>
+                  <a:pt x="22787" y="2366245"/>
+                  <a:pt x="32154" y="2351675"/>
+                  <a:pt x="70122" y="2368550"/>
+                </a:cubicBezTo>
+                <a:cubicBezTo>
+                  <a:pt x="77096" y="2371650"/>
+                  <a:pt x="82962" y="2376814"/>
+                  <a:pt x="89172" y="2381250"/>
+                </a:cubicBezTo>
+                <a:cubicBezTo>
+                  <a:pt x="97784" y="2387401"/>
+                  <a:pt x="104901" y="2396002"/>
+                  <a:pt x="114572" y="2400300"/>
+                </a:cubicBezTo>
+                <a:cubicBezTo>
+                  <a:pt x="124435" y="2404683"/>
+                  <a:pt x="135739" y="2404533"/>
+                  <a:pt x="146322" y="2406650"/>
+                </a:cubicBezTo>
+                <a:cubicBezTo>
+                  <a:pt x="161139" y="2413000"/>
+                  <a:pt x="175307" y="2421151"/>
+                  <a:pt x="190772" y="2425700"/>
+                </a:cubicBezTo>
+                <a:cubicBezTo>
+                  <a:pt x="242340" y="2440867"/>
+                  <a:pt x="276361" y="2439597"/>
+                  <a:pt x="330472" y="2444750"/>
+                </a:cubicBezTo>
+                <a:cubicBezTo>
+                  <a:pt x="349553" y="2446567"/>
+                  <a:pt x="368572" y="2448983"/>
+                  <a:pt x="387622" y="2451100"/>
+                </a:cubicBezTo>
+                <a:cubicBezTo>
+                  <a:pt x="449005" y="2442633"/>
+                  <a:pt x="512265" y="2442976"/>
+                  <a:pt x="571772" y="2425700"/>
+                </a:cubicBezTo>
+                <a:cubicBezTo>
+                  <a:pt x="578486" y="2423751"/>
+                  <a:pt x="585842" y="2383615"/>
+                  <a:pt x="590822" y="2374900"/>
+                </a:cubicBezTo>
+                <a:cubicBezTo>
+                  <a:pt x="616879" y="2329300"/>
+                  <a:pt x="604892" y="2370617"/>
+                  <a:pt x="628922" y="2317750"/>
+                </a:cubicBezTo>
+                <a:cubicBezTo>
+                  <a:pt x="634462" y="2305563"/>
+                  <a:pt x="636473" y="2292007"/>
+                  <a:pt x="641622" y="2279650"/>
+                </a:cubicBezTo>
+                <a:cubicBezTo>
+                  <a:pt x="647083" y="2266543"/>
+                  <a:pt x="655399" y="2254733"/>
+                  <a:pt x="660672" y="2241550"/>
+                </a:cubicBezTo>
+                <a:cubicBezTo>
+                  <a:pt x="665018" y="2230686"/>
+                  <a:pt x="671026" y="2193783"/>
+                  <a:pt x="673372" y="2184400"/>
+                </a:cubicBezTo>
+                <a:cubicBezTo>
+                  <a:pt x="677109" y="2169451"/>
+                  <a:pt x="681839" y="2154767"/>
+                  <a:pt x="686072" y="2139950"/>
+                </a:cubicBezTo>
+                <a:cubicBezTo>
+                  <a:pt x="688189" y="2123017"/>
+                  <a:pt x="691005" y="2106156"/>
+                  <a:pt x="692422" y="2089150"/>
+                </a:cubicBezTo>
+                <a:cubicBezTo>
+                  <a:pt x="695240" y="2055334"/>
+                  <a:pt x="694383" y="2021198"/>
+                  <a:pt x="698772" y="1987550"/>
+                </a:cubicBezTo>
+                <a:cubicBezTo>
+                  <a:pt x="700765" y="1972270"/>
+                  <a:pt x="707239" y="1957917"/>
+                  <a:pt x="711472" y="1943100"/>
+                </a:cubicBezTo>
+                <a:cubicBezTo>
+                  <a:pt x="713589" y="1924050"/>
+                  <a:pt x="716388" y="1905064"/>
+                  <a:pt x="717822" y="1885950"/>
+                </a:cubicBezTo>
+                <a:cubicBezTo>
+                  <a:pt x="733433" y="1677806"/>
+                  <a:pt x="683709" y="1735913"/>
+                  <a:pt x="749572" y="1670050"/>
+                </a:cubicBezTo>
+                <a:cubicBezTo>
+                  <a:pt x="751689" y="1659467"/>
+                  <a:pt x="753304" y="1648771"/>
+                  <a:pt x="755922" y="1638300"/>
+                </a:cubicBezTo>
+                <a:cubicBezTo>
+                  <a:pt x="757545" y="1631806"/>
+                  <a:pt x="760820" y="1625784"/>
+                  <a:pt x="762272" y="1619250"/>
+                </a:cubicBezTo>
+                <a:cubicBezTo>
+                  <a:pt x="765065" y="1606681"/>
+                  <a:pt x="766097" y="1593775"/>
+                  <a:pt x="768622" y="1581150"/>
+                </a:cubicBezTo>
+                <a:cubicBezTo>
+                  <a:pt x="770334" y="1572592"/>
+                  <a:pt x="773260" y="1564308"/>
+                  <a:pt x="774972" y="1555750"/>
+                </a:cubicBezTo>
+                <a:cubicBezTo>
+                  <a:pt x="779613" y="1532545"/>
+                  <a:pt x="783031" y="1509105"/>
+                  <a:pt x="787672" y="1485900"/>
+                </a:cubicBezTo>
+                <a:cubicBezTo>
+                  <a:pt x="789384" y="1477342"/>
+                  <a:pt x="789448" y="1467933"/>
+                  <a:pt x="794022" y="1460500"/>
+                </a:cubicBezTo>
+                <a:cubicBezTo>
+                  <a:pt x="834731" y="1394348"/>
+                  <a:pt x="826910" y="1420192"/>
+                  <a:pt x="863872" y="1377950"/>
+                </a:cubicBezTo>
+                <a:cubicBezTo>
+                  <a:pt x="870841" y="1369985"/>
+                  <a:pt x="876572" y="1361017"/>
+                  <a:pt x="882922" y="1352550"/>
+                </a:cubicBezTo>
+                <a:cubicBezTo>
+                  <a:pt x="900130" y="1300927"/>
+                  <a:pt x="903783" y="1300654"/>
+                  <a:pt x="863872" y="1212850"/>
+                </a:cubicBezTo>
+                <a:cubicBezTo>
+                  <a:pt x="857996" y="1199924"/>
+                  <a:pt x="837586" y="1201676"/>
+                  <a:pt x="825772" y="1193800"/>
+                </a:cubicBezTo>
+                <a:cubicBezTo>
+                  <a:pt x="818300" y="1188819"/>
+                  <a:pt x="813480" y="1180664"/>
+                  <a:pt x="806722" y="1174750"/>
+                </a:cubicBezTo>
+                <a:cubicBezTo>
+                  <a:pt x="751757" y="1126656"/>
+                  <a:pt x="796219" y="1174847"/>
+                  <a:pt x="743222" y="1111250"/>
+                </a:cubicBezTo>
+                <a:cubicBezTo>
+                  <a:pt x="732272" y="1078399"/>
+                  <a:pt x="720817" y="1052905"/>
+                  <a:pt x="724172" y="1016000"/>
+                </a:cubicBezTo>
+                <a:cubicBezTo>
+                  <a:pt x="732266" y="926961"/>
+                  <a:pt x="735334" y="952415"/>
+                  <a:pt x="768622" y="895350"/>
+                </a:cubicBezTo>
+                <a:cubicBezTo>
+                  <a:pt x="818525" y="809802"/>
+                  <a:pt x="747271" y="911118"/>
+                  <a:pt x="825772" y="806450"/>
+                </a:cubicBezTo>
+                <a:cubicBezTo>
+                  <a:pt x="830005" y="793750"/>
+                  <a:pt x="832485" y="780324"/>
+                  <a:pt x="838472" y="768350"/>
+                </a:cubicBezTo>
+                <a:cubicBezTo>
+                  <a:pt x="845298" y="754698"/>
+                  <a:pt x="863491" y="745509"/>
+                  <a:pt x="863872" y="730250"/>
+                </a:cubicBezTo>
+                <a:cubicBezTo>
+                  <a:pt x="865678" y="658026"/>
+                  <a:pt x="852193" y="586219"/>
+                  <a:pt x="844822" y="514350"/>
+                </a:cubicBezTo>
+                <a:cubicBezTo>
+                  <a:pt x="843721" y="503613"/>
+                  <a:pt x="841312" y="493013"/>
+                  <a:pt x="838472" y="482600"/>
+                </a:cubicBezTo>
+                <a:cubicBezTo>
+                  <a:pt x="834950" y="469685"/>
+                  <a:pt x="830347" y="457081"/>
+                  <a:pt x="825772" y="444500"/>
+                </a:cubicBezTo>
+                <a:cubicBezTo>
+                  <a:pt x="821877" y="433788"/>
+                  <a:pt x="819609" y="422088"/>
+                  <a:pt x="813072" y="412750"/>
+                </a:cubicBezTo>
+                <a:cubicBezTo>
+                  <a:pt x="804489" y="400488"/>
+                  <a:pt x="791905" y="391583"/>
+                  <a:pt x="781322" y="381000"/>
+                </a:cubicBezTo>
+                <a:cubicBezTo>
+                  <a:pt x="779205" y="372533"/>
+                  <a:pt x="780424" y="362415"/>
+                  <a:pt x="774972" y="355600"/>
+                </a:cubicBezTo>
+                <a:cubicBezTo>
+                  <a:pt x="770791" y="350373"/>
+                  <a:pt x="761734" y="352571"/>
+                  <a:pt x="755922" y="349250"/>
+                </a:cubicBezTo>
+                <a:cubicBezTo>
+                  <a:pt x="731960" y="335558"/>
+                  <a:pt x="709355" y="319617"/>
+                  <a:pt x="686072" y="304800"/>
+                </a:cubicBezTo>
+                <a:cubicBezTo>
+                  <a:pt x="683955" y="292100"/>
+                  <a:pt x="680685" y="279539"/>
+                  <a:pt x="679722" y="266700"/>
+                </a:cubicBezTo>
+                <a:cubicBezTo>
+                  <a:pt x="674330" y="194811"/>
+                  <a:pt x="682661" y="121174"/>
+                  <a:pt x="667022" y="50800"/>
+                </a:cubicBezTo>
+                <a:cubicBezTo>
+                  <a:pt x="664118" y="37732"/>
+                  <a:pt x="641457" y="42800"/>
+                  <a:pt x="628922" y="38100"/>
+                </a:cubicBezTo>
+                <a:cubicBezTo>
+                  <a:pt x="563028" y="13390"/>
+                  <a:pt x="594745" y="26174"/>
+                  <a:pt x="533672" y="0"/>
+                </a:cubicBezTo>
+                <a:cubicBezTo>
+                  <a:pt x="480755" y="4233"/>
+                  <a:pt x="427542" y="5684"/>
+                  <a:pt x="374922" y="12700"/>
+                </a:cubicBezTo>
+                <a:cubicBezTo>
+                  <a:pt x="363623" y="14206"/>
+                  <a:pt x="353845" y="21398"/>
+                  <a:pt x="343172" y="25400"/>
+                </a:cubicBezTo>
+                <a:cubicBezTo>
+                  <a:pt x="324952" y="32232"/>
+                  <a:pt x="301897" y="31750"/>
+                  <a:pt x="279672" y="38100"/>
+                </a:cubicBezTo>
+                <a:close/>
+              </a:path>
+            </a:pathLst>
+          </a:custGeom>
+          <a:solidFill>
+            <a:schemeClr val="accent1">
+              <a:alpha val="9000"/>
+            </a:schemeClr>
+          </a:solidFill>
+          <a:scene3d>
+            <a:camera prst="isometricLeftDown"/>
+            <a:lightRig rig="threePt" dir="t"/>
+          </a:scene3d>
+        </p:spPr>
+        <p:style>
+          <a:lnRef idx="2">
+            <a:schemeClr val="accent1">
+              <a:shade val="15000"/>
+            </a:schemeClr>
+          </a:lnRef>
+          <a:fillRef idx="1">
+            <a:schemeClr val="accent1"/>
+          </a:fillRef>
+          <a:effectRef idx="0">
+            <a:schemeClr val="accent1"/>
+          </a:effectRef>
+          <a:fontRef idx="minor">
+            <a:schemeClr val="lt1"/>
+          </a:fontRef>
+        </p:style>
+        <p:txBody>
+          <a:bodyPr rtlCol="0" anchor="ctr"/>
+          <a:lstStyle/>
+          <a:p>
+            <a:pPr algn="ctr"/>
+            <a:endParaRPr lang="zh-CN" altLang="en-US" dirty="0"/>
+          </a:p>
+        </p:txBody>
+      </p:sp>
+      <p:sp>
+        <p:nvSpPr>
+          <p:cNvPr id="29" name="椭圆 28">
+            <a:extLst>
+              <a:ext uri="{FF2B5EF4-FFF2-40B4-BE49-F238E27FC236}">
+                <a16:creationId xmlns:a16="http://schemas.microsoft.com/office/drawing/2014/main" id="{16CAC99B-7BA7-F832-0B73-31560D861EAA}"/>
+              </a:ext>
+            </a:extLst>
+          </p:cNvPr>
+          <p:cNvSpPr/>
+          <p:nvPr/>
+        </p:nvSpPr>
+        <p:spPr>
+          <a:xfrm>
+            <a:off x="4732925" y="3400990"/>
+            <a:ext cx="86400" cy="86400"/>
+          </a:xfrm>
+          <a:prstGeom prst="ellipse">
+            <a:avLst/>
+          </a:prstGeom>
+        </p:spPr>
+        <p:style>
+          <a:lnRef idx="2">
+            <a:schemeClr val="accent1">
+              <a:shade val="15000"/>
+            </a:schemeClr>
+          </a:lnRef>
+          <a:fillRef idx="1">
+            <a:schemeClr val="accent1"/>
+          </a:fillRef>
+          <a:effectRef idx="0">
+            <a:schemeClr val="accent1"/>
+          </a:effectRef>
+          <a:fontRef idx="minor">
+            <a:schemeClr val="lt1"/>
+          </a:fontRef>
+        </p:style>
+        <p:txBody>
+          <a:bodyPr rtlCol="0" anchor="ctr"/>
+          <a:lstStyle/>
+          <a:p>
+            <a:pPr algn="ctr"/>
+            <a:endParaRPr lang="zh-CN" altLang="en-US"/>
+          </a:p>
+        </p:txBody>
+      </p:sp>
+      <p:sp>
+        <p:nvSpPr>
+          <p:cNvPr id="30" name="椭圆 29">
+            <a:extLst>
+              <a:ext uri="{FF2B5EF4-FFF2-40B4-BE49-F238E27FC236}">
+                <a16:creationId xmlns:a16="http://schemas.microsoft.com/office/drawing/2014/main" id="{CAA257D4-DCC8-52CB-8F85-5BF823E3A1DF}"/>
+              </a:ext>
+            </a:extLst>
+          </p:cNvPr>
+          <p:cNvSpPr/>
+          <p:nvPr/>
+        </p:nvSpPr>
+        <p:spPr>
+          <a:xfrm>
+            <a:off x="10332675" y="3342600"/>
+            <a:ext cx="86400" cy="86400"/>
+          </a:xfrm>
+          <a:prstGeom prst="ellipse">
+            <a:avLst/>
+          </a:prstGeom>
+        </p:spPr>
+        <p:style>
+          <a:lnRef idx="2">
+            <a:schemeClr val="accent1">
+              <a:shade val="15000"/>
+            </a:schemeClr>
+          </a:lnRef>
+          <a:fillRef idx="1">
+            <a:schemeClr val="accent1"/>
+          </a:fillRef>
+          <a:effectRef idx="0">
+            <a:schemeClr val="accent1"/>
+          </a:effectRef>
+          <a:fontRef idx="minor">
+            <a:schemeClr val="lt1"/>
+          </a:fontRef>
+        </p:style>
+        <p:txBody>
+          <a:bodyPr rtlCol="0" anchor="ctr"/>
+          <a:lstStyle/>
+          <a:p>
+            <a:pPr algn="ctr"/>
+            <a:endParaRPr lang="zh-CN" altLang="en-US"/>
+          </a:p>
+        </p:txBody>
+      </p:sp>
+      <p:cxnSp>
+        <p:nvCxnSpPr>
+          <p:cNvPr id="33" name="连接符: 曲线 32">
+            <a:extLst>
+              <a:ext uri="{FF2B5EF4-FFF2-40B4-BE49-F238E27FC236}">
+                <a16:creationId xmlns:a16="http://schemas.microsoft.com/office/drawing/2014/main" id="{EF5C8CFE-0D78-9CEA-EA5F-9758929BD1D0}"/>
+              </a:ext>
+            </a:extLst>
+          </p:cNvPr>
+          <p:cNvCxnSpPr>
+            <a:cxnSpLocks/>
+            <a:stCxn id="30" idx="4"/>
+            <a:endCxn id="29" idx="4"/>
+          </p:cNvCxnSpPr>
+          <p:nvPr/>
+        </p:nvCxnSpPr>
+        <p:spPr>
+          <a:xfrm rot="5400000">
+            <a:off x="7546805" y="658320"/>
+            <a:ext cx="58390" cy="5599750"/>
+          </a:xfrm>
+          <a:prstGeom prst="curvedConnector3">
+            <a:avLst>
+              <a:gd name="adj1" fmla="val 1127702"/>
+            </a:avLst>
+          </a:prstGeom>
+          <a:ln>
+            <a:solidFill>
+              <a:srgbClr val="00B0F0"/>
+            </a:solidFill>
+            <a:tailEnd type="triangle"/>
+          </a:ln>
+        </p:spPr>
+        <p:style>
+          <a:lnRef idx="2">
+            <a:schemeClr val="accent1"/>
+          </a:lnRef>
+          <a:fillRef idx="0">
+            <a:schemeClr val="accent1"/>
+          </a:fillRef>
+          <a:effectRef idx="1">
+            <a:schemeClr val="accent1"/>
+          </a:effectRef>
+          <a:fontRef idx="minor">
+            <a:schemeClr val="tx1"/>
+          </a:fontRef>
+        </p:style>
+      </p:cxnSp>
+      <p:cxnSp>
+        <p:nvCxnSpPr>
+          <p:cNvPr id="42" name="直接箭头连接符 41">
+            <a:extLst>
+              <a:ext uri="{FF2B5EF4-FFF2-40B4-BE49-F238E27FC236}">
+                <a16:creationId xmlns:a16="http://schemas.microsoft.com/office/drawing/2014/main" id="{CDE4F623-F14D-65B8-0E62-1735F5300A31}"/>
+              </a:ext>
+            </a:extLst>
+          </p:cNvPr>
+          <p:cNvCxnSpPr>
+            <a:cxnSpLocks/>
+          </p:cNvCxnSpPr>
+          <p:nvPr/>
+        </p:nvCxnSpPr>
+        <p:spPr>
+          <a:xfrm>
+            <a:off x="5370439" y="3481974"/>
+            <a:ext cx="533931" cy="0"/>
+          </a:xfrm>
+          <a:prstGeom prst="straightConnector1">
+            <a:avLst/>
+          </a:prstGeom>
+          <a:ln>
+            <a:solidFill>
+              <a:schemeClr val="tx1"/>
+            </a:solidFill>
+            <a:tailEnd type="triangle"/>
+          </a:ln>
+        </p:spPr>
+        <p:style>
+          <a:lnRef idx="2">
+            <a:schemeClr val="accent1"/>
+          </a:lnRef>
+          <a:fillRef idx="0">
+            <a:schemeClr val="accent1"/>
+          </a:fillRef>
+          <a:effectRef idx="1">
+            <a:schemeClr val="accent1"/>
+          </a:effectRef>
+          <a:fontRef idx="minor">
+            <a:schemeClr val="tx1"/>
+          </a:fontRef>
+        </p:style>
+      </p:cxnSp>
+      <p:cxnSp>
+        <p:nvCxnSpPr>
+          <p:cNvPr id="45" name="直接箭头连接符 44">
+            <a:extLst>
+              <a:ext uri="{FF2B5EF4-FFF2-40B4-BE49-F238E27FC236}">
+                <a16:creationId xmlns:a16="http://schemas.microsoft.com/office/drawing/2014/main" id="{63402BD2-2336-CAB6-D733-40E596536836}"/>
+              </a:ext>
+            </a:extLst>
+          </p:cNvPr>
+          <p:cNvCxnSpPr>
+            <a:cxnSpLocks/>
+          </p:cNvCxnSpPr>
+          <p:nvPr/>
+        </p:nvCxnSpPr>
+        <p:spPr>
+          <a:xfrm>
+            <a:off x="3804356" y="3549827"/>
+            <a:ext cx="533931" cy="0"/>
+          </a:xfrm>
+          <a:prstGeom prst="straightConnector1">
+            <a:avLst/>
+          </a:prstGeom>
+          <a:ln>
+            <a:solidFill>
+              <a:schemeClr val="tx1"/>
+            </a:solidFill>
+            <a:tailEnd type="triangle"/>
+          </a:ln>
+        </p:spPr>
+        <p:style>
+          <a:lnRef idx="2">
+            <a:schemeClr val="accent1"/>
+          </a:lnRef>
+          <a:fillRef idx="0">
+            <a:schemeClr val="accent1"/>
+          </a:fillRef>
+          <a:effectRef idx="1">
+            <a:schemeClr val="accent1"/>
+          </a:effectRef>
+          <a:fontRef idx="minor">
+            <a:schemeClr val="tx1"/>
+          </a:fontRef>
+        </p:style>
+      </p:cxnSp>
+      <p:sp>
+        <p:nvSpPr>
+          <p:cNvPr id="52" name="文本框 51">
+            <a:extLst>
+              <a:ext uri="{FF2B5EF4-FFF2-40B4-BE49-F238E27FC236}">
+                <a16:creationId xmlns:a16="http://schemas.microsoft.com/office/drawing/2014/main" id="{612CE798-7317-E22A-2BE6-344FCDC7F624}"/>
+              </a:ext>
+            </a:extLst>
+          </p:cNvPr>
+          <p:cNvSpPr txBox="1"/>
+          <p:nvPr/>
+        </p:nvSpPr>
+        <p:spPr>
+          <a:xfrm rot="2128413">
+            <a:off x="9790243" y="2943425"/>
+            <a:ext cx="474867" cy="400110"/>
+          </a:xfrm>
+          <a:prstGeom prst="rect">
+            <a:avLst/>
+          </a:prstGeom>
+          <a:noFill/>
+        </p:spPr>
+        <p:txBody>
+          <a:bodyPr wrap="square">
+            <a:spAutoFit/>
+          </a:bodyPr>
+          <a:lstStyle/>
+          <a:p>
+            <a:r>
+              <a:rPr lang="en-US" altLang="zh-CN" sz="2000" dirty="0">
+                <a:latin typeface="Times New Roman" panose="02020603050405020304" pitchFamily="18" charset="0"/>
+                <a:cs typeface="Times New Roman" panose="02020603050405020304" pitchFamily="18" charset="0"/>
+              </a:rPr>
+              <a:t>…</a:t>
+            </a:r>
+            <a:endParaRPr lang="zh-CN" altLang="en-US" sz="2000" dirty="0">
+              <a:latin typeface="Times New Roman" panose="02020603050405020304" pitchFamily="18" charset="0"/>
+              <a:cs typeface="Times New Roman" panose="02020603050405020304" pitchFamily="18" charset="0"/>
+            </a:endParaRPr>
+          </a:p>
+        </p:txBody>
+      </p:sp>
+      <p:cxnSp>
+        <p:nvCxnSpPr>
+          <p:cNvPr id="56" name="直接连接符 55">
+            <a:extLst>
+              <a:ext uri="{FF2B5EF4-FFF2-40B4-BE49-F238E27FC236}">
+                <a16:creationId xmlns:a16="http://schemas.microsoft.com/office/drawing/2014/main" id="{8B5DD6B7-E659-7924-1EBB-FB3AE5179B4B}"/>
+              </a:ext>
+            </a:extLst>
+          </p:cNvPr>
+          <p:cNvCxnSpPr>
+            <a:cxnSpLocks/>
+          </p:cNvCxnSpPr>
+          <p:nvPr/>
+        </p:nvCxnSpPr>
+        <p:spPr>
+          <a:xfrm>
+            <a:off x="4776125" y="1802490"/>
+            <a:ext cx="0" cy="3600000"/>
+          </a:xfrm>
+          <a:prstGeom prst="line">
+            <a:avLst/>
+          </a:prstGeom>
+          <a:ln w="12700">
+            <a:solidFill>
+              <a:schemeClr val="tx1"/>
+            </a:solidFill>
+            <a:prstDash val="dash"/>
+          </a:ln>
+        </p:spPr>
+        <p:style>
+          <a:lnRef idx="2">
+            <a:schemeClr val="accent1"/>
+          </a:lnRef>
+          <a:fillRef idx="0">
+            <a:schemeClr val="accent1"/>
+          </a:fillRef>
+          <a:effectRef idx="1">
+            <a:schemeClr val="accent1"/>
+          </a:effectRef>
+          <a:fontRef idx="minor">
+            <a:schemeClr val="tx1"/>
+          </a:fontRef>
+        </p:style>
+      </p:cxnSp>
+      <mc:AlternateContent xmlns:mc="http://schemas.openxmlformats.org/markup-compatibility/2006">
+        <mc:Choice xmlns:a14="http://schemas.microsoft.com/office/drawing/2010/main" Requires="a14">
+          <p:sp>
+            <p:nvSpPr>
+              <p:cNvPr id="58" name="文本框 57">
+                <a:extLst>
+                  <a:ext uri="{FF2B5EF4-FFF2-40B4-BE49-F238E27FC236}">
+                    <a16:creationId xmlns:a16="http://schemas.microsoft.com/office/drawing/2014/main" id="{F11C9179-0AC8-B456-1D8C-6FB2BA67862F}"/>
+                  </a:ext>
+                </a:extLst>
+              </p:cNvPr>
+              <p:cNvSpPr txBox="1"/>
+              <p:nvPr/>
+            </p:nvSpPr>
+            <p:spPr>
+              <a:xfrm>
+                <a:off x="4556930" y="1055017"/>
+                <a:ext cx="501740" cy="246221"/>
+              </a:xfrm>
+              <a:prstGeom prst="rect">
+                <a:avLst/>
+              </a:prstGeom>
+              <a:noFill/>
+            </p:spPr>
+            <p:txBody>
+              <a:bodyPr wrap="none" lIns="0" tIns="0" rIns="0" bIns="0" rtlCol="0">
+                <a:spAutoFit/>
+              </a:bodyPr>
+              <a:lstStyle/>
+              <a:p>
+                <a:pPr/>
+                <a14:m>
+                  <m:oMathPara xmlns:m="http://schemas.openxmlformats.org/officeDocument/2006/math">
+                    <m:oMathParaPr>
+                      <m:jc m:val="centerGroup"/>
+                    </m:oMathParaPr>
+                    <m:oMath xmlns:m="http://schemas.openxmlformats.org/officeDocument/2006/math">
+                      <m:r>
+                        <a:rPr lang="en-US" altLang="zh-CN" sz="1600" b="0" i="1" smtClean="0">
+                          <a:latin typeface="Cambria Math" panose="02040503050406030204" pitchFamily="18" charset="0"/>
+                        </a:rPr>
+                        <m:t>𝑡</m:t>
+                      </m:r>
+                      <m:r>
+                        <a:rPr lang="en-US" altLang="zh-CN" sz="1600" b="0" i="1" smtClean="0">
+                          <a:latin typeface="Cambria Math" panose="02040503050406030204" pitchFamily="18" charset="0"/>
+                        </a:rPr>
+                        <m:t>−1</m:t>
+                      </m:r>
+                    </m:oMath>
+                  </m:oMathPara>
+                </a14:m>
+                <a:endParaRPr lang="zh-CN" altLang="en-US" sz="1600" dirty="0"/>
+              </a:p>
+            </p:txBody>
+          </p:sp>
+        </mc:Choice>
+        <mc:Fallback>
+          <p:sp>
+            <p:nvSpPr>
+              <p:cNvPr id="58" name="文本框 57">
+                <a:extLst>
+                  <a:ext uri="{FF2B5EF4-FFF2-40B4-BE49-F238E27FC236}">
+                    <a16:creationId xmlns:a16="http://schemas.microsoft.com/office/drawing/2014/main" id="{F11C9179-0AC8-B456-1D8C-6FB2BA67862F}"/>
+                  </a:ext>
+                </a:extLst>
+              </p:cNvPr>
+              <p:cNvSpPr txBox="1">
+                <a:spLocks noRot="1" noChangeAspect="1" noMove="1" noResize="1" noEditPoints="1" noAdjustHandles="1" noChangeArrowheads="1" noChangeShapeType="1" noTextEdit="1"/>
+              </p:cNvSpPr>
+              <p:nvPr/>
+            </p:nvSpPr>
+            <p:spPr>
+              <a:xfrm>
+                <a:off x="4556930" y="1055017"/>
+                <a:ext cx="501740" cy="246221"/>
+              </a:xfrm>
+              <a:prstGeom prst="rect">
+                <a:avLst/>
+              </a:prstGeom>
+              <a:blipFill>
+                <a:blip r:embed="rId11"/>
+                <a:stretch>
+                  <a:fillRect l="-7317" r="-7317" b="-7500"/>
+                </a:stretch>
+              </a:blipFill>
+            </p:spPr>
+            <p:txBody>
+              <a:bodyPr/>
+              <a:lstStyle/>
+              <a:p>
+                <a:r>
+                  <a:rPr lang="zh-CN" altLang="en-US">
+                    <a:noFill/>
+                  </a:rPr>
+                  <a:t> </a:t>
+                </a:r>
+              </a:p>
+            </p:txBody>
+          </p:sp>
+        </mc:Fallback>
+      </mc:AlternateContent>
+      <mc:AlternateContent xmlns:mc="http://schemas.openxmlformats.org/markup-compatibility/2006">
+        <mc:Choice xmlns:a14="http://schemas.microsoft.com/office/drawing/2010/main" Requires="a14">
+          <p:sp>
+            <p:nvSpPr>
+              <p:cNvPr id="59" name="文本框 58">
+                <a:extLst>
+                  <a:ext uri="{FF2B5EF4-FFF2-40B4-BE49-F238E27FC236}">
+                    <a16:creationId xmlns:a16="http://schemas.microsoft.com/office/drawing/2014/main" id="{46FE16E1-1A44-4A24-3EDF-26F0BDD46DC7}"/>
+                  </a:ext>
+                </a:extLst>
+              </p:cNvPr>
+              <p:cNvSpPr txBox="1"/>
+              <p:nvPr/>
+            </p:nvSpPr>
+            <p:spPr>
+              <a:xfrm>
+                <a:off x="4683582" y="5556334"/>
+                <a:ext cx="436979" cy="246221"/>
+              </a:xfrm>
+              <a:prstGeom prst="rect">
+                <a:avLst/>
+              </a:prstGeom>
+              <a:noFill/>
+            </p:spPr>
+            <p:txBody>
+              <a:bodyPr wrap="none" lIns="0" tIns="0" rIns="0" bIns="0" rtlCol="0">
+                <a:spAutoFit/>
+              </a:bodyPr>
+              <a:lstStyle/>
+              <a:p>
+                <a:pPr/>
+                <a14:m>
+                  <m:oMathPara xmlns:m="http://schemas.openxmlformats.org/officeDocument/2006/math">
+                    <m:oMathParaPr>
+                      <m:jc m:val="centerGroup"/>
+                    </m:oMathParaPr>
+                    <m:oMath xmlns:m="http://schemas.openxmlformats.org/officeDocument/2006/math">
+                      <m:sSub>
+                        <m:sSubPr>
+                          <m:ctrlPr>
+                            <a:rPr lang="en-US" altLang="zh-CN" sz="1600" b="0" i="1" smtClean="0">
+                              <a:latin typeface="Cambria Math" panose="02040503050406030204" pitchFamily="18" charset="0"/>
+                            </a:rPr>
+                          </m:ctrlPr>
+                        </m:sSubPr>
+                        <m:e>
+                          <m:r>
+                            <a:rPr lang="en-US" altLang="zh-CN" sz="1600" b="0" i="1" smtClean="0">
+                              <a:latin typeface="Cambria Math" panose="02040503050406030204" pitchFamily="18" charset="0"/>
+                            </a:rPr>
+                            <m:t>𝑥</m:t>
+                          </m:r>
+                        </m:e>
+                        <m:sub>
+                          <m:r>
+                            <a:rPr lang="en-US" altLang="zh-CN" sz="1600" b="0" i="1" smtClean="0">
+                              <a:latin typeface="Cambria Math" panose="02040503050406030204" pitchFamily="18" charset="0"/>
+                            </a:rPr>
+                            <m:t>𝑡</m:t>
+                          </m:r>
+                          <m:r>
+                            <a:rPr lang="en-US" altLang="zh-CN" sz="1600" b="0" i="1" smtClean="0">
+                              <a:latin typeface="Cambria Math" panose="02040503050406030204" pitchFamily="18" charset="0"/>
+                            </a:rPr>
+                            <m:t>−1</m:t>
+                          </m:r>
+                        </m:sub>
+                      </m:sSub>
+                    </m:oMath>
+                  </m:oMathPara>
+                </a14:m>
+                <a:endParaRPr lang="zh-CN" altLang="en-US" sz="1600" dirty="0"/>
+              </a:p>
+            </p:txBody>
+          </p:sp>
+        </mc:Choice>
+        <mc:Fallback>
+          <p:sp>
+            <p:nvSpPr>
+              <p:cNvPr id="59" name="文本框 58">
+                <a:extLst>
+                  <a:ext uri="{FF2B5EF4-FFF2-40B4-BE49-F238E27FC236}">
+                    <a16:creationId xmlns:a16="http://schemas.microsoft.com/office/drawing/2014/main" id="{46FE16E1-1A44-4A24-3EDF-26F0BDD46DC7}"/>
+                  </a:ext>
+                </a:extLst>
+              </p:cNvPr>
+              <p:cNvSpPr txBox="1">
+                <a:spLocks noRot="1" noChangeAspect="1" noMove="1" noResize="1" noEditPoints="1" noAdjustHandles="1" noChangeArrowheads="1" noChangeShapeType="1" noTextEdit="1"/>
+              </p:cNvSpPr>
+              <p:nvPr/>
+            </p:nvSpPr>
+            <p:spPr>
+              <a:xfrm>
+                <a:off x="4683582" y="5556334"/>
+                <a:ext cx="436979" cy="246221"/>
+              </a:xfrm>
+              <a:prstGeom prst="rect">
+                <a:avLst/>
+              </a:prstGeom>
+              <a:blipFill>
+                <a:blip r:embed="rId12"/>
+                <a:stretch>
+                  <a:fillRect l="-4167" r="-1389" b="-12195"/>
+                </a:stretch>
+              </a:blipFill>
+            </p:spPr>
+            <p:txBody>
+              <a:bodyPr/>
+              <a:lstStyle/>
+              <a:p>
+                <a:r>
+                  <a:rPr lang="zh-CN" altLang="en-US">
+                    <a:noFill/>
+                  </a:rPr>
+                  <a:t> </a:t>
+                </a:r>
+              </a:p>
+            </p:txBody>
+          </p:sp>
+        </mc:Fallback>
+      </mc:AlternateContent>
+      <p:sp>
+        <p:nvSpPr>
+          <p:cNvPr id="62" name="文本框 61">
+            <a:extLst>
+              <a:ext uri="{FF2B5EF4-FFF2-40B4-BE49-F238E27FC236}">
+                <a16:creationId xmlns:a16="http://schemas.microsoft.com/office/drawing/2014/main" id="{CB39B81A-F79C-6F49-4712-37EAABB353CF}"/>
+              </a:ext>
+            </a:extLst>
+          </p:cNvPr>
+          <p:cNvSpPr txBox="1"/>
+          <p:nvPr/>
+        </p:nvSpPr>
+        <p:spPr>
+          <a:xfrm>
+            <a:off x="6613497" y="2068951"/>
+            <a:ext cx="638316" cy="307777"/>
+          </a:xfrm>
+          <a:prstGeom prst="rect">
+            <a:avLst/>
+          </a:prstGeom>
+          <a:noFill/>
+        </p:spPr>
+        <p:txBody>
+          <a:bodyPr wrap="none" rtlCol="0">
+            <a:spAutoFit/>
+          </a:bodyPr>
+          <a:lstStyle/>
+          <a:p>
+            <a:r>
+              <a:rPr lang="en-US" altLang="zh-CN" sz="1400" dirty="0">
+                <a:latin typeface="Times New Roman" panose="02020603050405020304" pitchFamily="18" charset="0"/>
+                <a:cs typeface="Times New Roman" panose="02020603050405020304" pitchFamily="18" charset="0"/>
+              </a:rPr>
+              <a:t>Step 1</a:t>
+            </a:r>
+            <a:endParaRPr lang="zh-CN" altLang="en-US" sz="1400" dirty="0">
+              <a:latin typeface="Times New Roman" panose="02020603050405020304" pitchFamily="18" charset="0"/>
+              <a:cs typeface="Times New Roman" panose="02020603050405020304" pitchFamily="18" charset="0"/>
+            </a:endParaRPr>
+          </a:p>
+        </p:txBody>
+      </p:sp>
+      <p:sp>
+        <p:nvSpPr>
+          <p:cNvPr id="63" name="文本框 62">
+            <a:extLst>
+              <a:ext uri="{FF2B5EF4-FFF2-40B4-BE49-F238E27FC236}">
+                <a16:creationId xmlns:a16="http://schemas.microsoft.com/office/drawing/2014/main" id="{C37BD33F-6BF8-E2AA-98FD-FCEF7BDF7B3B}"/>
+              </a:ext>
+            </a:extLst>
+          </p:cNvPr>
+          <p:cNvSpPr txBox="1"/>
+          <p:nvPr/>
+        </p:nvSpPr>
+        <p:spPr>
+          <a:xfrm>
+            <a:off x="10027676" y="2913490"/>
+            <a:ext cx="638316" cy="307777"/>
+          </a:xfrm>
+          <a:prstGeom prst="rect">
+            <a:avLst/>
+          </a:prstGeom>
+          <a:noFill/>
+        </p:spPr>
+        <p:txBody>
+          <a:bodyPr wrap="none" rtlCol="0">
+            <a:spAutoFit/>
+          </a:bodyPr>
+          <a:lstStyle/>
+          <a:p>
+            <a:r>
+              <a:rPr lang="en-US" altLang="zh-CN" sz="1400" dirty="0">
+                <a:latin typeface="Times New Roman" panose="02020603050405020304" pitchFamily="18" charset="0"/>
+                <a:cs typeface="Times New Roman" panose="02020603050405020304" pitchFamily="18" charset="0"/>
+              </a:rPr>
+              <a:t>Step 2</a:t>
+            </a:r>
+            <a:endParaRPr lang="zh-CN" altLang="en-US" sz="1400" dirty="0">
+              <a:latin typeface="Times New Roman" panose="02020603050405020304" pitchFamily="18" charset="0"/>
+              <a:cs typeface="Times New Roman" panose="02020603050405020304" pitchFamily="18" charset="0"/>
+            </a:endParaRPr>
+          </a:p>
+        </p:txBody>
+      </p:sp>
+      <p:sp>
+        <p:nvSpPr>
+          <p:cNvPr id="65" name="文本框 64">
+            <a:extLst>
+              <a:ext uri="{FF2B5EF4-FFF2-40B4-BE49-F238E27FC236}">
+                <a16:creationId xmlns:a16="http://schemas.microsoft.com/office/drawing/2014/main" id="{AC6485BF-A853-C0FF-3605-8BB5620A6C39}"/>
+              </a:ext>
+            </a:extLst>
+          </p:cNvPr>
+          <p:cNvSpPr txBox="1"/>
+          <p:nvPr/>
+        </p:nvSpPr>
+        <p:spPr>
+          <a:xfrm>
+            <a:off x="7113058" y="4137162"/>
+            <a:ext cx="638316" cy="307777"/>
+          </a:xfrm>
+          <a:prstGeom prst="rect">
+            <a:avLst/>
+          </a:prstGeom>
+          <a:noFill/>
+        </p:spPr>
+        <p:txBody>
+          <a:bodyPr wrap="none" rtlCol="0">
+            <a:spAutoFit/>
+          </a:bodyPr>
+          <a:lstStyle/>
+          <a:p>
+            <a:r>
+              <a:rPr lang="en-US" altLang="zh-CN" sz="1400" dirty="0">
+                <a:latin typeface="Times New Roman" panose="02020603050405020304" pitchFamily="18" charset="0"/>
+                <a:cs typeface="Times New Roman" panose="02020603050405020304" pitchFamily="18" charset="0"/>
+              </a:rPr>
+              <a:t>Step 3</a:t>
+            </a:r>
+            <a:endParaRPr lang="zh-CN" altLang="en-US" sz="1400" dirty="0">
+              <a:latin typeface="Times New Roman" panose="02020603050405020304" pitchFamily="18" charset="0"/>
+              <a:cs typeface="Times New Roman" panose="02020603050405020304" pitchFamily="18" charset="0"/>
+            </a:endParaRPr>
           </a:p>
         </p:txBody>
       </p:sp>
